--- a/BK.pptx
+++ b/BK.pptx
@@ -10,6 +10,10 @@
     <p:sldId id="258" r:id="rId4"/>
     <p:sldId id="260" r:id="rId5"/>
     <p:sldId id="259" r:id="rId6"/>
+    <p:sldId id="261" r:id="rId7"/>
+    <p:sldId id="262" r:id="rId8"/>
+    <p:sldId id="263" r:id="rId9"/>
+    <p:sldId id="264" r:id="rId10"/>
   </p:sldIdLst>
   <p:sldSz cx="12192000" cy="6858000"/>
   <p:notesSz cx="6858000" cy="9144000"/>
@@ -263,7 +267,7 @@
           <a:p>
             <a:fld id="{1EE040E6-4F96-4939-A60E-8D6512789607}" type="datetimeFigureOut">
               <a:rPr lang="en-US" smtClean="0"/>
-              <a:t>12/25/2021</a:t>
+              <a:t>12/26/2021</a:t>
             </a:fld>
             <a:endParaRPr lang="en-US"/>
           </a:p>
@@ -461,7 +465,7 @@
           <a:p>
             <a:fld id="{1EE040E6-4F96-4939-A60E-8D6512789607}" type="datetimeFigureOut">
               <a:rPr lang="en-US" smtClean="0"/>
-              <a:t>12/25/2021</a:t>
+              <a:t>12/26/2021</a:t>
             </a:fld>
             <a:endParaRPr lang="en-US"/>
           </a:p>
@@ -669,7 +673,7 @@
           <a:p>
             <a:fld id="{1EE040E6-4F96-4939-A60E-8D6512789607}" type="datetimeFigureOut">
               <a:rPr lang="en-US" smtClean="0"/>
-              <a:t>12/25/2021</a:t>
+              <a:t>12/26/2021</a:t>
             </a:fld>
             <a:endParaRPr lang="en-US"/>
           </a:p>
@@ -867,7 +871,7 @@
           <a:p>
             <a:fld id="{1EE040E6-4F96-4939-A60E-8D6512789607}" type="datetimeFigureOut">
               <a:rPr lang="en-US" smtClean="0"/>
-              <a:t>12/25/2021</a:t>
+              <a:t>12/26/2021</a:t>
             </a:fld>
             <a:endParaRPr lang="en-US"/>
           </a:p>
@@ -1142,7 +1146,7 @@
           <a:p>
             <a:fld id="{1EE040E6-4F96-4939-A60E-8D6512789607}" type="datetimeFigureOut">
               <a:rPr lang="en-US" smtClean="0"/>
-              <a:t>12/25/2021</a:t>
+              <a:t>12/26/2021</a:t>
             </a:fld>
             <a:endParaRPr lang="en-US"/>
           </a:p>
@@ -1407,7 +1411,7 @@
           <a:p>
             <a:fld id="{1EE040E6-4F96-4939-A60E-8D6512789607}" type="datetimeFigureOut">
               <a:rPr lang="en-US" smtClean="0"/>
-              <a:t>12/25/2021</a:t>
+              <a:t>12/26/2021</a:t>
             </a:fld>
             <a:endParaRPr lang="en-US"/>
           </a:p>
@@ -1819,7 +1823,7 @@
           <a:p>
             <a:fld id="{1EE040E6-4F96-4939-A60E-8D6512789607}" type="datetimeFigureOut">
               <a:rPr lang="en-US" smtClean="0"/>
-              <a:t>12/25/2021</a:t>
+              <a:t>12/26/2021</a:t>
             </a:fld>
             <a:endParaRPr lang="en-US"/>
           </a:p>
@@ -1960,7 +1964,7 @@
           <a:p>
             <a:fld id="{1EE040E6-4F96-4939-A60E-8D6512789607}" type="datetimeFigureOut">
               <a:rPr lang="en-US" smtClean="0"/>
-              <a:t>12/25/2021</a:t>
+              <a:t>12/26/2021</a:t>
             </a:fld>
             <a:endParaRPr lang="en-US"/>
           </a:p>
@@ -2073,7 +2077,7 @@
           <a:p>
             <a:fld id="{1EE040E6-4F96-4939-A60E-8D6512789607}" type="datetimeFigureOut">
               <a:rPr lang="en-US" smtClean="0"/>
-              <a:t>12/25/2021</a:t>
+              <a:t>12/26/2021</a:t>
             </a:fld>
             <a:endParaRPr lang="en-US"/>
           </a:p>
@@ -2384,7 +2388,7 @@
           <a:p>
             <a:fld id="{1EE040E6-4F96-4939-A60E-8D6512789607}" type="datetimeFigureOut">
               <a:rPr lang="en-US" smtClean="0"/>
-              <a:t>12/25/2021</a:t>
+              <a:t>12/26/2021</a:t>
             </a:fld>
             <a:endParaRPr lang="en-US"/>
           </a:p>
@@ -2672,7 +2676,7 @@
           <a:p>
             <a:fld id="{1EE040E6-4F96-4939-A60E-8D6512789607}" type="datetimeFigureOut">
               <a:rPr lang="en-US" smtClean="0"/>
-              <a:t>12/25/2021</a:t>
+              <a:t>12/26/2021</a:t>
             </a:fld>
             <a:endParaRPr lang="en-US"/>
           </a:p>
@@ -2913,7 +2917,7 @@
           <a:p>
             <a:fld id="{1EE040E6-4F96-4939-A60E-8D6512789607}" type="datetimeFigureOut">
               <a:rPr lang="en-US" smtClean="0"/>
-              <a:t>12/25/2021</a:t>
+              <a:t>12/26/2021</a:t>
             </a:fld>
             <a:endParaRPr lang="en-US"/>
           </a:p>
@@ -3424,93 +3428,9 @@
                 <a:solidFill>
                   <a:schemeClr val="bg1"/>
                 </a:solidFill>
+                <a:latin typeface="PT Sans" panose="020B0503020203020204" pitchFamily="34" charset="0"/>
               </a:rPr>
               <a:t>Back End Development</a:t>
-            </a:r>
-          </a:p>
-        </p:txBody>
-      </p:sp>
-      <p:sp>
-        <p:nvSpPr>
-          <p:cNvPr id="8" name="TextBox 7">
-            <a:extLst>
-              <a:ext uri="{FF2B5EF4-FFF2-40B4-BE49-F238E27FC236}">
-                <a16:creationId xmlns:a16="http://schemas.microsoft.com/office/drawing/2014/main" id="{B6B14D53-5003-463A-B37A-60E5E25165D8}"/>
-              </a:ext>
-            </a:extLst>
-          </p:cNvPr>
-          <p:cNvSpPr txBox="1"/>
-          <p:nvPr/>
-        </p:nvSpPr>
-        <p:spPr>
-          <a:xfrm>
-            <a:off x="2463282" y="4124130"/>
-            <a:ext cx="3111566" cy="1200329"/>
-          </a:xfrm>
-          <a:prstGeom prst="rect">
-            <a:avLst/>
-          </a:prstGeom>
-          <a:noFill/>
-        </p:spPr>
-        <p:txBody>
-          <a:bodyPr wrap="square" rtlCol="0">
-            <a:spAutoFit/>
-          </a:bodyPr>
-          <a:lstStyle/>
-          <a:p>
-            <a:pPr marL="285750" indent="-285750">
-              <a:buFont typeface="Arial" panose="020B0604020202020204" pitchFamily="34" charset="0"/>
-              <a:buChar char="•"/>
-            </a:pPr>
-            <a:r>
-              <a:rPr lang="en-US" dirty="0">
-                <a:solidFill>
-                  <a:schemeClr val="bg1"/>
-                </a:solidFill>
-              </a:rPr>
-              <a:t>Rate limit</a:t>
-            </a:r>
-          </a:p>
-          <a:p>
-            <a:pPr marL="285750" indent="-285750">
-              <a:buFont typeface="Arial" panose="020B0604020202020204" pitchFamily="34" charset="0"/>
-              <a:buChar char="•"/>
-            </a:pPr>
-            <a:r>
-              <a:rPr lang="en-US" dirty="0">
-                <a:solidFill>
-                  <a:schemeClr val="bg1"/>
-                </a:solidFill>
-              </a:rPr>
-              <a:t>Routes and controllers</a:t>
-            </a:r>
-          </a:p>
-          <a:p>
-            <a:pPr marL="285750" indent="-285750">
-              <a:buFont typeface="Arial" panose="020B0604020202020204" pitchFamily="34" charset="0"/>
-              <a:buChar char="•"/>
-            </a:pPr>
-            <a:r>
-              <a:rPr lang="en-US" dirty="0">
-                <a:solidFill>
-                  <a:schemeClr val="bg1"/>
-                </a:solidFill>
-              </a:rPr>
-              <a:t>Autoload</a:t>
-            </a:r>
-          </a:p>
-          <a:p>
-            <a:pPr marL="285750" indent="-285750">
-              <a:buFont typeface="Arial" panose="020B0604020202020204" pitchFamily="34" charset="0"/>
-              <a:buChar char="•"/>
-            </a:pPr>
-            <a:r>
-              <a:rPr lang="en-US" dirty="0">
-                <a:solidFill>
-                  <a:schemeClr val="bg1"/>
-                </a:solidFill>
-              </a:rPr>
-              <a:t>DTO</a:t>
             </a:r>
           </a:p>
         </p:txBody>
@@ -3548,8 +3468,49 @@
                 <a:solidFill>
                   <a:schemeClr val="bg1"/>
                 </a:solidFill>
-              </a:rPr>
-              <a:t>Steps 1-4 / 38</a:t>
+                <a:latin typeface="PT Sans" panose="020B0503020203020204" pitchFamily="34" charset="0"/>
+              </a:rPr>
+              <a:t>Rate limit</a:t>
+            </a:r>
+          </a:p>
+        </p:txBody>
+      </p:sp>
+      <p:sp>
+        <p:nvSpPr>
+          <p:cNvPr id="11" name="TextBox 10">
+            <a:extLst>
+              <a:ext uri="{FF2B5EF4-FFF2-40B4-BE49-F238E27FC236}">
+                <a16:creationId xmlns:a16="http://schemas.microsoft.com/office/drawing/2014/main" id="{FCD9FAC2-271E-47C9-9F40-5A0C4EF43901}"/>
+              </a:ext>
+            </a:extLst>
+          </p:cNvPr>
+          <p:cNvSpPr txBox="1"/>
+          <p:nvPr/>
+        </p:nvSpPr>
+        <p:spPr>
+          <a:xfrm>
+            <a:off x="2593910" y="5828541"/>
+            <a:ext cx="2873829" cy="369332"/>
+          </a:xfrm>
+          <a:prstGeom prst="rect">
+            <a:avLst/>
+          </a:prstGeom>
+          <a:noFill/>
+        </p:spPr>
+        <p:txBody>
+          <a:bodyPr wrap="square" rtlCol="0">
+            <a:spAutoFit/>
+          </a:bodyPr>
+          <a:lstStyle/>
+          <a:p>
+            <a:r>
+              <a:rPr lang="en-US" dirty="0">
+                <a:solidFill>
+                  <a:schemeClr val="bg1"/>
+                </a:solidFill>
+                <a:latin typeface="PT Sans" panose="020B0503020203020204" pitchFamily="34" charset="0"/>
+              </a:rPr>
+              <a:t>Hamed Hafezi – Dec 2021</a:t>
             </a:r>
           </a:p>
         </p:txBody>
@@ -3618,6 +3579,7 @@
                 <a:solidFill>
                   <a:schemeClr val="bg1"/>
                 </a:solidFill>
+                <a:latin typeface="PT Sans" panose="020B0503020203020204" pitchFamily="34" charset="0"/>
               </a:rPr>
               <a:t>Rate limit</a:t>
             </a:r>
@@ -3654,10 +3616,11 @@
               <a:buNone/>
             </a:pPr>
             <a:r>
-              <a:rPr lang="en-US" sz="2000" dirty="0">
-                <a:solidFill>
-                  <a:schemeClr val="bg1"/>
-                </a:solidFill>
+              <a:rPr lang="en-US" sz="2000" b="1" dirty="0">
+                <a:solidFill>
+                  <a:schemeClr val="bg1"/>
+                </a:solidFill>
+                <a:latin typeface="PT Sans" panose="020B0503020203020204" pitchFamily="34" charset="0"/>
               </a:rPr>
               <a:t>Powerful feature for:</a:t>
             </a:r>
@@ -3669,6 +3632,7 @@
                 <a:solidFill>
                   <a:schemeClr val="bg1"/>
                 </a:solidFill>
+                <a:latin typeface="PT Sans" panose="020B0503020203020204" pitchFamily="34" charset="0"/>
               </a:rPr>
               <a:t>Securing APIs from attacks</a:t>
             </a:r>
@@ -3680,6 +3644,7 @@
                 <a:solidFill>
                   <a:schemeClr val="bg1"/>
                 </a:solidFill>
+                <a:latin typeface="PT Sans" panose="020B0503020203020204" pitchFamily="34" charset="0"/>
               </a:rPr>
               <a:t>Handling unwanted streams of requests from users</a:t>
             </a:r>
@@ -3692,6 +3657,7 @@
               <a:solidFill>
                 <a:schemeClr val="bg1"/>
               </a:solidFill>
+              <a:latin typeface="PT Sans" panose="020B0503020203020204" pitchFamily="34" charset="0"/>
             </a:endParaRPr>
           </a:p>
         </p:txBody>
@@ -3893,10 +3859,11 @@
               <a:buNone/>
             </a:pPr>
             <a:r>
-              <a:rPr lang="en-US" sz="2000" dirty="0">
-                <a:solidFill>
-                  <a:schemeClr val="bg1"/>
-                </a:solidFill>
+              <a:rPr lang="en-US" sz="2000" b="1" dirty="0">
+                <a:solidFill>
+                  <a:schemeClr val="bg1"/>
+                </a:solidFill>
+                <a:latin typeface="PT Sans" panose="020B0503020203020204" pitchFamily="34" charset="0"/>
               </a:rPr>
               <a:t>Example:</a:t>
             </a:r>
@@ -3909,7 +3876,7 @@
                   <a:schemeClr val="bg1"/>
                 </a:solidFill>
                 <a:effectLst/>
-                <a:latin typeface="charter"/>
+                <a:latin typeface="PT Sans" panose="020B0503020203020204" pitchFamily="34" charset="0"/>
               </a:rPr>
               <a:t>Example </a:t>
             </a:r>
@@ -3919,7 +3886,7 @@
                   <a:schemeClr val="bg1"/>
                 </a:solidFill>
                 <a:effectLst/>
-                <a:latin typeface="charter"/>
+                <a:latin typeface="PT Sans" panose="020B0503020203020204" pitchFamily="34" charset="0"/>
                 <a:hlinkClick r:id="rId2">
                   <a:extLst>
                     <a:ext uri="{A12FA001-AC4F-418D-AE19-62706E023703}">
@@ -3936,7 +3903,7 @@
                   <a:schemeClr val="bg1"/>
                 </a:solidFill>
                 <a:effectLst/>
-                <a:latin typeface="charter"/>
+                <a:latin typeface="PT Sans" panose="020B0503020203020204" pitchFamily="34" charset="0"/>
               </a:rPr>
               <a:t> allows 5000 requests per hour per user</a:t>
             </a:r>
@@ -3944,22 +3911,12 @@
           <a:p>
             <a:pPr lvl="1"/>
             <a:r>
-              <a:rPr lang="en-US" sz="1400" b="0" i="0" dirty="0">
+              <a:rPr lang="en-US" sz="1400" b="0" i="0" u="sng" dirty="0">
                 <a:solidFill>
                   <a:schemeClr val="bg1"/>
                 </a:solidFill>
                 <a:effectLst/>
-                <a:latin typeface="charter"/>
-              </a:rPr>
-              <a:t> </a:t>
-            </a:r>
-            <a:r>
-              <a:rPr lang="en-US" sz="1400" b="0" i="0" u="sng" dirty="0">
-                <a:solidFill>
-                  <a:schemeClr val="bg1"/>
-                </a:solidFill>
-                <a:effectLst/>
-                <a:latin typeface="charter"/>
+                <a:latin typeface="PT Sans" panose="020B0503020203020204" pitchFamily="34" charset="0"/>
                 <a:hlinkClick r:id="rId3">
                   <a:extLst>
                     <a:ext uri="{A12FA001-AC4F-418D-AE19-62706E023703}">
@@ -3976,7 +3933,7 @@
                   <a:schemeClr val="bg1"/>
                 </a:solidFill>
                 <a:effectLst/>
-                <a:latin typeface="charter"/>
+                <a:latin typeface="PT Sans" panose="020B0503020203020204" pitchFamily="34" charset="0"/>
               </a:rPr>
               <a:t> allows only 200 calls per user per hour</a:t>
             </a:r>
@@ -4193,14 +4150,13 @@
                   <a:srgbClr val="FFFFFF"/>
                 </a:solidFill>
                 <a:effectLst/>
-                <a:latin typeface="Calibri" panose="020F0502020204030204" pitchFamily="34" charset="0"/>
-                <a:ea typeface="+mn-ea"/>
-                <a:cs typeface="+mn-cs"/>
+                <a:latin typeface="PT Sans" panose="020B0503020203020204" pitchFamily="34" charset="0"/>
               </a:rPr>
               <a:t>Provides a mechanism to limit the number of requests to our API or service in a given time period.</a:t>
             </a:r>
             <a:endParaRPr lang="en-US" sz="2200" dirty="0">
               <a:effectLst/>
+              <a:latin typeface="PT Sans" panose="020B0503020203020204" pitchFamily="34" charset="0"/>
             </a:endParaRPr>
           </a:p>
         </p:txBody>
@@ -4402,10 +4358,11 @@
               <a:buNone/>
             </a:pPr>
             <a:r>
-              <a:rPr lang="en-US" sz="2000" dirty="0">
-                <a:solidFill>
-                  <a:schemeClr val="bg1"/>
-                </a:solidFill>
+              <a:rPr lang="en-US" sz="2000" b="1" dirty="0">
+                <a:solidFill>
+                  <a:schemeClr val="bg1"/>
+                </a:solidFill>
+                <a:latin typeface="PT Sans" panose="020B0503020203020204" pitchFamily="34" charset="0"/>
               </a:rPr>
               <a:t>Without rate limiting, each user may request as many times as they like:</a:t>
             </a:r>
@@ -4417,7 +4374,7 @@
                 <a:solidFill>
                   <a:schemeClr val="bg1"/>
                 </a:solidFill>
-                <a:latin typeface="charter"/>
+                <a:latin typeface="PT Sans" panose="020B0503020203020204" pitchFamily="34" charset="0"/>
               </a:rPr>
               <a:t>which can lead to “spikes” of requests that can starve other consumers</a:t>
             </a:r>
@@ -4429,7 +4386,7 @@
                 <a:solidFill>
                   <a:schemeClr val="bg1"/>
                 </a:solidFill>
-                <a:latin typeface="charter"/>
+                <a:latin typeface="PT Sans" panose="020B0503020203020204" pitchFamily="34" charset="0"/>
               </a:rPr>
               <a:t>can even crash our server</a:t>
             </a:r>
@@ -4500,6 +4457,7 @@
                 <a:solidFill>
                   <a:schemeClr val="bg1"/>
                 </a:solidFill>
+                <a:latin typeface="PT Sans" panose="020B0503020203020204" pitchFamily="34" charset="0"/>
               </a:rPr>
               <a:t>Terms and Idioms</a:t>
             </a:r>
@@ -4525,7 +4483,7 @@
         <p:spPr>
           <a:xfrm>
             <a:off x="838200" y="1825625"/>
-            <a:ext cx="10515600" cy="2729597"/>
+            <a:ext cx="10515600" cy="4046669"/>
           </a:xfrm>
         </p:spPr>
         <p:txBody>
@@ -4538,14 +4496,14 @@
               <a:buNone/>
             </a:pPr>
             <a:r>
-              <a:rPr lang="en-US" sz="2000" b="0" i="0" dirty="0">
+              <a:rPr lang="en-US" sz="2000" b="1" i="0" dirty="0">
                 <a:solidFill>
                   <a:schemeClr val="bg1"/>
                 </a:solidFill>
                 <a:effectLst/>
-                <a:latin typeface="arial" panose="020B0604020202020204" pitchFamily="34" charset="0"/>
-              </a:rPr>
-              <a:t>Traffic spike</a:t>
+                <a:latin typeface="PT Sans" panose="020B0503020203020204" pitchFamily="34" charset="0"/>
+              </a:rPr>
+              <a:t>Traffic spike:</a:t>
             </a:r>
           </a:p>
           <a:p>
@@ -4558,7 +4516,7 @@
                   <a:schemeClr val="bg1"/>
                 </a:solidFill>
                 <a:effectLst/>
-                <a:latin typeface="arial" panose="020B0604020202020204" pitchFamily="34" charset="0"/>
+                <a:latin typeface="PT Sans" panose="020B0503020203020204" pitchFamily="34" charset="0"/>
               </a:rPr>
               <a:t>a “traffic spike” is </a:t>
             </a:r>
@@ -4568,7 +4526,7 @@
                   <a:schemeClr val="bg1"/>
                 </a:solidFill>
                 <a:effectLst/>
-                <a:latin typeface="arial" panose="020B0604020202020204" pitchFamily="34" charset="0"/>
+                <a:latin typeface="PT Sans" panose="020B0503020203020204" pitchFamily="34" charset="0"/>
               </a:rPr>
               <a:t>a sudden surge in demand from your users</a:t>
             </a:r>
@@ -4578,7 +4536,7 @@
                   <a:schemeClr val="bg1"/>
                 </a:solidFill>
                 <a:effectLst/>
-                <a:latin typeface="arial" panose="020B0604020202020204" pitchFamily="34" charset="0"/>
+                <a:latin typeface="PT Sans" panose="020B0503020203020204" pitchFamily="34" charset="0"/>
               </a:rPr>
               <a:t>, typically doubling or more your traffic levels in a very short period of time.</a:t>
             </a:r>
@@ -4592,7 +4550,7 @@
                 <a:schemeClr val="bg1"/>
               </a:solidFill>
               <a:effectLst/>
-              <a:latin typeface="arial" panose="020B0604020202020204" pitchFamily="34" charset="0"/>
+              <a:latin typeface="PT Sans" panose="020B0503020203020204" pitchFamily="34" charset="0"/>
             </a:endParaRPr>
           </a:p>
           <a:p>
@@ -4600,14 +4558,14 @@
               <a:buNone/>
             </a:pPr>
             <a:r>
-              <a:rPr lang="en-US" sz="2000" b="0" i="0" dirty="0">
+              <a:rPr lang="en-US" sz="2000" b="1" i="0" dirty="0">
                 <a:solidFill>
                   <a:schemeClr val="bg1"/>
                 </a:solidFill>
                 <a:effectLst/>
-                <a:latin typeface="arial" panose="020B0604020202020204" pitchFamily="34" charset="0"/>
-              </a:rPr>
-              <a:t>Window</a:t>
+                <a:latin typeface="PT Sans" panose="020B0503020203020204" pitchFamily="34" charset="0"/>
+              </a:rPr>
+              <a:t>Window:</a:t>
             </a:r>
           </a:p>
           <a:p>
@@ -4619,10 +4577,119 @@
                 <a:solidFill>
                   <a:schemeClr val="bg1"/>
                 </a:solidFill>
-                <a:latin typeface="arial" panose="020B0604020202020204" pitchFamily="34" charset="0"/>
-              </a:rPr>
-              <a:t>timeframe</a:t>
-            </a:r>
+                <a:latin typeface="PT Sans" panose="020B0503020203020204" pitchFamily="34" charset="0"/>
+              </a:rPr>
+              <a:t>Refers to the space of time under consideration</a:t>
+            </a:r>
+          </a:p>
+          <a:p>
+            <a:pPr marL="0" indent="0" algn="l">
+              <a:buNone/>
+            </a:pPr>
+            <a:endParaRPr lang="en-US" sz="1400" dirty="0">
+              <a:solidFill>
+                <a:schemeClr val="bg1"/>
+              </a:solidFill>
+              <a:latin typeface="PT Sans" panose="020B0503020203020204" pitchFamily="34" charset="0"/>
+            </a:endParaRPr>
+          </a:p>
+          <a:p>
+            <a:pPr marL="0" indent="0" algn="l">
+              <a:buNone/>
+            </a:pPr>
+            <a:r>
+              <a:rPr lang="en-US" sz="1800" b="1" i="0" dirty="0">
+                <a:solidFill>
+                  <a:schemeClr val="bg1"/>
+                </a:solidFill>
+                <a:effectLst/>
+                <a:latin typeface="PT Sans" panose="020B0503020203020204" pitchFamily="34" charset="0"/>
+              </a:rPr>
+              <a:t>Constrains:</a:t>
+            </a:r>
+          </a:p>
+          <a:p>
+            <a:pPr algn="l">
+              <a:buFont typeface="Arial" panose="020B0604020202020204" pitchFamily="34" charset="0"/>
+              <a:buChar char="•"/>
+            </a:pPr>
+            <a:r>
+              <a:rPr lang="en-US" sz="1400" b="1" i="0" dirty="0">
+                <a:solidFill>
+                  <a:schemeClr val="bg1"/>
+                </a:solidFill>
+                <a:effectLst/>
+                <a:latin typeface="PT Sans" panose="020B0503020203020204" pitchFamily="34" charset="0"/>
+              </a:rPr>
+              <a:t>Users</a:t>
+            </a:r>
+            <a:r>
+              <a:rPr lang="en-US" sz="1400" b="0" i="0" dirty="0">
+                <a:solidFill>
+                  <a:schemeClr val="bg1"/>
+                </a:solidFill>
+                <a:effectLst/>
+                <a:latin typeface="PT Sans" panose="020B0503020203020204" pitchFamily="34" charset="0"/>
+              </a:rPr>
+              <a:t>: Here the constraint is specific to a user and is implemented using a unique user identifier</a:t>
+            </a:r>
+          </a:p>
+          <a:p>
+            <a:pPr algn="l">
+              <a:buFont typeface="Arial" panose="020B0604020202020204" pitchFamily="34" charset="0"/>
+              <a:buChar char="•"/>
+            </a:pPr>
+            <a:r>
+              <a:rPr lang="en-US" sz="1400" b="1" i="0" dirty="0">
+                <a:solidFill>
+                  <a:schemeClr val="bg1"/>
+                </a:solidFill>
+                <a:effectLst/>
+                <a:latin typeface="PT Sans" panose="020B0503020203020204" pitchFamily="34" charset="0"/>
+              </a:rPr>
+              <a:t>Location</a:t>
+            </a:r>
+            <a:r>
+              <a:rPr lang="en-US" sz="1400" b="0" i="0" dirty="0">
+                <a:solidFill>
+                  <a:schemeClr val="bg1"/>
+                </a:solidFill>
+                <a:effectLst/>
+                <a:latin typeface="PT Sans" panose="020B0503020203020204" pitchFamily="34" charset="0"/>
+              </a:rPr>
+              <a:t>: Here the constraint is based on geography and is implemented based on the location from which the request was made</a:t>
+            </a:r>
+          </a:p>
+          <a:p>
+            <a:pPr algn="l">
+              <a:buFont typeface="Arial" panose="020B0604020202020204" pitchFamily="34" charset="0"/>
+              <a:buChar char="•"/>
+            </a:pPr>
+            <a:r>
+              <a:rPr lang="en-US" sz="1400" b="1" i="0" dirty="0">
+                <a:solidFill>
+                  <a:schemeClr val="bg1"/>
+                </a:solidFill>
+                <a:effectLst/>
+                <a:latin typeface="PT Sans" panose="020B0503020203020204" pitchFamily="34" charset="0"/>
+              </a:rPr>
+              <a:t>IP addresses</a:t>
+            </a:r>
+            <a:r>
+              <a:rPr lang="en-US" sz="1400" b="0" i="0" dirty="0">
+                <a:solidFill>
+                  <a:schemeClr val="bg1"/>
+                </a:solidFill>
+                <a:effectLst/>
+                <a:latin typeface="PT Sans" panose="020B0503020203020204" pitchFamily="34" charset="0"/>
+              </a:rPr>
+              <a:t>: Here the constraint is based on the IP address of the device that initiates a request</a:t>
+            </a:r>
+          </a:p>
+          <a:p>
+            <a:pPr marL="0" indent="0" algn="l">
+              <a:buNone/>
+            </a:pPr>
             <a:endParaRPr lang="en-US" sz="1400" b="1" i="0" dirty="0">
               <a:solidFill>
                 <a:schemeClr val="bg1"/>
@@ -4709,6 +4776,7 @@
                 <a:solidFill>
                   <a:schemeClr val="bg1"/>
                 </a:solidFill>
+                <a:latin typeface="PT Sans" panose="020B0503020203020204" pitchFamily="34" charset="0"/>
               </a:rPr>
               <a:t>Rate limiting algorithms</a:t>
             </a:r>
@@ -4731,13 +4799,42 @@
             <p:ph idx="1"/>
           </p:nvPr>
         </p:nvSpPr>
-        <p:spPr/>
+        <p:spPr>
+          <a:xfrm>
+            <a:off x="838200" y="1825625"/>
+            <a:ext cx="10515600" cy="1882309"/>
+          </a:xfrm>
+        </p:spPr>
         <p:txBody>
           <a:bodyPr>
             <a:normAutofit/>
           </a:bodyPr>
           <a:lstStyle/>
           <a:p>
+            <a:r>
+              <a:rPr lang="en-US" sz="1600" b="1" i="0" dirty="0">
+                <a:solidFill>
+                  <a:schemeClr val="bg1"/>
+                </a:solidFill>
+                <a:effectLst/>
+                <a:latin typeface="PT Sans" panose="020B0503020203020204" pitchFamily="34" charset="0"/>
+              </a:rPr>
+              <a:t>Token bucket</a:t>
+            </a:r>
+          </a:p>
+          <a:p>
+            <a:r>
+              <a:rPr lang="en-US" sz="1600" b="1" i="0" dirty="0">
+                <a:solidFill>
+                  <a:schemeClr val="bg1"/>
+                </a:solidFill>
+                <a:effectLst/>
+                <a:latin typeface="PT Sans" panose="020B0503020203020204" pitchFamily="34" charset="0"/>
+              </a:rPr>
+              <a:t>Leaky bucket</a:t>
+            </a:r>
+          </a:p>
+          <a:p>
             <a:pPr algn="l"/>
             <a:r>
               <a:rPr lang="en-US" sz="1600" b="1" i="0" dirty="0">
@@ -4751,6 +4848,25 @@
             </a:r>
           </a:p>
           <a:p>
+            <a:r>
+              <a:rPr lang="en-US" sz="1600" b="1" i="0" dirty="0">
+                <a:solidFill>
+                  <a:schemeClr val="bg1"/>
+                </a:solidFill>
+                <a:effectLst/>
+                <a:latin typeface="PT Sans" panose="020B0503020203020204" pitchFamily="34" charset="0"/>
+              </a:rPr>
+              <a:t>Sliding window counter</a:t>
+            </a:r>
+            <a:endParaRPr lang="en-US" sz="1600" b="1" i="0" dirty="0">
+              <a:solidFill>
+                <a:schemeClr val="bg1"/>
+              </a:solidFill>
+              <a:effectLst/>
+              <a:latin typeface="PT Sans" panose="020B0604020202020204" pitchFamily="34" charset="0"/>
+            </a:endParaRPr>
+          </a:p>
+          <a:p>
             <a:pPr algn="l"/>
             <a:r>
               <a:rPr lang="en-US" sz="1600" b="1" i="0" dirty="0">
@@ -4761,45 +4877,6 @@
                 <a:latin typeface="PT Sans" panose="020B0503020203020204" pitchFamily="34" charset="0"/>
               </a:rPr>
               <a:t>Sliding logs</a:t>
-            </a:r>
-          </a:p>
-          <a:p>
-            <a:pPr algn="l"/>
-            <a:r>
-              <a:rPr lang="en-US" sz="1600" b="1" i="0" dirty="0">
-                <a:solidFill>
-                  <a:schemeClr val="bg1"/>
-                </a:solidFill>
-                <a:effectLst/>
-                <a:latin typeface="PT Sans" panose="020B0503020203020204" pitchFamily="34" charset="0"/>
-              </a:rPr>
-              <a:t>Sliding window counter</a:t>
-            </a:r>
-          </a:p>
-          <a:p>
-            <a:pPr algn="l"/>
-            <a:r>
-              <a:rPr lang="en-US" sz="1600" b="1" i="0" dirty="0">
-                <a:solidFill>
-                  <a:schemeClr val="bg1"/>
-                </a:solidFill>
-                <a:effectLst/>
-                <a:latin typeface="PT Sans" panose="020B0503020203020204" pitchFamily="34" charset="0"/>
-              </a:rPr>
-              <a:t>Token bucket</a:t>
-            </a:r>
-          </a:p>
-          <a:p>
-            <a:pPr algn="l"/>
-            <a:r>
-              <a:rPr lang="en-US" sz="1600" b="1" i="0" dirty="0">
-                <a:solidFill>
-                  <a:schemeClr val="bg1"/>
-                </a:solidFill>
-                <a:effectLst/>
-                <a:latin typeface="PT Sans" panose="020B0503020203020204" pitchFamily="34" charset="0"/>
-              </a:rPr>
-              <a:t>Leaky bucket</a:t>
             </a:r>
           </a:p>
         </p:txBody>
@@ -4863,13 +4940,16 @@
           <a:bodyPr/>
           <a:lstStyle/>
           <a:p>
-            <a:r>
-              <a:rPr lang="en-US" b="1" dirty="0">
-                <a:solidFill>
-                  <a:schemeClr val="bg1"/>
-                </a:solidFill>
-              </a:rPr>
-              <a:t>Window</a:t>
+            <a:pPr algn="l"/>
+            <a:r>
+              <a:rPr lang="en-US" sz="4400" b="1" i="0" dirty="0">
+                <a:solidFill>
+                  <a:schemeClr val="bg1"/>
+                </a:solidFill>
+                <a:effectLst/>
+                <a:latin typeface="PT Sans" panose="020B0503020203020204" pitchFamily="34" charset="0"/>
+              </a:rPr>
+              <a:t>Token bucket</a:t>
             </a:r>
           </a:p>
         </p:txBody>
@@ -4892,24 +4972,72 @@
         </p:nvSpPr>
         <p:spPr/>
         <p:txBody>
-          <a:bodyPr/>
-          <a:lstStyle/>
+          <a:bodyPr>
+            <a:normAutofit/>
+          </a:bodyPr>
+          <a:lstStyle/>
+          <a:p>
+            <a:r>
+              <a:rPr lang="en-US" sz="1400" dirty="0">
+                <a:solidFill>
+                  <a:schemeClr val="bg1"/>
+                </a:solidFill>
+                <a:latin typeface="PT Sans" panose="020B0503020203020204" pitchFamily="34" charset="0"/>
+              </a:rPr>
+              <a:t>A counter indicating how many tokens a user has left</a:t>
+            </a:r>
+          </a:p>
+          <a:p>
+            <a:r>
+              <a:rPr lang="en-US" sz="1400" dirty="0">
+                <a:solidFill>
+                  <a:schemeClr val="bg1"/>
+                </a:solidFill>
+                <a:latin typeface="PT Sans" panose="020B0503020203020204" pitchFamily="34" charset="0"/>
+              </a:rPr>
+              <a:t>A timestamp showing when it was last updated</a:t>
+            </a:r>
+          </a:p>
           <a:p>
             <a:pPr marL="0" indent="0">
               <a:buNone/>
             </a:pPr>
             <a:r>
-              <a:rPr lang="en-US" sz="2400" dirty="0">
-                <a:solidFill>
-                  <a:schemeClr val="bg1"/>
-                </a:solidFill>
-              </a:rPr>
-              <a:t>Timeframe</a:t>
-            </a:r>
-            <a:endParaRPr lang="en-US" dirty="0">
+              <a:rPr lang="en-US" sz="2000" b="1" dirty="0">
+                <a:solidFill>
+                  <a:schemeClr val="bg1"/>
+                </a:solidFill>
+                <a:latin typeface="PT Sans" panose="020B0503020203020204" pitchFamily="34" charset="0"/>
+              </a:rPr>
+              <a:t>Pros:</a:t>
+            </a:r>
+          </a:p>
+          <a:p>
+            <a:r>
+              <a:rPr lang="en-US" sz="1400" dirty="0">
+                <a:solidFill>
+                  <a:schemeClr val="bg1"/>
+                </a:solidFill>
+                <a:latin typeface="PT Sans" panose="020B0503020203020204" pitchFamily="34" charset="0"/>
+              </a:rPr>
+              <a:t>This is an accurate approach as the window is not fixed across users and, as such, is determined based on a user’s activity.</a:t>
+            </a:r>
+          </a:p>
+          <a:p>
+            <a:r>
+              <a:rPr lang="en-US" sz="1400" dirty="0">
+                <a:solidFill>
+                  <a:schemeClr val="bg1"/>
+                </a:solidFill>
+                <a:latin typeface="PT Sans" panose="020B0503020203020204" pitchFamily="34" charset="0"/>
+              </a:rPr>
+              <a:t>Memory consumption is minimal since you only have one entry per user, which is used to manage their activity (timestamp and available tokens) over time.</a:t>
+            </a:r>
+            <a:endParaRPr lang="en-US" sz="2000" dirty="0">
               <a:solidFill>
                 <a:schemeClr val="bg1"/>
               </a:solidFill>
+              <a:latin typeface="PT Sans" panose="020B0503020203020204" pitchFamily="34" charset="0"/>
             </a:endParaRPr>
           </a:p>
         </p:txBody>
@@ -4918,6 +5046,865 @@
     <p:extLst>
       <p:ext uri="{BB962C8B-B14F-4D97-AF65-F5344CB8AC3E}">
         <p14:creationId xmlns:p14="http://schemas.microsoft.com/office/powerpoint/2010/main" val="1656998287"/>
+      </p:ext>
+    </p:extLst>
+  </p:cSld>
+  <p:clrMapOvr>
+    <a:masterClrMapping/>
+  </p:clrMapOvr>
+</p:sld>
+</file>
+
+<file path=ppt/slides/slide6.xml><?xml version="1.0" encoding="utf-8"?>
+<p:sld xmlns:a="http://schemas.openxmlformats.org/drawingml/2006/main" xmlns:r="http://schemas.openxmlformats.org/officeDocument/2006/relationships" xmlns:p="http://schemas.openxmlformats.org/presentationml/2006/main">
+  <p:cSld>
+    <p:bg>
+      <p:bgPr>
+        <a:solidFill>
+          <a:srgbClr val="43853D"/>
+        </a:solidFill>
+        <a:effectLst/>
+      </p:bgPr>
+    </p:bg>
+    <p:spTree>
+      <p:nvGrpSpPr>
+        <p:cNvPr id="1" name=""/>
+        <p:cNvGrpSpPr/>
+        <p:nvPr/>
+      </p:nvGrpSpPr>
+      <p:grpSpPr>
+        <a:xfrm>
+          <a:off x="0" y="0"/>
+          <a:ext cx="0" cy="0"/>
+          <a:chOff x="0" y="0"/>
+          <a:chExt cx="0" cy="0"/>
+        </a:xfrm>
+      </p:grpSpPr>
+      <p:sp>
+        <p:nvSpPr>
+          <p:cNvPr id="2" name="Title 1">
+            <a:extLst>
+              <a:ext uri="{FF2B5EF4-FFF2-40B4-BE49-F238E27FC236}">
+                <a16:creationId xmlns:a16="http://schemas.microsoft.com/office/drawing/2014/main" id="{A5B6771C-EC8D-4C01-AD58-F01C3DBFE1AB}"/>
+              </a:ext>
+            </a:extLst>
+          </p:cNvPr>
+          <p:cNvSpPr>
+            <a:spLocks noGrp="1"/>
+          </p:cNvSpPr>
+          <p:nvPr>
+            <p:ph type="title"/>
+          </p:nvPr>
+        </p:nvSpPr>
+        <p:spPr/>
+        <p:txBody>
+          <a:bodyPr/>
+          <a:lstStyle/>
+          <a:p>
+            <a:pPr algn="l"/>
+            <a:r>
+              <a:rPr lang="en-US" sz="4400" b="1" i="0" dirty="0">
+                <a:solidFill>
+                  <a:schemeClr val="bg1"/>
+                </a:solidFill>
+                <a:effectLst/>
+                <a:latin typeface="PT Sans" panose="020B0503020203020204" pitchFamily="34" charset="0"/>
+              </a:rPr>
+              <a:t>Leaky bucket</a:t>
+            </a:r>
+          </a:p>
+        </p:txBody>
+      </p:sp>
+      <p:sp>
+        <p:nvSpPr>
+          <p:cNvPr id="3" name="Content Placeholder 2">
+            <a:extLst>
+              <a:ext uri="{FF2B5EF4-FFF2-40B4-BE49-F238E27FC236}">
+                <a16:creationId xmlns:a16="http://schemas.microsoft.com/office/drawing/2014/main" id="{2B664DA6-9C91-460D-B57E-FE1B3A43E0F3}"/>
+              </a:ext>
+            </a:extLst>
+          </p:cNvPr>
+          <p:cNvSpPr>
+            <a:spLocks noGrp="1"/>
+          </p:cNvSpPr>
+          <p:nvPr>
+            <p:ph idx="1"/>
+          </p:nvPr>
+        </p:nvSpPr>
+        <p:spPr/>
+        <p:txBody>
+          <a:bodyPr>
+            <a:normAutofit/>
+          </a:bodyPr>
+          <a:lstStyle/>
+          <a:p>
+            <a:r>
+              <a:rPr lang="en-US" sz="1400" dirty="0">
+                <a:solidFill>
+                  <a:schemeClr val="bg1"/>
+                </a:solidFill>
+                <a:latin typeface="PT Sans" panose="020B0503020203020204" pitchFamily="34" charset="0"/>
+              </a:rPr>
+              <a:t>It use a bucket or queue to holds incoming requests</a:t>
+            </a:r>
+          </a:p>
+          <a:p>
+            <a:r>
+              <a:rPr lang="en-US" sz="1400" dirty="0">
+                <a:solidFill>
+                  <a:schemeClr val="bg1"/>
+                </a:solidFill>
+                <a:latin typeface="PT Sans" panose="020B0503020203020204" pitchFamily="34" charset="0"/>
+              </a:rPr>
+              <a:t>The requests are processed at fixed time intervals</a:t>
+            </a:r>
+          </a:p>
+          <a:p>
+            <a:r>
+              <a:rPr lang="en-US" sz="1400" dirty="0">
+                <a:solidFill>
+                  <a:schemeClr val="bg1"/>
+                </a:solidFill>
+                <a:latin typeface="PT Sans" panose="020B0503020203020204" pitchFamily="34" charset="0"/>
+              </a:rPr>
+              <a:t>It uses FCFS (First Come First Serve) manner for request processing</a:t>
+            </a:r>
+          </a:p>
+          <a:p>
+            <a:r>
+              <a:rPr lang="en-US" sz="1400" dirty="0">
+                <a:solidFill>
+                  <a:schemeClr val="bg1"/>
+                </a:solidFill>
+                <a:latin typeface="PT Sans" panose="020B0503020203020204" pitchFamily="34" charset="0"/>
+              </a:rPr>
+              <a:t>If the queue is full, remaining requests are dropped or leaked with proper message</a:t>
+            </a:r>
+          </a:p>
+          <a:p>
+            <a:pPr marL="0" indent="0">
+              <a:buNone/>
+            </a:pPr>
+            <a:r>
+              <a:rPr lang="en-US" sz="2000" b="1" dirty="0">
+                <a:solidFill>
+                  <a:schemeClr val="bg1"/>
+                </a:solidFill>
+                <a:latin typeface="PT Sans" panose="020B0503020203020204" pitchFamily="34" charset="0"/>
+              </a:rPr>
+              <a:t>Pros:</a:t>
+            </a:r>
+          </a:p>
+          <a:p>
+            <a:r>
+              <a:rPr lang="en-US" sz="1400" dirty="0">
+                <a:solidFill>
+                  <a:schemeClr val="bg1"/>
+                </a:solidFill>
+                <a:latin typeface="PT Sans" panose="020B0503020203020204" pitchFamily="34" charset="0"/>
+              </a:rPr>
+              <a:t>It smoothens burst of requests by processing them at a constant rate</a:t>
+            </a:r>
+          </a:p>
+          <a:p>
+            <a:r>
+              <a:rPr lang="en-US" sz="1400" dirty="0">
+                <a:solidFill>
+                  <a:schemeClr val="bg1"/>
+                </a:solidFill>
+                <a:latin typeface="PT Sans" panose="020B0503020203020204" pitchFamily="34" charset="0"/>
+              </a:rPr>
+              <a:t>Memory efficiency because of queue(buffer) fixed size</a:t>
+            </a:r>
+          </a:p>
+          <a:p>
+            <a:r>
+              <a:rPr lang="en-US" sz="1400" dirty="0">
+                <a:solidFill>
+                  <a:schemeClr val="bg1"/>
+                </a:solidFill>
+                <a:latin typeface="PT Sans" panose="020B0503020203020204" pitchFamily="34" charset="0"/>
+              </a:rPr>
+              <a:t>Easy to implement</a:t>
+            </a:r>
+          </a:p>
+          <a:p>
+            <a:pPr marL="0" indent="0">
+              <a:buNone/>
+            </a:pPr>
+            <a:r>
+              <a:rPr lang="en-US" sz="2000" b="1" dirty="0">
+                <a:solidFill>
+                  <a:schemeClr val="bg1"/>
+                </a:solidFill>
+                <a:latin typeface="PT Sans" panose="020B0503020203020204" pitchFamily="34" charset="0"/>
+              </a:rPr>
+              <a:t>Cons:</a:t>
+            </a:r>
+          </a:p>
+          <a:p>
+            <a:r>
+              <a:rPr lang="en-US" sz="1400" dirty="0">
+                <a:solidFill>
+                  <a:schemeClr val="bg1"/>
+                </a:solidFill>
+                <a:latin typeface="PT Sans" panose="020B0503020203020204" pitchFamily="34" charset="0"/>
+              </a:rPr>
+              <a:t>A burst of traffic can fill-up the queue with old requests in a time slot and the new request might starve.</a:t>
+            </a:r>
+          </a:p>
+          <a:p>
+            <a:r>
+              <a:rPr lang="en-US" sz="1400" dirty="0">
+                <a:solidFill>
+                  <a:schemeClr val="bg1"/>
+                </a:solidFill>
+                <a:latin typeface="PT Sans" panose="020B0503020203020204" pitchFamily="34" charset="0"/>
+              </a:rPr>
+              <a:t>It provides no guarantee that requests will be processed in a fixed amount of time.</a:t>
+            </a:r>
+          </a:p>
+          <a:p>
+            <a:pPr marL="0" indent="0">
+              <a:buNone/>
+            </a:pPr>
+            <a:endParaRPr lang="en-US" sz="1400" dirty="0">
+              <a:solidFill>
+                <a:schemeClr val="bg1"/>
+              </a:solidFill>
+              <a:latin typeface="PT Sans" panose="020B0503020203020204" pitchFamily="34" charset="0"/>
+            </a:endParaRPr>
+          </a:p>
+        </p:txBody>
+      </p:sp>
+    </p:spTree>
+    <p:extLst>
+      <p:ext uri="{BB962C8B-B14F-4D97-AF65-F5344CB8AC3E}">
+        <p14:creationId xmlns:p14="http://schemas.microsoft.com/office/powerpoint/2010/main" val="2855717457"/>
+      </p:ext>
+    </p:extLst>
+  </p:cSld>
+  <p:clrMapOvr>
+    <a:masterClrMapping/>
+  </p:clrMapOvr>
+</p:sld>
+</file>
+
+<file path=ppt/slides/slide7.xml><?xml version="1.0" encoding="utf-8"?>
+<p:sld xmlns:a="http://schemas.openxmlformats.org/drawingml/2006/main" xmlns:r="http://schemas.openxmlformats.org/officeDocument/2006/relationships" xmlns:p="http://schemas.openxmlformats.org/presentationml/2006/main">
+  <p:cSld>
+    <p:bg>
+      <p:bgPr>
+        <a:solidFill>
+          <a:srgbClr val="43853D"/>
+        </a:solidFill>
+        <a:effectLst/>
+      </p:bgPr>
+    </p:bg>
+    <p:spTree>
+      <p:nvGrpSpPr>
+        <p:cNvPr id="1" name=""/>
+        <p:cNvGrpSpPr/>
+        <p:nvPr/>
+      </p:nvGrpSpPr>
+      <p:grpSpPr>
+        <a:xfrm>
+          <a:off x="0" y="0"/>
+          <a:ext cx="0" cy="0"/>
+          <a:chOff x="0" y="0"/>
+          <a:chExt cx="0" cy="0"/>
+        </a:xfrm>
+      </p:grpSpPr>
+      <p:sp>
+        <p:nvSpPr>
+          <p:cNvPr id="2" name="Title 1">
+            <a:extLst>
+              <a:ext uri="{FF2B5EF4-FFF2-40B4-BE49-F238E27FC236}">
+                <a16:creationId xmlns:a16="http://schemas.microsoft.com/office/drawing/2014/main" id="{A5B6771C-EC8D-4C01-AD58-F01C3DBFE1AB}"/>
+              </a:ext>
+            </a:extLst>
+          </p:cNvPr>
+          <p:cNvSpPr>
+            <a:spLocks noGrp="1"/>
+          </p:cNvSpPr>
+          <p:nvPr>
+            <p:ph type="title"/>
+          </p:nvPr>
+        </p:nvSpPr>
+        <p:spPr/>
+        <p:txBody>
+          <a:bodyPr/>
+          <a:lstStyle/>
+          <a:p>
+            <a:pPr algn="l"/>
+            <a:r>
+              <a:rPr lang="en-US" sz="4400" b="1" i="0" dirty="0">
+                <a:solidFill>
+                  <a:schemeClr val="bg1"/>
+                </a:solidFill>
+                <a:effectLst/>
+                <a:latin typeface="PT Sans" panose="020B0503020203020204" pitchFamily="34" charset="0"/>
+              </a:rPr>
+              <a:t>Fixed window counter</a:t>
+            </a:r>
+          </a:p>
+        </p:txBody>
+      </p:sp>
+      <p:sp>
+        <p:nvSpPr>
+          <p:cNvPr id="3" name="Content Placeholder 2">
+            <a:extLst>
+              <a:ext uri="{FF2B5EF4-FFF2-40B4-BE49-F238E27FC236}">
+                <a16:creationId xmlns:a16="http://schemas.microsoft.com/office/drawing/2014/main" id="{2B664DA6-9C91-460D-B57E-FE1B3A43E0F3}"/>
+              </a:ext>
+            </a:extLst>
+          </p:cNvPr>
+          <p:cNvSpPr>
+            <a:spLocks noGrp="1"/>
+          </p:cNvSpPr>
+          <p:nvPr>
+            <p:ph idx="1"/>
+          </p:nvPr>
+        </p:nvSpPr>
+        <p:spPr/>
+        <p:txBody>
+          <a:bodyPr>
+            <a:normAutofit/>
+          </a:bodyPr>
+          <a:lstStyle/>
+          <a:p>
+            <a:pPr marL="0" indent="0">
+              <a:buNone/>
+            </a:pPr>
+            <a:r>
+              <a:rPr lang="en-US" sz="1400" b="1" dirty="0">
+                <a:solidFill>
+                  <a:schemeClr val="bg1"/>
+                </a:solidFill>
+                <a:latin typeface="PT Sans" panose="020B0503020203020204" pitchFamily="34" charset="0"/>
+              </a:rPr>
+              <a:t>Track the number of requests a user makes in each window</a:t>
+            </a:r>
+          </a:p>
+          <a:p>
+            <a:pPr marL="0" indent="0">
+              <a:buNone/>
+            </a:pPr>
+            <a:r>
+              <a:rPr lang="en-US" sz="2000" b="1" dirty="0">
+                <a:solidFill>
+                  <a:schemeClr val="bg1"/>
+                </a:solidFill>
+                <a:latin typeface="PT Sans" panose="020B0503020203020204" pitchFamily="34" charset="0"/>
+              </a:rPr>
+              <a:t>Pros:</a:t>
+            </a:r>
+          </a:p>
+          <a:p>
+            <a:r>
+              <a:rPr lang="en-US" sz="1400" dirty="0">
+                <a:solidFill>
+                  <a:schemeClr val="bg1"/>
+                </a:solidFill>
+                <a:latin typeface="PT Sans" panose="020B0503020203020204" pitchFamily="34" charset="0"/>
+              </a:rPr>
+              <a:t>Easy to implement</a:t>
+            </a:r>
+          </a:p>
+          <a:p>
+            <a:pPr marL="0" indent="0">
+              <a:buNone/>
+            </a:pPr>
+            <a:r>
+              <a:rPr lang="en-US" sz="2000" b="1" dirty="0">
+                <a:solidFill>
+                  <a:schemeClr val="bg1"/>
+                </a:solidFill>
+                <a:latin typeface="PT Sans" panose="020B0503020203020204" pitchFamily="34" charset="0"/>
+              </a:rPr>
+              <a:t>Cons:</a:t>
+            </a:r>
+          </a:p>
+          <a:p>
+            <a:r>
+              <a:rPr lang="en-US" sz="1400" dirty="0">
+                <a:solidFill>
+                  <a:schemeClr val="bg1"/>
+                </a:solidFill>
+                <a:latin typeface="PT Sans" panose="020B0503020203020204" pitchFamily="34" charset="0"/>
+              </a:rPr>
+              <a:t>A burst of traffic can fill-up the queue with old requests in a time slot and the new request might starve.</a:t>
+            </a:r>
+          </a:p>
+          <a:p>
+            <a:r>
+              <a:rPr lang="en-US" sz="1400" dirty="0">
+                <a:solidFill>
+                  <a:schemeClr val="bg1"/>
+                </a:solidFill>
+                <a:latin typeface="PT Sans" panose="020B0503020203020204" pitchFamily="34" charset="0"/>
+              </a:rPr>
+              <a:t>It provides no guarantee that requests will be processed in a fixed amount of time.</a:t>
+            </a:r>
+          </a:p>
+          <a:p>
+            <a:pPr marL="0" indent="0">
+              <a:buNone/>
+            </a:pPr>
+            <a:endParaRPr lang="en-US" sz="1400" dirty="0">
+              <a:solidFill>
+                <a:schemeClr val="bg1"/>
+              </a:solidFill>
+              <a:latin typeface="PT Sans" panose="020B0503020203020204" pitchFamily="34" charset="0"/>
+            </a:endParaRPr>
+          </a:p>
+        </p:txBody>
+      </p:sp>
+    </p:spTree>
+    <p:extLst>
+      <p:ext uri="{BB962C8B-B14F-4D97-AF65-F5344CB8AC3E}">
+        <p14:creationId xmlns:p14="http://schemas.microsoft.com/office/powerpoint/2010/main" val="2846015726"/>
+      </p:ext>
+    </p:extLst>
+  </p:cSld>
+  <p:clrMapOvr>
+    <a:masterClrMapping/>
+  </p:clrMapOvr>
+</p:sld>
+</file>
+
+<file path=ppt/slides/slide8.xml><?xml version="1.0" encoding="utf-8"?>
+<p:sld xmlns:a="http://schemas.openxmlformats.org/drawingml/2006/main" xmlns:r="http://schemas.openxmlformats.org/officeDocument/2006/relationships" xmlns:p="http://schemas.openxmlformats.org/presentationml/2006/main">
+  <p:cSld>
+    <p:bg>
+      <p:bgPr>
+        <a:solidFill>
+          <a:srgbClr val="43853D"/>
+        </a:solidFill>
+        <a:effectLst/>
+      </p:bgPr>
+    </p:bg>
+    <p:spTree>
+      <p:nvGrpSpPr>
+        <p:cNvPr id="1" name=""/>
+        <p:cNvGrpSpPr/>
+        <p:nvPr/>
+      </p:nvGrpSpPr>
+      <p:grpSpPr>
+        <a:xfrm>
+          <a:off x="0" y="0"/>
+          <a:ext cx="0" cy="0"/>
+          <a:chOff x="0" y="0"/>
+          <a:chExt cx="0" cy="0"/>
+        </a:xfrm>
+      </p:grpSpPr>
+      <p:sp>
+        <p:nvSpPr>
+          <p:cNvPr id="2" name="Title 1">
+            <a:extLst>
+              <a:ext uri="{FF2B5EF4-FFF2-40B4-BE49-F238E27FC236}">
+                <a16:creationId xmlns:a16="http://schemas.microsoft.com/office/drawing/2014/main" id="{A5B6771C-EC8D-4C01-AD58-F01C3DBFE1AB}"/>
+              </a:ext>
+            </a:extLst>
+          </p:cNvPr>
+          <p:cNvSpPr>
+            <a:spLocks noGrp="1"/>
+          </p:cNvSpPr>
+          <p:nvPr>
+            <p:ph type="title"/>
+          </p:nvPr>
+        </p:nvSpPr>
+        <p:spPr/>
+        <p:txBody>
+          <a:bodyPr/>
+          <a:lstStyle/>
+          <a:p>
+            <a:pPr algn="l"/>
+            <a:r>
+              <a:rPr lang="en-US" sz="4400" b="1" i="0" dirty="0">
+                <a:solidFill>
+                  <a:schemeClr val="bg1"/>
+                </a:solidFill>
+                <a:effectLst/>
+                <a:latin typeface="PT Sans" panose="020B0503020203020204" pitchFamily="34" charset="0"/>
+              </a:rPr>
+              <a:t>Sliding logs</a:t>
+            </a:r>
+          </a:p>
+        </p:txBody>
+      </p:sp>
+      <p:sp>
+        <p:nvSpPr>
+          <p:cNvPr id="3" name="Content Placeholder 2">
+            <a:extLst>
+              <a:ext uri="{FF2B5EF4-FFF2-40B4-BE49-F238E27FC236}">
+                <a16:creationId xmlns:a16="http://schemas.microsoft.com/office/drawing/2014/main" id="{2B664DA6-9C91-460D-B57E-FE1B3A43E0F3}"/>
+              </a:ext>
+            </a:extLst>
+          </p:cNvPr>
+          <p:cNvSpPr>
+            <a:spLocks noGrp="1"/>
+          </p:cNvSpPr>
+          <p:nvPr>
+            <p:ph idx="1"/>
+          </p:nvPr>
+        </p:nvSpPr>
+        <p:spPr>
+          <a:xfrm>
+            <a:off x="838200" y="1825625"/>
+            <a:ext cx="10515600" cy="4667250"/>
+          </a:xfrm>
+        </p:spPr>
+        <p:txBody>
+          <a:bodyPr>
+            <a:normAutofit/>
+          </a:bodyPr>
+          <a:lstStyle/>
+          <a:p>
+            <a:pPr marL="0" indent="0">
+              <a:buNone/>
+            </a:pPr>
+            <a:r>
+              <a:rPr lang="en-US" sz="1400" b="1" dirty="0">
+                <a:solidFill>
+                  <a:schemeClr val="bg1"/>
+                </a:solidFill>
+                <a:latin typeface="PT Sans" panose="020B0503020203020204" pitchFamily="34" charset="0"/>
+              </a:rPr>
+              <a:t>Keeps track of the timestamp for each request a user makes</a:t>
+            </a:r>
+          </a:p>
+          <a:p>
+            <a:pPr marL="0" indent="0">
+              <a:buNone/>
+            </a:pPr>
+            <a:r>
+              <a:rPr lang="en-US" sz="2000" b="1" dirty="0">
+                <a:solidFill>
+                  <a:schemeClr val="bg1"/>
+                </a:solidFill>
+                <a:latin typeface="PT Sans" panose="020B0503020203020204" pitchFamily="34" charset="0"/>
+              </a:rPr>
+              <a:t>Steps</a:t>
+            </a:r>
+            <a:r>
+              <a:rPr lang="en-US" sz="1400" b="1" dirty="0">
+                <a:solidFill>
+                  <a:schemeClr val="bg1"/>
+                </a:solidFill>
+                <a:latin typeface="PT Sans" panose="020B0503020203020204" pitchFamily="34" charset="0"/>
+              </a:rPr>
+              <a:t>:</a:t>
+            </a:r>
+          </a:p>
+          <a:p>
+            <a:r>
+              <a:rPr lang="en-US" sz="1400" dirty="0">
+                <a:solidFill>
+                  <a:schemeClr val="bg1"/>
+                </a:solidFill>
+                <a:latin typeface="PT Sans" panose="020B0503020203020204" pitchFamily="34" charset="0"/>
+              </a:rPr>
+              <a:t>Retrieve all requests logged in the last window (60 seconds) and check if the number of requests exceeds the allowed limit</a:t>
+            </a:r>
+          </a:p>
+          <a:p>
+            <a:r>
+              <a:rPr lang="en-US" sz="1400" dirty="0">
+                <a:solidFill>
+                  <a:schemeClr val="bg1"/>
+                </a:solidFill>
+                <a:latin typeface="PT Sans" panose="020B0503020203020204" pitchFamily="34" charset="0"/>
+              </a:rPr>
+              <a:t>If the number of requests is less than the limit, log the request and process it</a:t>
+            </a:r>
+          </a:p>
+          <a:p>
+            <a:r>
+              <a:rPr lang="en-US" sz="1400" dirty="0">
+                <a:solidFill>
+                  <a:schemeClr val="bg1"/>
+                </a:solidFill>
+                <a:latin typeface="PT Sans" panose="020B0503020203020204" pitchFamily="34" charset="0"/>
+              </a:rPr>
+              <a:t>If the number of requests is equal to the limit, drop the request</a:t>
+            </a:r>
+          </a:p>
+          <a:p>
+            <a:pPr marL="0" indent="0">
+              <a:buNone/>
+            </a:pPr>
+            <a:r>
+              <a:rPr lang="en-US" sz="2000" b="1" dirty="0">
+                <a:solidFill>
+                  <a:schemeClr val="bg1"/>
+                </a:solidFill>
+                <a:latin typeface="PT Sans" panose="020B0503020203020204" pitchFamily="34" charset="0"/>
+              </a:rPr>
+              <a:t>Pros:</a:t>
+            </a:r>
+          </a:p>
+          <a:p>
+            <a:r>
+              <a:rPr lang="en-US" sz="1400" dirty="0">
+                <a:solidFill>
+                  <a:schemeClr val="bg1"/>
+                </a:solidFill>
+                <a:latin typeface="PT Sans" panose="020B0503020203020204" pitchFamily="34" charset="0"/>
+              </a:rPr>
+              <a:t>This approach is more accurate as it calculates the last window per user based on the user’s activity and does not impose a fixed window for all users.</a:t>
+            </a:r>
+          </a:p>
+          <a:p>
+            <a:r>
+              <a:rPr lang="en-US" sz="1400" dirty="0">
+                <a:solidFill>
+                  <a:schemeClr val="bg1"/>
+                </a:solidFill>
+                <a:latin typeface="PT Sans" panose="020B0503020203020204" pitchFamily="34" charset="0"/>
+              </a:rPr>
+              <a:t>It is unaffected by a surge of requests towards the end of the window since there is no fixed window.</a:t>
+            </a:r>
+          </a:p>
+          <a:p>
+            <a:pPr marL="0" indent="0">
+              <a:buNone/>
+            </a:pPr>
+            <a:r>
+              <a:rPr lang="en-US" sz="2000" b="1" dirty="0">
+                <a:solidFill>
+                  <a:schemeClr val="bg1"/>
+                </a:solidFill>
+                <a:latin typeface="PT Sans" panose="020B0503020203020204" pitchFamily="34" charset="0"/>
+              </a:rPr>
+              <a:t>Cons:</a:t>
+            </a:r>
+          </a:p>
+          <a:p>
+            <a:r>
+              <a:rPr lang="en-US" sz="1400" dirty="0">
+                <a:solidFill>
+                  <a:schemeClr val="bg1"/>
+                </a:solidFill>
+                <a:latin typeface="PT Sans" panose="020B0503020203020204" pitchFamily="34" charset="0"/>
+              </a:rPr>
+              <a:t>It is not memory-efficient because we end up storing a new entry for every request made.</a:t>
+            </a:r>
+          </a:p>
+          <a:p>
+            <a:r>
+              <a:rPr lang="en-US" sz="1400" dirty="0">
+                <a:solidFill>
+                  <a:schemeClr val="bg1"/>
+                </a:solidFill>
+                <a:latin typeface="PT Sans" panose="020B0503020203020204" pitchFamily="34" charset="0"/>
+              </a:rPr>
+              <a:t>It is also quite expensive to compute as each request will trigger a calculation on previously saved requests to retrieve the logs from the last minute and then get the count.</a:t>
+            </a:r>
+          </a:p>
+        </p:txBody>
+      </p:sp>
+    </p:spTree>
+    <p:extLst>
+      <p:ext uri="{BB962C8B-B14F-4D97-AF65-F5344CB8AC3E}">
+        <p14:creationId xmlns:p14="http://schemas.microsoft.com/office/powerpoint/2010/main" val="1542743208"/>
+      </p:ext>
+    </p:extLst>
+  </p:cSld>
+  <p:clrMapOvr>
+    <a:masterClrMapping/>
+  </p:clrMapOvr>
+</p:sld>
+</file>
+
+<file path=ppt/slides/slide9.xml><?xml version="1.0" encoding="utf-8"?>
+<p:sld xmlns:a="http://schemas.openxmlformats.org/drawingml/2006/main" xmlns:r="http://schemas.openxmlformats.org/officeDocument/2006/relationships" xmlns:p="http://schemas.openxmlformats.org/presentationml/2006/main">
+  <p:cSld>
+    <p:bg>
+      <p:bgPr>
+        <a:solidFill>
+          <a:srgbClr val="43853D"/>
+        </a:solidFill>
+        <a:effectLst/>
+      </p:bgPr>
+    </p:bg>
+    <p:spTree>
+      <p:nvGrpSpPr>
+        <p:cNvPr id="1" name=""/>
+        <p:cNvGrpSpPr/>
+        <p:nvPr/>
+      </p:nvGrpSpPr>
+      <p:grpSpPr>
+        <a:xfrm>
+          <a:off x="0" y="0"/>
+          <a:ext cx="0" cy="0"/>
+          <a:chOff x="0" y="0"/>
+          <a:chExt cx="0" cy="0"/>
+        </a:xfrm>
+      </p:grpSpPr>
+      <p:sp>
+        <p:nvSpPr>
+          <p:cNvPr id="2" name="Title 1">
+            <a:extLst>
+              <a:ext uri="{FF2B5EF4-FFF2-40B4-BE49-F238E27FC236}">
+                <a16:creationId xmlns:a16="http://schemas.microsoft.com/office/drawing/2014/main" id="{A5B6771C-EC8D-4C01-AD58-F01C3DBFE1AB}"/>
+              </a:ext>
+            </a:extLst>
+          </p:cNvPr>
+          <p:cNvSpPr>
+            <a:spLocks noGrp="1"/>
+          </p:cNvSpPr>
+          <p:nvPr>
+            <p:ph type="title"/>
+          </p:nvPr>
+        </p:nvSpPr>
+        <p:spPr/>
+        <p:txBody>
+          <a:bodyPr/>
+          <a:lstStyle/>
+          <a:p>
+            <a:pPr algn="l"/>
+            <a:r>
+              <a:rPr lang="en-US" sz="4400" b="1" i="0" dirty="0">
+                <a:solidFill>
+                  <a:schemeClr val="bg1"/>
+                </a:solidFill>
+                <a:effectLst/>
+                <a:latin typeface="PT Sans" panose="020B0503020203020204" pitchFamily="34" charset="0"/>
+              </a:rPr>
+              <a:t>Sliding window counter</a:t>
+            </a:r>
+          </a:p>
+        </p:txBody>
+      </p:sp>
+      <p:sp>
+        <p:nvSpPr>
+          <p:cNvPr id="3" name="Content Placeholder 2">
+            <a:extLst>
+              <a:ext uri="{FF2B5EF4-FFF2-40B4-BE49-F238E27FC236}">
+                <a16:creationId xmlns:a16="http://schemas.microsoft.com/office/drawing/2014/main" id="{2B664DA6-9C91-460D-B57E-FE1B3A43E0F3}"/>
+              </a:ext>
+            </a:extLst>
+          </p:cNvPr>
+          <p:cNvSpPr>
+            <a:spLocks noGrp="1"/>
+          </p:cNvSpPr>
+          <p:nvPr>
+            <p:ph idx="1"/>
+          </p:nvPr>
+        </p:nvSpPr>
+        <p:spPr>
+          <a:xfrm>
+            <a:off x="838200" y="1825625"/>
+            <a:ext cx="10515600" cy="4667250"/>
+          </a:xfrm>
+        </p:spPr>
+        <p:txBody>
+          <a:bodyPr>
+            <a:normAutofit/>
+          </a:bodyPr>
+          <a:lstStyle/>
+          <a:p>
+            <a:pPr marL="0" indent="0">
+              <a:buNone/>
+            </a:pPr>
+            <a:r>
+              <a:rPr lang="en-US" sz="1400" b="1" dirty="0">
+                <a:solidFill>
+                  <a:schemeClr val="bg1"/>
+                </a:solidFill>
+                <a:latin typeface="PT Sans" panose="020B0503020203020204" pitchFamily="34" charset="0"/>
+              </a:rPr>
+              <a:t>This approach attempts to optimize some of the inefficiencies of both the fixed window counter and sliding logs technique. In this technique, the user’s requests are grouped by timestamp, and rather than log each request, we keep a counter for each group.</a:t>
+            </a:r>
+          </a:p>
+          <a:p>
+            <a:pPr marL="0" indent="0">
+              <a:buNone/>
+            </a:pPr>
+            <a:r>
+              <a:rPr lang="en-US" sz="2000" b="1" dirty="0">
+                <a:solidFill>
+                  <a:schemeClr val="bg1"/>
+                </a:solidFill>
+                <a:latin typeface="PT Sans" panose="020B0503020203020204" pitchFamily="34" charset="0"/>
+              </a:rPr>
+              <a:t>Steps</a:t>
+            </a:r>
+            <a:r>
+              <a:rPr lang="en-US" sz="1400" b="1" dirty="0">
+                <a:solidFill>
+                  <a:schemeClr val="bg1"/>
+                </a:solidFill>
+                <a:latin typeface="PT Sans" panose="020B0503020203020204" pitchFamily="34" charset="0"/>
+              </a:rPr>
+              <a:t>:</a:t>
+            </a:r>
+          </a:p>
+          <a:p>
+            <a:r>
+              <a:rPr lang="en-US" sz="1400" dirty="0">
+                <a:solidFill>
+                  <a:schemeClr val="bg1"/>
+                </a:solidFill>
+                <a:latin typeface="PT Sans" panose="020B0503020203020204" pitchFamily="34" charset="0"/>
+              </a:rPr>
+              <a:t>Retrieve all requests logged in the last window (60 seconds) and check if the number of requests exceeds the allowed limit</a:t>
+            </a:r>
+          </a:p>
+          <a:p>
+            <a:r>
+              <a:rPr lang="en-US" sz="1400" dirty="0">
+                <a:solidFill>
+                  <a:schemeClr val="bg1"/>
+                </a:solidFill>
+                <a:latin typeface="PT Sans" panose="020B0503020203020204" pitchFamily="34" charset="0"/>
+              </a:rPr>
+              <a:t>If the number of requests is less than the limit, log the request and process it</a:t>
+            </a:r>
+          </a:p>
+          <a:p>
+            <a:r>
+              <a:rPr lang="en-US" sz="1400" dirty="0">
+                <a:solidFill>
+                  <a:schemeClr val="bg1"/>
+                </a:solidFill>
+                <a:latin typeface="PT Sans" panose="020B0503020203020204" pitchFamily="34" charset="0"/>
+              </a:rPr>
+              <a:t>If the number of requests is equal to the limit, drop the request</a:t>
+            </a:r>
+          </a:p>
+          <a:p>
+            <a:pPr marL="0" indent="0">
+              <a:buNone/>
+            </a:pPr>
+            <a:r>
+              <a:rPr lang="en-US" sz="2000" b="1" dirty="0">
+                <a:solidFill>
+                  <a:schemeClr val="bg1"/>
+                </a:solidFill>
+                <a:latin typeface="PT Sans" panose="020B0503020203020204" pitchFamily="34" charset="0"/>
+              </a:rPr>
+              <a:t>Pros:</a:t>
+            </a:r>
+          </a:p>
+          <a:p>
+            <a:r>
+              <a:rPr lang="en-US" sz="1400" dirty="0">
+                <a:solidFill>
+                  <a:schemeClr val="bg1"/>
+                </a:solidFill>
+                <a:latin typeface="PT Sans" panose="020B0503020203020204" pitchFamily="34" charset="0"/>
+              </a:rPr>
+              <a:t>This approach saves more memory because instead of creating a new entry for every request, we group requests by timestamp and increment the counter.</a:t>
+            </a:r>
+          </a:p>
+        </p:txBody>
+      </p:sp>
+    </p:spTree>
+    <p:extLst>
+      <p:ext uri="{BB962C8B-B14F-4D97-AF65-F5344CB8AC3E}">
+        <p14:creationId xmlns:p14="http://schemas.microsoft.com/office/powerpoint/2010/main" val="3781464592"/>
       </p:ext>
     </p:extLst>
   </p:cSld>

--- a/BK.pptx
+++ b/BK.pptx
@@ -8,12 +8,18 @@
     <p:sldId id="256" r:id="rId2"/>
     <p:sldId id="257" r:id="rId3"/>
     <p:sldId id="258" r:id="rId4"/>
-    <p:sldId id="260" r:id="rId5"/>
-    <p:sldId id="259" r:id="rId6"/>
-    <p:sldId id="261" r:id="rId7"/>
-    <p:sldId id="262" r:id="rId8"/>
+    <p:sldId id="266" r:id="rId5"/>
+    <p:sldId id="260" r:id="rId6"/>
+    <p:sldId id="262" r:id="rId7"/>
+    <p:sldId id="264" r:id="rId8"/>
     <p:sldId id="263" r:id="rId9"/>
-    <p:sldId id="264" r:id="rId10"/>
+    <p:sldId id="259" r:id="rId10"/>
+    <p:sldId id="261" r:id="rId11"/>
+    <p:sldId id="265" r:id="rId12"/>
+    <p:sldId id="267" r:id="rId13"/>
+    <p:sldId id="269" r:id="rId14"/>
+    <p:sldId id="270" r:id="rId15"/>
+    <p:sldId id="268" r:id="rId16"/>
   </p:sldIdLst>
   <p:sldSz cx="12192000" cy="6858000"/>
   <p:notesSz cx="6858000" cy="9144000"/>
@@ -267,7 +273,7 @@
           <a:p>
             <a:fld id="{1EE040E6-4F96-4939-A60E-8D6512789607}" type="datetimeFigureOut">
               <a:rPr lang="en-US" smtClean="0"/>
-              <a:t>12/26/2021</a:t>
+              <a:t>12/27/2021</a:t>
             </a:fld>
             <a:endParaRPr lang="en-US"/>
           </a:p>
@@ -465,7 +471,7 @@
           <a:p>
             <a:fld id="{1EE040E6-4F96-4939-A60E-8D6512789607}" type="datetimeFigureOut">
               <a:rPr lang="en-US" smtClean="0"/>
-              <a:t>12/26/2021</a:t>
+              <a:t>12/27/2021</a:t>
             </a:fld>
             <a:endParaRPr lang="en-US"/>
           </a:p>
@@ -673,7 +679,7 @@
           <a:p>
             <a:fld id="{1EE040E6-4F96-4939-A60E-8D6512789607}" type="datetimeFigureOut">
               <a:rPr lang="en-US" smtClean="0"/>
-              <a:t>12/26/2021</a:t>
+              <a:t>12/27/2021</a:t>
             </a:fld>
             <a:endParaRPr lang="en-US"/>
           </a:p>
@@ -871,7 +877,7 @@
           <a:p>
             <a:fld id="{1EE040E6-4F96-4939-A60E-8D6512789607}" type="datetimeFigureOut">
               <a:rPr lang="en-US" smtClean="0"/>
-              <a:t>12/26/2021</a:t>
+              <a:t>12/27/2021</a:t>
             </a:fld>
             <a:endParaRPr lang="en-US"/>
           </a:p>
@@ -1146,7 +1152,7 @@
           <a:p>
             <a:fld id="{1EE040E6-4F96-4939-A60E-8D6512789607}" type="datetimeFigureOut">
               <a:rPr lang="en-US" smtClean="0"/>
-              <a:t>12/26/2021</a:t>
+              <a:t>12/27/2021</a:t>
             </a:fld>
             <a:endParaRPr lang="en-US"/>
           </a:p>
@@ -1411,7 +1417,7 @@
           <a:p>
             <a:fld id="{1EE040E6-4F96-4939-A60E-8D6512789607}" type="datetimeFigureOut">
               <a:rPr lang="en-US" smtClean="0"/>
-              <a:t>12/26/2021</a:t>
+              <a:t>12/27/2021</a:t>
             </a:fld>
             <a:endParaRPr lang="en-US"/>
           </a:p>
@@ -1823,7 +1829,7 @@
           <a:p>
             <a:fld id="{1EE040E6-4F96-4939-A60E-8D6512789607}" type="datetimeFigureOut">
               <a:rPr lang="en-US" smtClean="0"/>
-              <a:t>12/26/2021</a:t>
+              <a:t>12/27/2021</a:t>
             </a:fld>
             <a:endParaRPr lang="en-US"/>
           </a:p>
@@ -1964,7 +1970,7 @@
           <a:p>
             <a:fld id="{1EE040E6-4F96-4939-A60E-8D6512789607}" type="datetimeFigureOut">
               <a:rPr lang="en-US" smtClean="0"/>
-              <a:t>12/26/2021</a:t>
+              <a:t>12/27/2021</a:t>
             </a:fld>
             <a:endParaRPr lang="en-US"/>
           </a:p>
@@ -2077,7 +2083,7 @@
           <a:p>
             <a:fld id="{1EE040E6-4F96-4939-A60E-8D6512789607}" type="datetimeFigureOut">
               <a:rPr lang="en-US" smtClean="0"/>
-              <a:t>12/26/2021</a:t>
+              <a:t>12/27/2021</a:t>
             </a:fld>
             <a:endParaRPr lang="en-US"/>
           </a:p>
@@ -2388,7 +2394,7 @@
           <a:p>
             <a:fld id="{1EE040E6-4F96-4939-A60E-8D6512789607}" type="datetimeFigureOut">
               <a:rPr lang="en-US" smtClean="0"/>
-              <a:t>12/26/2021</a:t>
+              <a:t>12/27/2021</a:t>
             </a:fld>
             <a:endParaRPr lang="en-US"/>
           </a:p>
@@ -2676,7 +2682,7 @@
           <a:p>
             <a:fld id="{1EE040E6-4F96-4939-A60E-8D6512789607}" type="datetimeFigureOut">
               <a:rPr lang="en-US" smtClean="0"/>
-              <a:t>12/26/2021</a:t>
+              <a:t>12/27/2021</a:t>
             </a:fld>
             <a:endParaRPr lang="en-US"/>
           </a:p>
@@ -2917,7 +2923,7 @@
           <a:p>
             <a:fld id="{1EE040E6-4F96-4939-A60E-8D6512789607}" type="datetimeFigureOut">
               <a:rPr lang="en-US" smtClean="0"/>
-              <a:t>12/26/2021</a:t>
+              <a:t>12/27/2021</a:t>
             </a:fld>
             <a:endParaRPr lang="en-US"/>
           </a:p>
@@ -3449,7 +3455,7 @@
         </p:nvSpPr>
         <p:spPr>
           <a:xfrm>
-            <a:off x="2593910" y="3638939"/>
+            <a:off x="2239347" y="3624082"/>
             <a:ext cx="2873829" cy="369332"/>
           </a:xfrm>
           <a:prstGeom prst="rect">
@@ -3489,7 +3495,7 @@
         </p:nvSpPr>
         <p:spPr>
           <a:xfrm>
-            <a:off x="2593910" y="5828541"/>
+            <a:off x="2239347" y="4366780"/>
             <a:ext cx="2873829" cy="369332"/>
           </a:xfrm>
           <a:prstGeom prst="rect">
@@ -3519,6 +3525,2548 @@
     <p:extLst>
       <p:ext uri="{BB962C8B-B14F-4D97-AF65-F5344CB8AC3E}">
         <p14:creationId xmlns:p14="http://schemas.microsoft.com/office/powerpoint/2010/main" val="3865463952"/>
+      </p:ext>
+    </p:extLst>
+  </p:cSld>
+  <p:clrMapOvr>
+    <a:masterClrMapping/>
+  </p:clrMapOvr>
+</p:sld>
+</file>
+
+<file path=ppt/slides/slide10.xml><?xml version="1.0" encoding="utf-8"?>
+<p:sld xmlns:a="http://schemas.openxmlformats.org/drawingml/2006/main" xmlns:r="http://schemas.openxmlformats.org/officeDocument/2006/relationships" xmlns:p="http://schemas.openxmlformats.org/presentationml/2006/main">
+  <p:cSld>
+    <p:bg>
+      <p:bgPr>
+        <a:solidFill>
+          <a:srgbClr val="43853D"/>
+        </a:solidFill>
+        <a:effectLst/>
+      </p:bgPr>
+    </p:bg>
+    <p:spTree>
+      <p:nvGrpSpPr>
+        <p:cNvPr id="1" name=""/>
+        <p:cNvGrpSpPr/>
+        <p:nvPr/>
+      </p:nvGrpSpPr>
+      <p:grpSpPr>
+        <a:xfrm>
+          <a:off x="0" y="0"/>
+          <a:ext cx="0" cy="0"/>
+          <a:chOff x="0" y="0"/>
+          <a:chExt cx="0" cy="0"/>
+        </a:xfrm>
+      </p:grpSpPr>
+      <p:sp>
+        <p:nvSpPr>
+          <p:cNvPr id="2" name="Title 1">
+            <a:extLst>
+              <a:ext uri="{FF2B5EF4-FFF2-40B4-BE49-F238E27FC236}">
+                <a16:creationId xmlns:a16="http://schemas.microsoft.com/office/drawing/2014/main" id="{A5B6771C-EC8D-4C01-AD58-F01C3DBFE1AB}"/>
+              </a:ext>
+            </a:extLst>
+          </p:cNvPr>
+          <p:cNvSpPr>
+            <a:spLocks noGrp="1"/>
+          </p:cNvSpPr>
+          <p:nvPr>
+            <p:ph type="title"/>
+          </p:nvPr>
+        </p:nvSpPr>
+        <p:spPr/>
+        <p:txBody>
+          <a:bodyPr/>
+          <a:lstStyle/>
+          <a:p>
+            <a:pPr algn="l"/>
+            <a:r>
+              <a:rPr lang="en-US" sz="4400" b="1" i="0" dirty="0">
+                <a:solidFill>
+                  <a:schemeClr val="bg1"/>
+                </a:solidFill>
+                <a:effectLst/>
+                <a:latin typeface="PT Sans" panose="020B0503020203020204" pitchFamily="34" charset="0"/>
+              </a:rPr>
+              <a:t>Leaky bucket</a:t>
+            </a:r>
+          </a:p>
+        </p:txBody>
+      </p:sp>
+      <p:sp>
+        <p:nvSpPr>
+          <p:cNvPr id="3" name="Content Placeholder 2">
+            <a:extLst>
+              <a:ext uri="{FF2B5EF4-FFF2-40B4-BE49-F238E27FC236}">
+                <a16:creationId xmlns:a16="http://schemas.microsoft.com/office/drawing/2014/main" id="{2B664DA6-9C91-460D-B57E-FE1B3A43E0F3}"/>
+              </a:ext>
+            </a:extLst>
+          </p:cNvPr>
+          <p:cNvSpPr>
+            <a:spLocks noGrp="1"/>
+          </p:cNvSpPr>
+          <p:nvPr>
+            <p:ph idx="1"/>
+          </p:nvPr>
+        </p:nvSpPr>
+        <p:spPr/>
+        <p:txBody>
+          <a:bodyPr>
+            <a:normAutofit/>
+          </a:bodyPr>
+          <a:lstStyle/>
+          <a:p>
+            <a:r>
+              <a:rPr lang="en-US" sz="1400" dirty="0">
+                <a:solidFill>
+                  <a:schemeClr val="bg1"/>
+                </a:solidFill>
+                <a:latin typeface="PT Sans" panose="020B0503020203020204" pitchFamily="34" charset="0"/>
+              </a:rPr>
+              <a:t>It use a bucket or queue to holds incoming requests</a:t>
+            </a:r>
+          </a:p>
+          <a:p>
+            <a:r>
+              <a:rPr lang="en-US" sz="1400" dirty="0">
+                <a:solidFill>
+                  <a:schemeClr val="bg1"/>
+                </a:solidFill>
+                <a:latin typeface="PT Sans" panose="020B0503020203020204" pitchFamily="34" charset="0"/>
+              </a:rPr>
+              <a:t>The requests are processed at fixed time intervals</a:t>
+            </a:r>
+          </a:p>
+          <a:p>
+            <a:r>
+              <a:rPr lang="en-US" sz="1400" dirty="0">
+                <a:solidFill>
+                  <a:schemeClr val="bg1"/>
+                </a:solidFill>
+                <a:latin typeface="PT Sans" panose="020B0503020203020204" pitchFamily="34" charset="0"/>
+              </a:rPr>
+              <a:t>It uses FCFS (First Come First Serve) manner for request processing</a:t>
+            </a:r>
+          </a:p>
+          <a:p>
+            <a:r>
+              <a:rPr lang="en-US" sz="1400" dirty="0">
+                <a:solidFill>
+                  <a:schemeClr val="bg1"/>
+                </a:solidFill>
+                <a:latin typeface="PT Sans" panose="020B0503020203020204" pitchFamily="34" charset="0"/>
+              </a:rPr>
+              <a:t>If the queue is full, remaining requests are dropped or leaked with proper message</a:t>
+            </a:r>
+          </a:p>
+          <a:p>
+            <a:pPr marL="0" indent="0">
+              <a:buNone/>
+            </a:pPr>
+            <a:r>
+              <a:rPr lang="en-US" sz="2000" b="1" dirty="0">
+                <a:solidFill>
+                  <a:schemeClr val="bg1"/>
+                </a:solidFill>
+                <a:latin typeface="PT Sans" panose="020B0503020203020204" pitchFamily="34" charset="0"/>
+              </a:rPr>
+              <a:t>Pros:</a:t>
+            </a:r>
+          </a:p>
+          <a:p>
+            <a:r>
+              <a:rPr lang="en-US" sz="1400" dirty="0">
+                <a:solidFill>
+                  <a:schemeClr val="bg1"/>
+                </a:solidFill>
+                <a:latin typeface="PT Sans" panose="020B0503020203020204" pitchFamily="34" charset="0"/>
+              </a:rPr>
+              <a:t>It smoothens burst of requests by processing them at a constant rate</a:t>
+            </a:r>
+          </a:p>
+          <a:p>
+            <a:r>
+              <a:rPr lang="en-US" sz="1400" dirty="0">
+                <a:solidFill>
+                  <a:schemeClr val="bg1"/>
+                </a:solidFill>
+                <a:latin typeface="PT Sans" panose="020B0503020203020204" pitchFamily="34" charset="0"/>
+              </a:rPr>
+              <a:t>Memory efficiency because of queue(buffer) fixed size</a:t>
+            </a:r>
+          </a:p>
+          <a:p>
+            <a:r>
+              <a:rPr lang="en-US" sz="1400" dirty="0">
+                <a:solidFill>
+                  <a:schemeClr val="bg1"/>
+                </a:solidFill>
+                <a:latin typeface="PT Sans" panose="020B0503020203020204" pitchFamily="34" charset="0"/>
+              </a:rPr>
+              <a:t>Easy to implement</a:t>
+            </a:r>
+          </a:p>
+          <a:p>
+            <a:pPr marL="0" indent="0">
+              <a:buNone/>
+            </a:pPr>
+            <a:r>
+              <a:rPr lang="en-US" sz="2000" b="1" dirty="0">
+                <a:solidFill>
+                  <a:schemeClr val="bg1"/>
+                </a:solidFill>
+                <a:latin typeface="PT Sans" panose="020B0503020203020204" pitchFamily="34" charset="0"/>
+              </a:rPr>
+              <a:t>Cons:</a:t>
+            </a:r>
+          </a:p>
+          <a:p>
+            <a:r>
+              <a:rPr lang="en-US" sz="1400" dirty="0">
+                <a:solidFill>
+                  <a:schemeClr val="bg1"/>
+                </a:solidFill>
+                <a:latin typeface="PT Sans" panose="020B0503020203020204" pitchFamily="34" charset="0"/>
+              </a:rPr>
+              <a:t>A burst of traffic can fill-up the queue with old requests in a time slot and the new request might starve.</a:t>
+            </a:r>
+          </a:p>
+          <a:p>
+            <a:r>
+              <a:rPr lang="en-US" sz="1400" dirty="0">
+                <a:solidFill>
+                  <a:schemeClr val="bg1"/>
+                </a:solidFill>
+                <a:latin typeface="PT Sans" panose="020B0503020203020204" pitchFamily="34" charset="0"/>
+              </a:rPr>
+              <a:t>It provides no guarantee that requests will be processed in a fixed amount of time.</a:t>
+            </a:r>
+          </a:p>
+          <a:p>
+            <a:pPr marL="0" indent="0">
+              <a:buNone/>
+            </a:pPr>
+            <a:endParaRPr lang="en-US" sz="1400" dirty="0">
+              <a:solidFill>
+                <a:schemeClr val="bg1"/>
+              </a:solidFill>
+              <a:latin typeface="PT Sans" panose="020B0503020203020204" pitchFamily="34" charset="0"/>
+            </a:endParaRPr>
+          </a:p>
+        </p:txBody>
+      </p:sp>
+    </p:spTree>
+    <p:extLst>
+      <p:ext uri="{BB962C8B-B14F-4D97-AF65-F5344CB8AC3E}">
+        <p14:creationId xmlns:p14="http://schemas.microsoft.com/office/powerpoint/2010/main" val="2855717457"/>
+      </p:ext>
+    </p:extLst>
+  </p:cSld>
+  <p:clrMapOvr>
+    <a:masterClrMapping/>
+  </p:clrMapOvr>
+</p:sld>
+</file>
+
+<file path=ppt/slides/slide11.xml><?xml version="1.0" encoding="utf-8"?>
+<p:sld xmlns:a="http://schemas.openxmlformats.org/drawingml/2006/main" xmlns:r="http://schemas.openxmlformats.org/officeDocument/2006/relationships" xmlns:p="http://schemas.openxmlformats.org/presentationml/2006/main">
+  <p:cSld>
+    <p:bg>
+      <p:bgPr>
+        <a:solidFill>
+          <a:srgbClr val="43853D"/>
+        </a:solidFill>
+        <a:effectLst/>
+      </p:bgPr>
+    </p:bg>
+    <p:spTree>
+      <p:nvGrpSpPr>
+        <p:cNvPr id="1" name=""/>
+        <p:cNvGrpSpPr/>
+        <p:nvPr/>
+      </p:nvGrpSpPr>
+      <p:grpSpPr>
+        <a:xfrm>
+          <a:off x="0" y="0"/>
+          <a:ext cx="0" cy="0"/>
+          <a:chOff x="0" y="0"/>
+          <a:chExt cx="0" cy="0"/>
+        </a:xfrm>
+      </p:grpSpPr>
+      <p:sp>
+        <p:nvSpPr>
+          <p:cNvPr id="2" name="Title 1">
+            <a:extLst>
+              <a:ext uri="{FF2B5EF4-FFF2-40B4-BE49-F238E27FC236}">
+                <a16:creationId xmlns:a16="http://schemas.microsoft.com/office/drawing/2014/main" id="{A5B6771C-EC8D-4C01-AD58-F01C3DBFE1AB}"/>
+              </a:ext>
+            </a:extLst>
+          </p:cNvPr>
+          <p:cNvSpPr>
+            <a:spLocks noGrp="1"/>
+          </p:cNvSpPr>
+          <p:nvPr>
+            <p:ph type="title"/>
+          </p:nvPr>
+        </p:nvSpPr>
+        <p:spPr/>
+        <p:txBody>
+          <a:bodyPr/>
+          <a:lstStyle/>
+          <a:p>
+            <a:pPr algn="l"/>
+            <a:r>
+              <a:rPr lang="en-US" sz="4400" b="1" i="0" dirty="0">
+                <a:solidFill>
+                  <a:schemeClr val="bg1"/>
+                </a:solidFill>
+                <a:effectLst/>
+                <a:latin typeface="PT Sans" panose="020B0503020203020204" pitchFamily="34" charset="0"/>
+              </a:rPr>
+              <a:t>Express Rate Limit package</a:t>
+            </a:r>
+          </a:p>
+        </p:txBody>
+      </p:sp>
+      <p:sp>
+        <p:nvSpPr>
+          <p:cNvPr id="3" name="Content Placeholder 2">
+            <a:extLst>
+              <a:ext uri="{FF2B5EF4-FFF2-40B4-BE49-F238E27FC236}">
+                <a16:creationId xmlns:a16="http://schemas.microsoft.com/office/drawing/2014/main" id="{2B664DA6-9C91-460D-B57E-FE1B3A43E0F3}"/>
+              </a:ext>
+            </a:extLst>
+          </p:cNvPr>
+          <p:cNvSpPr>
+            <a:spLocks noGrp="1"/>
+          </p:cNvSpPr>
+          <p:nvPr>
+            <p:ph idx="1"/>
+          </p:nvPr>
+        </p:nvSpPr>
+        <p:spPr>
+          <a:xfrm>
+            <a:off x="838200" y="1825625"/>
+            <a:ext cx="10515600" cy="4667250"/>
+          </a:xfrm>
+        </p:spPr>
+        <p:txBody>
+          <a:bodyPr>
+            <a:normAutofit/>
+          </a:bodyPr>
+          <a:lstStyle/>
+          <a:p>
+            <a:pPr marL="0" indent="0">
+              <a:buNone/>
+            </a:pPr>
+            <a:r>
+              <a:rPr lang="en-US" sz="1400" b="1" dirty="0">
+                <a:solidFill>
+                  <a:schemeClr val="bg1"/>
+                </a:solidFill>
+                <a:latin typeface="PT Sans" panose="020B0503020203020204" pitchFamily="34" charset="0"/>
+              </a:rPr>
+              <a:t>This approach attempts to optimize some of the inefficiencies of both the fixed window counter and sliding logs technique. In this technique, the user’s requests are grouped by timestamp, and rather than log each request, we keep a counter for each group.</a:t>
+            </a:r>
+          </a:p>
+          <a:p>
+            <a:pPr marL="0" indent="0">
+              <a:buNone/>
+            </a:pPr>
+            <a:r>
+              <a:rPr lang="en-US" sz="2000" b="1" dirty="0">
+                <a:solidFill>
+                  <a:schemeClr val="bg1"/>
+                </a:solidFill>
+                <a:latin typeface="PT Sans" panose="020B0503020203020204" pitchFamily="34" charset="0"/>
+              </a:rPr>
+              <a:t>Stores</a:t>
+            </a:r>
+            <a:r>
+              <a:rPr lang="en-US" sz="1400" b="1" dirty="0">
+                <a:solidFill>
+                  <a:schemeClr val="bg1"/>
+                </a:solidFill>
+                <a:latin typeface="PT Sans" panose="020B0503020203020204" pitchFamily="34" charset="0"/>
+              </a:rPr>
+              <a:t>:</a:t>
+            </a:r>
+          </a:p>
+          <a:p>
+            <a:r>
+              <a:rPr lang="en-US" sz="1400" dirty="0">
+                <a:solidFill>
+                  <a:schemeClr val="bg1"/>
+                </a:solidFill>
+                <a:latin typeface="PT Sans" panose="020B0503020203020204" pitchFamily="34" charset="0"/>
+              </a:rPr>
+              <a:t>Memory Store (default, built-in) - stores hits in-memory in the Node.js process. Does not share state with other servers or processes, and does not start a separate timer for each end user.</a:t>
+            </a:r>
+          </a:p>
+          <a:p>
+            <a:r>
+              <a:rPr lang="en-US" sz="1400" dirty="0">
+                <a:solidFill>
+                  <a:schemeClr val="bg1"/>
+                </a:solidFill>
+                <a:latin typeface="PT Sans" panose="020B0503020203020204" pitchFamily="34" charset="0"/>
+              </a:rPr>
+              <a:t>Redis Store</a:t>
+            </a:r>
+          </a:p>
+          <a:p>
+            <a:r>
+              <a:rPr lang="en-US" sz="1400" dirty="0">
+                <a:solidFill>
+                  <a:schemeClr val="bg1"/>
+                </a:solidFill>
+                <a:latin typeface="PT Sans" panose="020B0503020203020204" pitchFamily="34" charset="0"/>
+              </a:rPr>
+              <a:t>Memcached Store</a:t>
+            </a:r>
+          </a:p>
+          <a:p>
+            <a:r>
+              <a:rPr lang="en-US" sz="1400" dirty="0">
+                <a:solidFill>
+                  <a:schemeClr val="bg1"/>
+                </a:solidFill>
+                <a:latin typeface="PT Sans" panose="020B0503020203020204" pitchFamily="34" charset="0"/>
+              </a:rPr>
+              <a:t>Mongo Store</a:t>
+            </a:r>
+          </a:p>
+          <a:p>
+            <a:r>
+              <a:rPr lang="en-US" sz="1400" dirty="0">
+                <a:solidFill>
+                  <a:schemeClr val="bg1"/>
+                </a:solidFill>
+                <a:latin typeface="PT Sans" panose="020B0503020203020204" pitchFamily="34" charset="0"/>
+              </a:rPr>
+              <a:t>Precise Memory Store - similar to the built-in memory store except that it stores a distinct timestamp for each IP rather than bucketing them together.</a:t>
+            </a:r>
+          </a:p>
+        </p:txBody>
+      </p:sp>
+    </p:spTree>
+    <p:extLst>
+      <p:ext uri="{BB962C8B-B14F-4D97-AF65-F5344CB8AC3E}">
+        <p14:creationId xmlns:p14="http://schemas.microsoft.com/office/powerpoint/2010/main" val="2008304616"/>
+      </p:ext>
+    </p:extLst>
+  </p:cSld>
+  <p:clrMapOvr>
+    <a:masterClrMapping/>
+  </p:clrMapOvr>
+</p:sld>
+</file>
+
+<file path=ppt/slides/slide12.xml><?xml version="1.0" encoding="utf-8"?>
+<p:sld xmlns:a="http://schemas.openxmlformats.org/drawingml/2006/main" xmlns:r="http://schemas.openxmlformats.org/officeDocument/2006/relationships" xmlns:p="http://schemas.openxmlformats.org/presentationml/2006/main">
+  <p:cSld>
+    <p:bg>
+      <p:bgPr>
+        <a:solidFill>
+          <a:srgbClr val="43853D"/>
+        </a:solidFill>
+        <a:effectLst/>
+      </p:bgPr>
+    </p:bg>
+    <p:spTree>
+      <p:nvGrpSpPr>
+        <p:cNvPr id="1" name=""/>
+        <p:cNvGrpSpPr/>
+        <p:nvPr/>
+      </p:nvGrpSpPr>
+      <p:grpSpPr>
+        <a:xfrm>
+          <a:off x="0" y="0"/>
+          <a:ext cx="0" cy="0"/>
+          <a:chOff x="0" y="0"/>
+          <a:chExt cx="0" cy="0"/>
+        </a:xfrm>
+      </p:grpSpPr>
+      <p:sp>
+        <p:nvSpPr>
+          <p:cNvPr id="2" name="Title 1">
+            <a:extLst>
+              <a:ext uri="{FF2B5EF4-FFF2-40B4-BE49-F238E27FC236}">
+                <a16:creationId xmlns:a16="http://schemas.microsoft.com/office/drawing/2014/main" id="{A5B6771C-EC8D-4C01-AD58-F01C3DBFE1AB}"/>
+              </a:ext>
+            </a:extLst>
+          </p:cNvPr>
+          <p:cNvSpPr>
+            <a:spLocks noGrp="1"/>
+          </p:cNvSpPr>
+          <p:nvPr>
+            <p:ph type="title"/>
+          </p:nvPr>
+        </p:nvSpPr>
+        <p:spPr/>
+        <p:txBody>
+          <a:bodyPr/>
+          <a:lstStyle/>
+          <a:p>
+            <a:pPr algn="l"/>
+            <a:r>
+              <a:rPr lang="en-US" b="1" dirty="0">
+                <a:solidFill>
+                  <a:schemeClr val="bg1"/>
+                </a:solidFill>
+                <a:latin typeface="PT Sans" panose="020B0503020203020204" pitchFamily="34" charset="0"/>
+              </a:rPr>
+              <a:t>DTO</a:t>
+            </a:r>
+            <a:endParaRPr lang="en-US" sz="4400" b="1" i="0" dirty="0">
+              <a:solidFill>
+                <a:schemeClr val="bg1"/>
+              </a:solidFill>
+              <a:effectLst/>
+              <a:latin typeface="PT Sans" panose="020B0503020203020204" pitchFamily="34" charset="0"/>
+            </a:endParaRPr>
+          </a:p>
+        </p:txBody>
+      </p:sp>
+      <p:sp>
+        <p:nvSpPr>
+          <p:cNvPr id="3" name="Content Placeholder 2">
+            <a:extLst>
+              <a:ext uri="{FF2B5EF4-FFF2-40B4-BE49-F238E27FC236}">
+                <a16:creationId xmlns:a16="http://schemas.microsoft.com/office/drawing/2014/main" id="{2B664DA6-9C91-460D-B57E-FE1B3A43E0F3}"/>
+              </a:ext>
+            </a:extLst>
+          </p:cNvPr>
+          <p:cNvSpPr>
+            <a:spLocks noGrp="1"/>
+          </p:cNvSpPr>
+          <p:nvPr>
+            <p:ph idx="1"/>
+          </p:nvPr>
+        </p:nvSpPr>
+        <p:spPr>
+          <a:xfrm>
+            <a:off x="838200" y="1825625"/>
+            <a:ext cx="10515600" cy="2662485"/>
+          </a:xfrm>
+        </p:spPr>
+        <p:txBody>
+          <a:bodyPr>
+            <a:normAutofit/>
+          </a:bodyPr>
+          <a:lstStyle/>
+          <a:p>
+            <a:pPr marL="0" indent="0">
+              <a:buNone/>
+            </a:pPr>
+            <a:r>
+              <a:rPr lang="en-US" sz="1400" b="1" dirty="0">
+                <a:solidFill>
+                  <a:schemeClr val="bg1"/>
+                </a:solidFill>
+                <a:latin typeface="PT Sans" panose="020B0503020203020204" pitchFamily="34" charset="0"/>
+              </a:rPr>
+              <a:t>A </a:t>
+            </a:r>
+            <a:r>
+              <a:rPr lang="en-US" sz="1400" b="1" dirty="0">
+                <a:solidFill>
+                  <a:schemeClr val="tx1">
+                    <a:lumMod val="95000"/>
+                    <a:lumOff val="5000"/>
+                  </a:schemeClr>
+                </a:solidFill>
+                <a:latin typeface="PT Sans" panose="020B0503020203020204" pitchFamily="34" charset="0"/>
+              </a:rPr>
+              <a:t>Data Transfer Object</a:t>
+            </a:r>
+            <a:r>
+              <a:rPr lang="en-US" sz="1400" b="1" dirty="0">
+                <a:solidFill>
+                  <a:schemeClr val="bg1"/>
+                </a:solidFill>
+                <a:latin typeface="PT Sans" panose="020B0503020203020204" pitchFamily="34" charset="0"/>
+              </a:rPr>
+              <a:t> is an object that is used to encapsulate data, and send it from one subsystem of an application to another.</a:t>
+            </a:r>
+          </a:p>
+          <a:p>
+            <a:pPr marL="0" indent="0">
+              <a:buNone/>
+            </a:pPr>
+            <a:r>
+              <a:rPr lang="en-US" sz="2000" b="1" dirty="0">
+                <a:solidFill>
+                  <a:schemeClr val="bg1"/>
+                </a:solidFill>
+                <a:latin typeface="PT Sans" panose="020B0503020203020204" pitchFamily="34" charset="0"/>
+              </a:rPr>
+              <a:t>Specs</a:t>
+            </a:r>
+            <a:r>
+              <a:rPr lang="en-US" sz="1400" b="1" dirty="0">
+                <a:solidFill>
+                  <a:schemeClr val="bg1"/>
+                </a:solidFill>
+                <a:latin typeface="PT Sans" panose="020B0503020203020204" pitchFamily="34" charset="0"/>
+              </a:rPr>
+              <a:t>:</a:t>
+            </a:r>
+          </a:p>
+          <a:p>
+            <a:r>
+              <a:rPr lang="en-US" sz="1400" dirty="0">
+                <a:solidFill>
+                  <a:schemeClr val="bg1"/>
+                </a:solidFill>
+                <a:latin typeface="PT Sans" panose="020B0503020203020204" pitchFamily="34" charset="0"/>
+              </a:rPr>
+              <a:t>like a data structure</a:t>
+            </a:r>
+          </a:p>
+          <a:p>
+            <a:r>
+              <a:rPr lang="en-US" sz="1400" dirty="0">
+                <a:solidFill>
+                  <a:schemeClr val="bg1"/>
+                </a:solidFill>
+                <a:latin typeface="PT Sans" panose="020B0503020203020204" pitchFamily="34" charset="0"/>
+              </a:rPr>
+              <a:t>It should not contain any business logic but should contain serialization and deserialization mechanisms.</a:t>
+            </a:r>
+          </a:p>
+          <a:p>
+            <a:r>
+              <a:rPr lang="en-US" sz="1400" dirty="0">
+                <a:solidFill>
+                  <a:schemeClr val="bg1"/>
+                </a:solidFill>
+                <a:latin typeface="PT Sans" panose="020B0503020203020204" pitchFamily="34" charset="0"/>
+              </a:rPr>
+              <a:t>By using a DTO to transfer just the required information, we loosen the coupling between the API and our model, allowing us to more easily maintain and scale the service.</a:t>
+            </a:r>
+          </a:p>
+          <a:p>
+            <a:r>
+              <a:rPr lang="en-US" sz="1400" dirty="0">
+                <a:solidFill>
+                  <a:schemeClr val="bg1"/>
+                </a:solidFill>
+                <a:latin typeface="PT Sans" panose="020B0503020203020204" pitchFamily="34" charset="0"/>
+              </a:rPr>
+              <a:t>We don't want to send other sensitive information</a:t>
+            </a:r>
+          </a:p>
+        </p:txBody>
+      </p:sp>
+    </p:spTree>
+    <p:extLst>
+      <p:ext uri="{BB962C8B-B14F-4D97-AF65-F5344CB8AC3E}">
+        <p14:creationId xmlns:p14="http://schemas.microsoft.com/office/powerpoint/2010/main" val="1054137345"/>
+      </p:ext>
+    </p:extLst>
+  </p:cSld>
+  <p:clrMapOvr>
+    <a:masterClrMapping/>
+  </p:clrMapOvr>
+</p:sld>
+</file>
+
+<file path=ppt/slides/slide13.xml><?xml version="1.0" encoding="utf-8"?>
+<p:sld xmlns:a="http://schemas.openxmlformats.org/drawingml/2006/main" xmlns:r="http://schemas.openxmlformats.org/officeDocument/2006/relationships" xmlns:p="http://schemas.openxmlformats.org/presentationml/2006/main">
+  <p:cSld>
+    <p:bg>
+      <p:bgPr>
+        <a:solidFill>
+          <a:srgbClr val="43853D"/>
+        </a:solidFill>
+        <a:effectLst/>
+      </p:bgPr>
+    </p:bg>
+    <p:spTree>
+      <p:nvGrpSpPr>
+        <p:cNvPr id="1" name=""/>
+        <p:cNvGrpSpPr/>
+        <p:nvPr/>
+      </p:nvGrpSpPr>
+      <p:grpSpPr>
+        <a:xfrm>
+          <a:off x="0" y="0"/>
+          <a:ext cx="0" cy="0"/>
+          <a:chOff x="0" y="0"/>
+          <a:chExt cx="0" cy="0"/>
+        </a:xfrm>
+      </p:grpSpPr>
+      <p:sp>
+        <p:nvSpPr>
+          <p:cNvPr id="2" name="Title 1">
+            <a:extLst>
+              <a:ext uri="{FF2B5EF4-FFF2-40B4-BE49-F238E27FC236}">
+                <a16:creationId xmlns:a16="http://schemas.microsoft.com/office/drawing/2014/main" id="{A5B6771C-EC8D-4C01-AD58-F01C3DBFE1AB}"/>
+              </a:ext>
+            </a:extLst>
+          </p:cNvPr>
+          <p:cNvSpPr>
+            <a:spLocks noGrp="1"/>
+          </p:cNvSpPr>
+          <p:nvPr>
+            <p:ph type="title"/>
+          </p:nvPr>
+        </p:nvSpPr>
+        <p:spPr/>
+        <p:txBody>
+          <a:bodyPr/>
+          <a:lstStyle/>
+          <a:p>
+            <a:pPr algn="l"/>
+            <a:r>
+              <a:rPr lang="en-US" b="1" dirty="0">
+                <a:solidFill>
+                  <a:schemeClr val="bg1"/>
+                </a:solidFill>
+                <a:latin typeface="PT Sans" panose="020B0503020203020204" pitchFamily="34" charset="0"/>
+              </a:rPr>
+              <a:t>DTO in </a:t>
+            </a:r>
+            <a:r>
+              <a:rPr lang="en-US" b="1" dirty="0" err="1">
+                <a:solidFill>
+                  <a:schemeClr val="bg1"/>
+                </a:solidFill>
+                <a:latin typeface="PT Sans" panose="020B0503020203020204" pitchFamily="34" charset="0"/>
+              </a:rPr>
+              <a:t>Nestjs</a:t>
+            </a:r>
+            <a:endParaRPr lang="en-US" sz="4400" b="1" i="0" dirty="0">
+              <a:solidFill>
+                <a:schemeClr val="bg1"/>
+              </a:solidFill>
+              <a:effectLst/>
+              <a:latin typeface="PT Sans" panose="020B0503020203020204" pitchFamily="34" charset="0"/>
+            </a:endParaRPr>
+          </a:p>
+        </p:txBody>
+      </p:sp>
+      <p:sp>
+        <p:nvSpPr>
+          <p:cNvPr id="3" name="Content Placeholder 2">
+            <a:extLst>
+              <a:ext uri="{FF2B5EF4-FFF2-40B4-BE49-F238E27FC236}">
+                <a16:creationId xmlns:a16="http://schemas.microsoft.com/office/drawing/2014/main" id="{2B664DA6-9C91-460D-B57E-FE1B3A43E0F3}"/>
+              </a:ext>
+            </a:extLst>
+          </p:cNvPr>
+          <p:cNvSpPr>
+            <a:spLocks noGrp="1"/>
+          </p:cNvSpPr>
+          <p:nvPr>
+            <p:ph idx="1"/>
+          </p:nvPr>
+        </p:nvSpPr>
+        <p:spPr>
+          <a:xfrm>
+            <a:off x="838200" y="1590836"/>
+            <a:ext cx="10515600" cy="1957708"/>
+          </a:xfrm>
+        </p:spPr>
+        <p:txBody>
+          <a:bodyPr>
+            <a:noAutofit/>
+          </a:bodyPr>
+          <a:lstStyle/>
+          <a:p>
+            <a:pPr marL="0" indent="0">
+              <a:buNone/>
+            </a:pPr>
+            <a:r>
+              <a:rPr lang="en-US" sz="1400" dirty="0">
+                <a:solidFill>
+                  <a:schemeClr val="bg1"/>
+                </a:solidFill>
+                <a:latin typeface="PT Sans" panose="020B0503020203020204" pitchFamily="34" charset="0"/>
+              </a:rPr>
+              <a:t>The DTO on it's own is more of a guideline for the developer and those who consume the API to know what kind of shape the request body expects to be, it doesn't actually run any validations on its own. However, with Typescript you can add in decorators from the class-validator library and </a:t>
+            </a:r>
+            <a:r>
+              <a:rPr lang="en-US" sz="1400" dirty="0" err="1">
+                <a:solidFill>
+                  <a:schemeClr val="bg1"/>
+                </a:solidFill>
+                <a:latin typeface="PT Sans" panose="020B0503020203020204" pitchFamily="34" charset="0"/>
+              </a:rPr>
+              <a:t>and</a:t>
+            </a:r>
+            <a:r>
+              <a:rPr lang="en-US" sz="1400" dirty="0">
+                <a:solidFill>
+                  <a:schemeClr val="bg1"/>
+                </a:solidFill>
+                <a:latin typeface="PT Sans" panose="020B0503020203020204" pitchFamily="34" charset="0"/>
+              </a:rPr>
+              <a:t> use the built-in </a:t>
+            </a:r>
+            <a:r>
+              <a:rPr lang="en-US" sz="1400" dirty="0" err="1">
+                <a:solidFill>
+                  <a:schemeClr val="bg1"/>
+                </a:solidFill>
+                <a:latin typeface="PT Sans" panose="020B0503020203020204" pitchFamily="34" charset="0"/>
+              </a:rPr>
+              <a:t>ValidationPipe</a:t>
+            </a:r>
+            <a:r>
+              <a:rPr lang="en-US" sz="1400" dirty="0">
+                <a:solidFill>
+                  <a:schemeClr val="bg1"/>
+                </a:solidFill>
+                <a:latin typeface="PT Sans" panose="020B0503020203020204" pitchFamily="34" charset="0"/>
+              </a:rPr>
+              <a:t> and have validations run on your incoming requests so that only the expected request body can come in.</a:t>
+            </a:r>
+          </a:p>
+          <a:p>
+            <a:pPr marL="0" indent="0">
+              <a:buNone/>
+            </a:pPr>
+            <a:endParaRPr lang="en-US" sz="1400" dirty="0">
+              <a:solidFill>
+                <a:schemeClr val="bg1"/>
+              </a:solidFill>
+              <a:latin typeface="PT Sans" panose="020B0503020203020204" pitchFamily="34" charset="0"/>
+            </a:endParaRPr>
+          </a:p>
+          <a:p>
+            <a:pPr marL="0" indent="0">
+              <a:buNone/>
+            </a:pPr>
+            <a:r>
+              <a:rPr lang="en-US" sz="1400" dirty="0">
+                <a:solidFill>
+                  <a:schemeClr val="bg1"/>
+                </a:solidFill>
+                <a:latin typeface="PT Sans" panose="020B0503020203020204" pitchFamily="34" charset="0"/>
+              </a:rPr>
+              <a:t>In short, the DTO is the definition of what the request should look like, but because JavaScript is a dynamic language, you can send in anything. That's why libraries like class-validator and </a:t>
+            </a:r>
+            <a:r>
+              <a:rPr lang="en-US" sz="1400" dirty="0" err="1">
+                <a:solidFill>
+                  <a:schemeClr val="bg1"/>
+                </a:solidFill>
+                <a:latin typeface="PT Sans" panose="020B0503020203020204" pitchFamily="34" charset="0"/>
+              </a:rPr>
+              <a:t>runtypes</a:t>
+            </a:r>
+            <a:r>
+              <a:rPr lang="en-US" sz="1400" dirty="0">
+                <a:solidFill>
+                  <a:schemeClr val="bg1"/>
+                </a:solidFill>
+                <a:latin typeface="PT Sans" panose="020B0503020203020204" pitchFamily="34" charset="0"/>
+              </a:rPr>
+              <a:t> exist.</a:t>
+            </a:r>
+          </a:p>
+        </p:txBody>
+      </p:sp>
+      <p:sp>
+        <p:nvSpPr>
+          <p:cNvPr id="6" name="Content Placeholder 2">
+            <a:extLst>
+              <a:ext uri="{FF2B5EF4-FFF2-40B4-BE49-F238E27FC236}">
+                <a16:creationId xmlns:a16="http://schemas.microsoft.com/office/drawing/2014/main" id="{583701DF-F939-41F4-A6A5-1D6DD4492CDE}"/>
+              </a:ext>
+            </a:extLst>
+          </p:cNvPr>
+          <p:cNvSpPr txBox="1">
+            <a:spLocks/>
+          </p:cNvSpPr>
+          <p:nvPr/>
+        </p:nvSpPr>
+        <p:spPr>
+          <a:xfrm>
+            <a:off x="990600" y="3879909"/>
+            <a:ext cx="10515600" cy="2528261"/>
+          </a:xfrm>
+          <a:prstGeom prst="rect">
+            <a:avLst/>
+          </a:prstGeom>
+        </p:spPr>
+        <p:txBody>
+          <a:bodyPr vert="horz" lIns="91440" tIns="45720" rIns="91440" bIns="45720" rtlCol="0">
+            <a:normAutofit/>
+          </a:bodyPr>
+          <a:lstStyle>
+            <a:lvl1pPr marL="228600" indent="-228600" algn="l" defTabSz="914400" rtl="0" eaLnBrk="1" latinLnBrk="0" hangingPunct="1">
+              <a:lnSpc>
+                <a:spcPct val="90000"/>
+              </a:lnSpc>
+              <a:spcBef>
+                <a:spcPts val="1000"/>
+              </a:spcBef>
+              <a:buFont typeface="Arial" panose="020B0604020202020204" pitchFamily="34" charset="0"/>
+              <a:buChar char="•"/>
+              <a:defRPr sz="2800" kern="1200">
+                <a:solidFill>
+                  <a:schemeClr val="tx1"/>
+                </a:solidFill>
+                <a:latin typeface="+mn-lt"/>
+                <a:ea typeface="+mn-ea"/>
+                <a:cs typeface="+mn-cs"/>
+              </a:defRPr>
+            </a:lvl1pPr>
+            <a:lvl2pPr marL="685800" indent="-228600" algn="l" defTabSz="914400" rtl="0" eaLnBrk="1" latinLnBrk="0" hangingPunct="1">
+              <a:lnSpc>
+                <a:spcPct val="90000"/>
+              </a:lnSpc>
+              <a:spcBef>
+                <a:spcPts val="500"/>
+              </a:spcBef>
+              <a:buFont typeface="Arial" panose="020B0604020202020204" pitchFamily="34" charset="0"/>
+              <a:buChar char="•"/>
+              <a:defRPr sz="2400" kern="1200">
+                <a:solidFill>
+                  <a:schemeClr val="tx1"/>
+                </a:solidFill>
+                <a:latin typeface="+mn-lt"/>
+                <a:ea typeface="+mn-ea"/>
+                <a:cs typeface="+mn-cs"/>
+              </a:defRPr>
+            </a:lvl2pPr>
+            <a:lvl3pPr marL="1143000" indent="-228600" algn="l" defTabSz="914400" rtl="0" eaLnBrk="1" latinLnBrk="0" hangingPunct="1">
+              <a:lnSpc>
+                <a:spcPct val="90000"/>
+              </a:lnSpc>
+              <a:spcBef>
+                <a:spcPts val="500"/>
+              </a:spcBef>
+              <a:buFont typeface="Arial" panose="020B0604020202020204" pitchFamily="34" charset="0"/>
+              <a:buChar char="•"/>
+              <a:defRPr sz="2000" kern="1200">
+                <a:solidFill>
+                  <a:schemeClr val="tx1"/>
+                </a:solidFill>
+                <a:latin typeface="+mn-lt"/>
+                <a:ea typeface="+mn-ea"/>
+                <a:cs typeface="+mn-cs"/>
+              </a:defRPr>
+            </a:lvl3pPr>
+            <a:lvl4pPr marL="1600200" indent="-228600" algn="l" defTabSz="914400" rtl="0" eaLnBrk="1" latinLnBrk="0" hangingPunct="1">
+              <a:lnSpc>
+                <a:spcPct val="90000"/>
+              </a:lnSpc>
+              <a:spcBef>
+                <a:spcPts val="500"/>
+              </a:spcBef>
+              <a:buFont typeface="Arial" panose="020B0604020202020204" pitchFamily="34" charset="0"/>
+              <a:buChar char="•"/>
+              <a:defRPr sz="1800" kern="1200">
+                <a:solidFill>
+                  <a:schemeClr val="tx1"/>
+                </a:solidFill>
+                <a:latin typeface="+mn-lt"/>
+                <a:ea typeface="+mn-ea"/>
+                <a:cs typeface="+mn-cs"/>
+              </a:defRPr>
+            </a:lvl4pPr>
+            <a:lvl5pPr marL="2057400" indent="-228600" algn="l" defTabSz="914400" rtl="0" eaLnBrk="1" latinLnBrk="0" hangingPunct="1">
+              <a:lnSpc>
+                <a:spcPct val="90000"/>
+              </a:lnSpc>
+              <a:spcBef>
+                <a:spcPts val="500"/>
+              </a:spcBef>
+              <a:buFont typeface="Arial" panose="020B0604020202020204" pitchFamily="34" charset="0"/>
+              <a:buChar char="•"/>
+              <a:defRPr sz="1800" kern="1200">
+                <a:solidFill>
+                  <a:schemeClr val="tx1"/>
+                </a:solidFill>
+                <a:latin typeface="+mn-lt"/>
+                <a:ea typeface="+mn-ea"/>
+                <a:cs typeface="+mn-cs"/>
+              </a:defRPr>
+            </a:lvl5pPr>
+            <a:lvl6pPr marL="2514600" indent="-228600" algn="l" defTabSz="914400" rtl="0" eaLnBrk="1" latinLnBrk="0" hangingPunct="1">
+              <a:lnSpc>
+                <a:spcPct val="90000"/>
+              </a:lnSpc>
+              <a:spcBef>
+                <a:spcPts val="500"/>
+              </a:spcBef>
+              <a:buFont typeface="Arial" panose="020B0604020202020204" pitchFamily="34" charset="0"/>
+              <a:buChar char="•"/>
+              <a:defRPr sz="1800" kern="1200">
+                <a:solidFill>
+                  <a:schemeClr val="tx1"/>
+                </a:solidFill>
+                <a:latin typeface="+mn-lt"/>
+                <a:ea typeface="+mn-ea"/>
+                <a:cs typeface="+mn-cs"/>
+              </a:defRPr>
+            </a:lvl6pPr>
+            <a:lvl7pPr marL="2971800" indent="-228600" algn="l" defTabSz="914400" rtl="0" eaLnBrk="1" latinLnBrk="0" hangingPunct="1">
+              <a:lnSpc>
+                <a:spcPct val="90000"/>
+              </a:lnSpc>
+              <a:spcBef>
+                <a:spcPts val="500"/>
+              </a:spcBef>
+              <a:buFont typeface="Arial" panose="020B0604020202020204" pitchFamily="34" charset="0"/>
+              <a:buChar char="•"/>
+              <a:defRPr sz="1800" kern="1200">
+                <a:solidFill>
+                  <a:schemeClr val="tx1"/>
+                </a:solidFill>
+                <a:latin typeface="+mn-lt"/>
+                <a:ea typeface="+mn-ea"/>
+                <a:cs typeface="+mn-cs"/>
+              </a:defRPr>
+            </a:lvl7pPr>
+            <a:lvl8pPr marL="3429000" indent="-228600" algn="l" defTabSz="914400" rtl="0" eaLnBrk="1" latinLnBrk="0" hangingPunct="1">
+              <a:lnSpc>
+                <a:spcPct val="90000"/>
+              </a:lnSpc>
+              <a:spcBef>
+                <a:spcPts val="500"/>
+              </a:spcBef>
+              <a:buFont typeface="Arial" panose="020B0604020202020204" pitchFamily="34" charset="0"/>
+              <a:buChar char="•"/>
+              <a:defRPr sz="1800" kern="1200">
+                <a:solidFill>
+                  <a:schemeClr val="tx1"/>
+                </a:solidFill>
+                <a:latin typeface="+mn-lt"/>
+                <a:ea typeface="+mn-ea"/>
+                <a:cs typeface="+mn-cs"/>
+              </a:defRPr>
+            </a:lvl8pPr>
+            <a:lvl9pPr marL="3886200" indent="-228600" algn="l" defTabSz="914400" rtl="0" eaLnBrk="1" latinLnBrk="0" hangingPunct="1">
+              <a:lnSpc>
+                <a:spcPct val="90000"/>
+              </a:lnSpc>
+              <a:spcBef>
+                <a:spcPts val="500"/>
+              </a:spcBef>
+              <a:buFont typeface="Arial" panose="020B0604020202020204" pitchFamily="34" charset="0"/>
+              <a:buChar char="•"/>
+              <a:defRPr sz="1800" kern="1200">
+                <a:solidFill>
+                  <a:schemeClr val="tx1"/>
+                </a:solidFill>
+                <a:latin typeface="+mn-lt"/>
+                <a:ea typeface="+mn-ea"/>
+                <a:cs typeface="+mn-cs"/>
+              </a:defRPr>
+            </a:lvl9pPr>
+          </a:lstStyle>
+          <a:p>
+            <a:pPr marL="0" indent="0">
+              <a:buFont typeface="Arial" panose="020B0604020202020204" pitchFamily="34" charset="0"/>
+              <a:buNone/>
+            </a:pPr>
+            <a:r>
+              <a:rPr lang="en-US" sz="1050" dirty="0">
+                <a:solidFill>
+                  <a:schemeClr val="bg1"/>
+                </a:solidFill>
+                <a:latin typeface="PT Sans" panose="020B0503020203020204" pitchFamily="34" charset="0"/>
+              </a:rPr>
+              <a:t>import { </a:t>
+            </a:r>
+            <a:r>
+              <a:rPr lang="en-US" sz="1050" dirty="0" err="1">
+                <a:solidFill>
+                  <a:schemeClr val="bg1"/>
+                </a:solidFill>
+                <a:latin typeface="PT Sans" panose="020B0503020203020204" pitchFamily="34" charset="0"/>
+              </a:rPr>
+              <a:t>IsInt</a:t>
+            </a:r>
+            <a:r>
+              <a:rPr lang="en-US" sz="1050" dirty="0">
+                <a:solidFill>
+                  <a:schemeClr val="bg1"/>
+                </a:solidFill>
+                <a:latin typeface="PT Sans" panose="020B0503020203020204" pitchFamily="34" charset="0"/>
+              </a:rPr>
+              <a:t>, </a:t>
+            </a:r>
+            <a:r>
+              <a:rPr lang="en-US" sz="1050" dirty="0" err="1">
+                <a:solidFill>
+                  <a:schemeClr val="bg1"/>
+                </a:solidFill>
+                <a:latin typeface="PT Sans" panose="020B0503020203020204" pitchFamily="34" charset="0"/>
+              </a:rPr>
+              <a:t>IsString</a:t>
+            </a:r>
+            <a:r>
+              <a:rPr lang="en-US" sz="1050" dirty="0">
+                <a:solidFill>
+                  <a:schemeClr val="bg1"/>
+                </a:solidFill>
+                <a:latin typeface="PT Sans" panose="020B0503020203020204" pitchFamily="34" charset="0"/>
+              </a:rPr>
+              <a:t> } from 'class-validator';</a:t>
+            </a:r>
+          </a:p>
+          <a:p>
+            <a:pPr marL="0" indent="0">
+              <a:buFont typeface="Arial" panose="020B0604020202020204" pitchFamily="34" charset="0"/>
+              <a:buNone/>
+            </a:pPr>
+            <a:r>
+              <a:rPr lang="en-US" sz="1050" dirty="0">
+                <a:solidFill>
+                  <a:schemeClr val="bg1"/>
+                </a:solidFill>
+                <a:latin typeface="PT Sans" panose="020B0503020203020204" pitchFamily="34" charset="0"/>
+              </a:rPr>
+              <a:t>export class </a:t>
+            </a:r>
+            <a:r>
+              <a:rPr lang="en-US" sz="1050" dirty="0" err="1">
+                <a:solidFill>
+                  <a:schemeClr val="bg1"/>
+                </a:solidFill>
+                <a:latin typeface="PT Sans" panose="020B0503020203020204" pitchFamily="34" charset="0"/>
+              </a:rPr>
+              <a:t>CreateCatDto</a:t>
+            </a:r>
+            <a:r>
+              <a:rPr lang="en-US" sz="1050" dirty="0">
+                <a:solidFill>
+                  <a:schemeClr val="bg1"/>
+                </a:solidFill>
+                <a:latin typeface="PT Sans" panose="020B0503020203020204" pitchFamily="34" charset="0"/>
+              </a:rPr>
+              <a:t> {</a:t>
+            </a:r>
+          </a:p>
+          <a:p>
+            <a:pPr marL="0" indent="0">
+              <a:buFont typeface="Arial" panose="020B0604020202020204" pitchFamily="34" charset="0"/>
+              <a:buNone/>
+            </a:pPr>
+            <a:r>
+              <a:rPr lang="en-US" sz="1050" dirty="0">
+                <a:solidFill>
+                  <a:schemeClr val="bg1"/>
+                </a:solidFill>
+                <a:latin typeface="PT Sans" panose="020B0503020203020204" pitchFamily="34" charset="0"/>
+              </a:rPr>
+              <a:t>  @IsString()</a:t>
+            </a:r>
+          </a:p>
+          <a:p>
+            <a:pPr marL="0" indent="0">
+              <a:buFont typeface="Arial" panose="020B0604020202020204" pitchFamily="34" charset="0"/>
+              <a:buNone/>
+            </a:pPr>
+            <a:r>
+              <a:rPr lang="en-US" sz="1050" dirty="0">
+                <a:solidFill>
+                  <a:schemeClr val="bg1"/>
+                </a:solidFill>
+                <a:latin typeface="PT Sans" panose="020B0503020203020204" pitchFamily="34" charset="0"/>
+              </a:rPr>
+              <a:t>  </a:t>
+            </a:r>
+            <a:r>
+              <a:rPr lang="en-US" sz="1050" dirty="0" err="1">
+                <a:solidFill>
+                  <a:schemeClr val="bg1"/>
+                </a:solidFill>
+                <a:latin typeface="PT Sans" panose="020B0503020203020204" pitchFamily="34" charset="0"/>
+              </a:rPr>
+              <a:t>readonly</a:t>
+            </a:r>
+            <a:r>
+              <a:rPr lang="en-US" sz="1050" dirty="0">
+                <a:solidFill>
+                  <a:schemeClr val="bg1"/>
+                </a:solidFill>
+                <a:latin typeface="PT Sans" panose="020B0503020203020204" pitchFamily="34" charset="0"/>
+              </a:rPr>
+              <a:t> name: string;</a:t>
+            </a:r>
+          </a:p>
+          <a:p>
+            <a:pPr marL="0" indent="0">
+              <a:buFont typeface="Arial" panose="020B0604020202020204" pitchFamily="34" charset="0"/>
+              <a:buNone/>
+            </a:pPr>
+            <a:r>
+              <a:rPr lang="en-US" sz="1050" dirty="0">
+                <a:solidFill>
+                  <a:schemeClr val="bg1"/>
+                </a:solidFill>
+                <a:latin typeface="PT Sans" panose="020B0503020203020204" pitchFamily="34" charset="0"/>
+              </a:rPr>
+              <a:t>  @IsInt()</a:t>
+            </a:r>
+          </a:p>
+          <a:p>
+            <a:pPr marL="0" indent="0">
+              <a:buFont typeface="Arial" panose="020B0604020202020204" pitchFamily="34" charset="0"/>
+              <a:buNone/>
+            </a:pPr>
+            <a:r>
+              <a:rPr lang="en-US" sz="1050" dirty="0">
+                <a:solidFill>
+                  <a:schemeClr val="bg1"/>
+                </a:solidFill>
+                <a:latin typeface="PT Sans" panose="020B0503020203020204" pitchFamily="34" charset="0"/>
+              </a:rPr>
+              <a:t>  </a:t>
+            </a:r>
+            <a:r>
+              <a:rPr lang="en-US" sz="1050" dirty="0" err="1">
+                <a:solidFill>
+                  <a:schemeClr val="bg1"/>
+                </a:solidFill>
+                <a:latin typeface="PT Sans" panose="020B0503020203020204" pitchFamily="34" charset="0"/>
+              </a:rPr>
+              <a:t>readonly</a:t>
+            </a:r>
+            <a:r>
+              <a:rPr lang="en-US" sz="1050" dirty="0">
+                <a:solidFill>
+                  <a:schemeClr val="bg1"/>
+                </a:solidFill>
+                <a:latin typeface="PT Sans" panose="020B0503020203020204" pitchFamily="34" charset="0"/>
+              </a:rPr>
+              <a:t> age: number;</a:t>
+            </a:r>
+          </a:p>
+          <a:p>
+            <a:pPr marL="0" indent="0">
+              <a:buFont typeface="Arial" panose="020B0604020202020204" pitchFamily="34" charset="0"/>
+              <a:buNone/>
+            </a:pPr>
+            <a:r>
+              <a:rPr lang="en-US" sz="1050" dirty="0">
+                <a:solidFill>
+                  <a:schemeClr val="bg1"/>
+                </a:solidFill>
+                <a:latin typeface="PT Sans" panose="020B0503020203020204" pitchFamily="34" charset="0"/>
+              </a:rPr>
+              <a:t>  @IsString()</a:t>
+            </a:r>
+          </a:p>
+          <a:p>
+            <a:pPr marL="0" indent="0">
+              <a:buFont typeface="Arial" panose="020B0604020202020204" pitchFamily="34" charset="0"/>
+              <a:buNone/>
+            </a:pPr>
+            <a:r>
+              <a:rPr lang="en-US" sz="1050" dirty="0">
+                <a:solidFill>
+                  <a:schemeClr val="bg1"/>
+                </a:solidFill>
+                <a:latin typeface="PT Sans" panose="020B0503020203020204" pitchFamily="34" charset="0"/>
+              </a:rPr>
+              <a:t>  </a:t>
+            </a:r>
+            <a:r>
+              <a:rPr lang="en-US" sz="1050" dirty="0" err="1">
+                <a:solidFill>
+                  <a:schemeClr val="bg1"/>
+                </a:solidFill>
+                <a:latin typeface="PT Sans" panose="020B0503020203020204" pitchFamily="34" charset="0"/>
+              </a:rPr>
+              <a:t>readonly</a:t>
+            </a:r>
+            <a:r>
+              <a:rPr lang="en-US" sz="1050" dirty="0">
+                <a:solidFill>
+                  <a:schemeClr val="bg1"/>
+                </a:solidFill>
+                <a:latin typeface="PT Sans" panose="020B0503020203020204" pitchFamily="34" charset="0"/>
+              </a:rPr>
+              <a:t> breed: string;</a:t>
+            </a:r>
+          </a:p>
+          <a:p>
+            <a:pPr marL="0" indent="0">
+              <a:buFont typeface="Arial" panose="020B0604020202020204" pitchFamily="34" charset="0"/>
+              <a:buNone/>
+            </a:pPr>
+            <a:r>
+              <a:rPr lang="en-US" sz="1050" dirty="0">
+                <a:solidFill>
+                  <a:schemeClr val="bg1"/>
+                </a:solidFill>
+                <a:latin typeface="PT Sans" panose="020B0503020203020204" pitchFamily="34" charset="0"/>
+              </a:rPr>
+              <a:t>}</a:t>
+            </a:r>
+          </a:p>
+        </p:txBody>
+      </p:sp>
+    </p:spTree>
+    <p:extLst>
+      <p:ext uri="{BB962C8B-B14F-4D97-AF65-F5344CB8AC3E}">
+        <p14:creationId xmlns:p14="http://schemas.microsoft.com/office/powerpoint/2010/main" val="3625484505"/>
+      </p:ext>
+    </p:extLst>
+  </p:cSld>
+  <p:clrMapOvr>
+    <a:masterClrMapping/>
+  </p:clrMapOvr>
+</p:sld>
+</file>
+
+<file path=ppt/slides/slide14.xml><?xml version="1.0" encoding="utf-8"?>
+<p:sld xmlns:a="http://schemas.openxmlformats.org/drawingml/2006/main" xmlns:r="http://schemas.openxmlformats.org/officeDocument/2006/relationships" xmlns:p="http://schemas.openxmlformats.org/presentationml/2006/main">
+  <p:cSld>
+    <p:bg>
+      <p:bgPr>
+        <a:solidFill>
+          <a:srgbClr val="43853D"/>
+        </a:solidFill>
+        <a:effectLst/>
+      </p:bgPr>
+    </p:bg>
+    <p:spTree>
+      <p:nvGrpSpPr>
+        <p:cNvPr id="1" name=""/>
+        <p:cNvGrpSpPr/>
+        <p:nvPr/>
+      </p:nvGrpSpPr>
+      <p:grpSpPr>
+        <a:xfrm>
+          <a:off x="0" y="0"/>
+          <a:ext cx="0" cy="0"/>
+          <a:chOff x="0" y="0"/>
+          <a:chExt cx="0" cy="0"/>
+        </a:xfrm>
+      </p:grpSpPr>
+      <p:sp>
+        <p:nvSpPr>
+          <p:cNvPr id="2" name="Title 1">
+            <a:extLst>
+              <a:ext uri="{FF2B5EF4-FFF2-40B4-BE49-F238E27FC236}">
+                <a16:creationId xmlns:a16="http://schemas.microsoft.com/office/drawing/2014/main" id="{A5B6771C-EC8D-4C01-AD58-F01C3DBFE1AB}"/>
+              </a:ext>
+            </a:extLst>
+          </p:cNvPr>
+          <p:cNvSpPr>
+            <a:spLocks noGrp="1"/>
+          </p:cNvSpPr>
+          <p:nvPr>
+            <p:ph type="title"/>
+          </p:nvPr>
+        </p:nvSpPr>
+        <p:spPr/>
+        <p:txBody>
+          <a:bodyPr/>
+          <a:lstStyle/>
+          <a:p>
+            <a:pPr algn="l"/>
+            <a:r>
+              <a:rPr lang="en-US" b="1" dirty="0">
+                <a:solidFill>
+                  <a:schemeClr val="bg1"/>
+                </a:solidFill>
+                <a:latin typeface="PT Sans" panose="020B0503020203020204" pitchFamily="34" charset="0"/>
+              </a:rPr>
+              <a:t>Serialization</a:t>
+            </a:r>
+            <a:endParaRPr lang="en-US" sz="4400" b="1" i="0" dirty="0">
+              <a:solidFill>
+                <a:schemeClr val="bg1"/>
+              </a:solidFill>
+              <a:effectLst/>
+              <a:latin typeface="PT Sans" panose="020B0503020203020204" pitchFamily="34" charset="0"/>
+            </a:endParaRPr>
+          </a:p>
+        </p:txBody>
+      </p:sp>
+      <p:sp>
+        <p:nvSpPr>
+          <p:cNvPr id="3" name="Content Placeholder 2">
+            <a:extLst>
+              <a:ext uri="{FF2B5EF4-FFF2-40B4-BE49-F238E27FC236}">
+                <a16:creationId xmlns:a16="http://schemas.microsoft.com/office/drawing/2014/main" id="{2B664DA6-9C91-460D-B57E-FE1B3A43E0F3}"/>
+              </a:ext>
+            </a:extLst>
+          </p:cNvPr>
+          <p:cNvSpPr>
+            <a:spLocks noGrp="1"/>
+          </p:cNvSpPr>
+          <p:nvPr>
+            <p:ph idx="1"/>
+          </p:nvPr>
+        </p:nvSpPr>
+        <p:spPr>
+          <a:xfrm>
+            <a:off x="838200" y="1825625"/>
+            <a:ext cx="10515600" cy="1236357"/>
+          </a:xfrm>
+        </p:spPr>
+        <p:txBody>
+          <a:bodyPr>
+            <a:normAutofit/>
+          </a:bodyPr>
+          <a:lstStyle/>
+          <a:p>
+            <a:pPr marL="0" indent="0">
+              <a:buNone/>
+            </a:pPr>
+            <a:r>
+              <a:rPr lang="en-US" sz="1400" b="1" dirty="0">
+                <a:solidFill>
+                  <a:schemeClr val="bg1"/>
+                </a:solidFill>
+                <a:latin typeface="PT Sans" panose="020B0503020203020204" pitchFamily="34" charset="0"/>
+              </a:rPr>
+              <a:t>Serialization is a process that happens before objects are returned in a network response. This is an appropriate place to provide rules for transforming and sanitizing the data to be returned to the client</a:t>
+            </a:r>
+          </a:p>
+          <a:p>
+            <a:r>
+              <a:rPr lang="en-US" sz="1400" dirty="0">
+                <a:solidFill>
+                  <a:schemeClr val="bg1"/>
+                </a:solidFill>
+                <a:latin typeface="PT Sans" panose="020B0503020203020204" pitchFamily="34" charset="0"/>
+              </a:rPr>
+              <a:t>For example, sensitive data like passwords should always be excluded from the response</a:t>
+            </a:r>
+          </a:p>
+        </p:txBody>
+      </p:sp>
+      <p:sp>
+        <p:nvSpPr>
+          <p:cNvPr id="4" name="Content Placeholder 2">
+            <a:extLst>
+              <a:ext uri="{FF2B5EF4-FFF2-40B4-BE49-F238E27FC236}">
+                <a16:creationId xmlns:a16="http://schemas.microsoft.com/office/drawing/2014/main" id="{3FC7A10D-71B7-47D1-9D4E-3D6379799D59}"/>
+              </a:ext>
+            </a:extLst>
+          </p:cNvPr>
+          <p:cNvSpPr txBox="1">
+            <a:spLocks/>
+          </p:cNvSpPr>
+          <p:nvPr/>
+        </p:nvSpPr>
+        <p:spPr>
+          <a:xfrm>
+            <a:off x="838200" y="2768367"/>
+            <a:ext cx="3750578" cy="3422708"/>
+          </a:xfrm>
+          <a:prstGeom prst="rect">
+            <a:avLst/>
+          </a:prstGeom>
+        </p:spPr>
+        <p:txBody>
+          <a:bodyPr vert="horz" lIns="91440" tIns="45720" rIns="91440" bIns="45720" rtlCol="0">
+            <a:normAutofit fontScale="77500" lnSpcReduction="20000"/>
+          </a:bodyPr>
+          <a:lstStyle>
+            <a:lvl1pPr marL="228600" indent="-228600" algn="l" defTabSz="914400" rtl="0" eaLnBrk="1" latinLnBrk="0" hangingPunct="1">
+              <a:lnSpc>
+                <a:spcPct val="90000"/>
+              </a:lnSpc>
+              <a:spcBef>
+                <a:spcPts val="1000"/>
+              </a:spcBef>
+              <a:buFont typeface="Arial" panose="020B0604020202020204" pitchFamily="34" charset="0"/>
+              <a:buChar char="•"/>
+              <a:defRPr sz="2800" kern="1200">
+                <a:solidFill>
+                  <a:schemeClr val="tx1"/>
+                </a:solidFill>
+                <a:latin typeface="+mn-lt"/>
+                <a:ea typeface="+mn-ea"/>
+                <a:cs typeface="+mn-cs"/>
+              </a:defRPr>
+            </a:lvl1pPr>
+            <a:lvl2pPr marL="685800" indent="-228600" algn="l" defTabSz="914400" rtl="0" eaLnBrk="1" latinLnBrk="0" hangingPunct="1">
+              <a:lnSpc>
+                <a:spcPct val="90000"/>
+              </a:lnSpc>
+              <a:spcBef>
+                <a:spcPts val="500"/>
+              </a:spcBef>
+              <a:buFont typeface="Arial" panose="020B0604020202020204" pitchFamily="34" charset="0"/>
+              <a:buChar char="•"/>
+              <a:defRPr sz="2400" kern="1200">
+                <a:solidFill>
+                  <a:schemeClr val="tx1"/>
+                </a:solidFill>
+                <a:latin typeface="+mn-lt"/>
+                <a:ea typeface="+mn-ea"/>
+                <a:cs typeface="+mn-cs"/>
+              </a:defRPr>
+            </a:lvl2pPr>
+            <a:lvl3pPr marL="1143000" indent="-228600" algn="l" defTabSz="914400" rtl="0" eaLnBrk="1" latinLnBrk="0" hangingPunct="1">
+              <a:lnSpc>
+                <a:spcPct val="90000"/>
+              </a:lnSpc>
+              <a:spcBef>
+                <a:spcPts val="500"/>
+              </a:spcBef>
+              <a:buFont typeface="Arial" panose="020B0604020202020204" pitchFamily="34" charset="0"/>
+              <a:buChar char="•"/>
+              <a:defRPr sz="2000" kern="1200">
+                <a:solidFill>
+                  <a:schemeClr val="tx1"/>
+                </a:solidFill>
+                <a:latin typeface="+mn-lt"/>
+                <a:ea typeface="+mn-ea"/>
+                <a:cs typeface="+mn-cs"/>
+              </a:defRPr>
+            </a:lvl3pPr>
+            <a:lvl4pPr marL="1600200" indent="-228600" algn="l" defTabSz="914400" rtl="0" eaLnBrk="1" latinLnBrk="0" hangingPunct="1">
+              <a:lnSpc>
+                <a:spcPct val="90000"/>
+              </a:lnSpc>
+              <a:spcBef>
+                <a:spcPts val="500"/>
+              </a:spcBef>
+              <a:buFont typeface="Arial" panose="020B0604020202020204" pitchFamily="34" charset="0"/>
+              <a:buChar char="•"/>
+              <a:defRPr sz="1800" kern="1200">
+                <a:solidFill>
+                  <a:schemeClr val="tx1"/>
+                </a:solidFill>
+                <a:latin typeface="+mn-lt"/>
+                <a:ea typeface="+mn-ea"/>
+                <a:cs typeface="+mn-cs"/>
+              </a:defRPr>
+            </a:lvl4pPr>
+            <a:lvl5pPr marL="2057400" indent="-228600" algn="l" defTabSz="914400" rtl="0" eaLnBrk="1" latinLnBrk="0" hangingPunct="1">
+              <a:lnSpc>
+                <a:spcPct val="90000"/>
+              </a:lnSpc>
+              <a:spcBef>
+                <a:spcPts val="500"/>
+              </a:spcBef>
+              <a:buFont typeface="Arial" panose="020B0604020202020204" pitchFamily="34" charset="0"/>
+              <a:buChar char="•"/>
+              <a:defRPr sz="1800" kern="1200">
+                <a:solidFill>
+                  <a:schemeClr val="tx1"/>
+                </a:solidFill>
+                <a:latin typeface="+mn-lt"/>
+                <a:ea typeface="+mn-ea"/>
+                <a:cs typeface="+mn-cs"/>
+              </a:defRPr>
+            </a:lvl5pPr>
+            <a:lvl6pPr marL="2514600" indent="-228600" algn="l" defTabSz="914400" rtl="0" eaLnBrk="1" latinLnBrk="0" hangingPunct="1">
+              <a:lnSpc>
+                <a:spcPct val="90000"/>
+              </a:lnSpc>
+              <a:spcBef>
+                <a:spcPts val="500"/>
+              </a:spcBef>
+              <a:buFont typeface="Arial" panose="020B0604020202020204" pitchFamily="34" charset="0"/>
+              <a:buChar char="•"/>
+              <a:defRPr sz="1800" kern="1200">
+                <a:solidFill>
+                  <a:schemeClr val="tx1"/>
+                </a:solidFill>
+                <a:latin typeface="+mn-lt"/>
+                <a:ea typeface="+mn-ea"/>
+                <a:cs typeface="+mn-cs"/>
+              </a:defRPr>
+            </a:lvl6pPr>
+            <a:lvl7pPr marL="2971800" indent="-228600" algn="l" defTabSz="914400" rtl="0" eaLnBrk="1" latinLnBrk="0" hangingPunct="1">
+              <a:lnSpc>
+                <a:spcPct val="90000"/>
+              </a:lnSpc>
+              <a:spcBef>
+                <a:spcPts val="500"/>
+              </a:spcBef>
+              <a:buFont typeface="Arial" panose="020B0604020202020204" pitchFamily="34" charset="0"/>
+              <a:buChar char="•"/>
+              <a:defRPr sz="1800" kern="1200">
+                <a:solidFill>
+                  <a:schemeClr val="tx1"/>
+                </a:solidFill>
+                <a:latin typeface="+mn-lt"/>
+                <a:ea typeface="+mn-ea"/>
+                <a:cs typeface="+mn-cs"/>
+              </a:defRPr>
+            </a:lvl7pPr>
+            <a:lvl8pPr marL="3429000" indent="-228600" algn="l" defTabSz="914400" rtl="0" eaLnBrk="1" latinLnBrk="0" hangingPunct="1">
+              <a:lnSpc>
+                <a:spcPct val="90000"/>
+              </a:lnSpc>
+              <a:spcBef>
+                <a:spcPts val="500"/>
+              </a:spcBef>
+              <a:buFont typeface="Arial" panose="020B0604020202020204" pitchFamily="34" charset="0"/>
+              <a:buChar char="•"/>
+              <a:defRPr sz="1800" kern="1200">
+                <a:solidFill>
+                  <a:schemeClr val="tx1"/>
+                </a:solidFill>
+                <a:latin typeface="+mn-lt"/>
+                <a:ea typeface="+mn-ea"/>
+                <a:cs typeface="+mn-cs"/>
+              </a:defRPr>
+            </a:lvl8pPr>
+            <a:lvl9pPr marL="3886200" indent="-228600" algn="l" defTabSz="914400" rtl="0" eaLnBrk="1" latinLnBrk="0" hangingPunct="1">
+              <a:lnSpc>
+                <a:spcPct val="90000"/>
+              </a:lnSpc>
+              <a:spcBef>
+                <a:spcPts val="500"/>
+              </a:spcBef>
+              <a:buFont typeface="Arial" panose="020B0604020202020204" pitchFamily="34" charset="0"/>
+              <a:buChar char="•"/>
+              <a:defRPr sz="1800" kern="1200">
+                <a:solidFill>
+                  <a:schemeClr val="tx1"/>
+                </a:solidFill>
+                <a:latin typeface="+mn-lt"/>
+                <a:ea typeface="+mn-ea"/>
+                <a:cs typeface="+mn-cs"/>
+              </a:defRPr>
+            </a:lvl9pPr>
+          </a:lstStyle>
+          <a:p>
+            <a:pPr marL="0" indent="0">
+              <a:buNone/>
+            </a:pPr>
+            <a:r>
+              <a:rPr lang="en-US" sz="1400" dirty="0">
+                <a:solidFill>
+                  <a:schemeClr val="bg1"/>
+                </a:solidFill>
+                <a:latin typeface="PT Sans" panose="020B0503020203020204" pitchFamily="34" charset="0"/>
+              </a:rPr>
+              <a:t>import { Exclude } from 'class-transformer';</a:t>
+            </a:r>
+          </a:p>
+          <a:p>
+            <a:pPr marL="0" indent="0">
+              <a:buNone/>
+            </a:pPr>
+            <a:endParaRPr lang="en-US" sz="1400" dirty="0">
+              <a:solidFill>
+                <a:schemeClr val="bg1"/>
+              </a:solidFill>
+              <a:latin typeface="PT Sans" panose="020B0503020203020204" pitchFamily="34" charset="0"/>
+            </a:endParaRPr>
+          </a:p>
+          <a:p>
+            <a:pPr marL="0" indent="0">
+              <a:buNone/>
+            </a:pPr>
+            <a:r>
+              <a:rPr lang="en-US" sz="1400" dirty="0">
+                <a:solidFill>
+                  <a:schemeClr val="bg1"/>
+                </a:solidFill>
+                <a:latin typeface="PT Sans" panose="020B0503020203020204" pitchFamily="34" charset="0"/>
+              </a:rPr>
+              <a:t>export class </a:t>
+            </a:r>
+            <a:r>
+              <a:rPr lang="en-US" sz="1400" dirty="0" err="1">
+                <a:solidFill>
+                  <a:schemeClr val="bg1"/>
+                </a:solidFill>
+                <a:latin typeface="PT Sans" panose="020B0503020203020204" pitchFamily="34" charset="0"/>
+              </a:rPr>
+              <a:t>UserEntity</a:t>
+            </a:r>
+            <a:r>
+              <a:rPr lang="en-US" sz="1400" dirty="0">
+                <a:solidFill>
+                  <a:schemeClr val="bg1"/>
+                </a:solidFill>
+                <a:latin typeface="PT Sans" panose="020B0503020203020204" pitchFamily="34" charset="0"/>
+              </a:rPr>
+              <a:t> {</a:t>
+            </a:r>
+          </a:p>
+          <a:p>
+            <a:pPr marL="0" indent="0">
+              <a:buNone/>
+            </a:pPr>
+            <a:r>
+              <a:rPr lang="en-US" sz="1400" dirty="0">
+                <a:solidFill>
+                  <a:schemeClr val="bg1"/>
+                </a:solidFill>
+                <a:latin typeface="PT Sans" panose="020B0503020203020204" pitchFamily="34" charset="0"/>
+              </a:rPr>
+              <a:t>  id: number;</a:t>
+            </a:r>
+          </a:p>
+          <a:p>
+            <a:pPr marL="0" indent="0">
+              <a:buNone/>
+            </a:pPr>
+            <a:r>
+              <a:rPr lang="en-US" sz="1400" dirty="0">
+                <a:solidFill>
+                  <a:schemeClr val="bg1"/>
+                </a:solidFill>
+                <a:latin typeface="PT Sans" panose="020B0503020203020204" pitchFamily="34" charset="0"/>
+              </a:rPr>
+              <a:t>  </a:t>
+            </a:r>
+            <a:r>
+              <a:rPr lang="en-US" sz="1400" dirty="0" err="1">
+                <a:solidFill>
+                  <a:schemeClr val="bg1"/>
+                </a:solidFill>
+                <a:latin typeface="PT Sans" panose="020B0503020203020204" pitchFamily="34" charset="0"/>
+              </a:rPr>
+              <a:t>firstName</a:t>
+            </a:r>
+            <a:r>
+              <a:rPr lang="en-US" sz="1400" dirty="0">
+                <a:solidFill>
+                  <a:schemeClr val="bg1"/>
+                </a:solidFill>
+                <a:latin typeface="PT Sans" panose="020B0503020203020204" pitchFamily="34" charset="0"/>
+              </a:rPr>
+              <a:t>: string;</a:t>
+            </a:r>
+          </a:p>
+          <a:p>
+            <a:pPr marL="0" indent="0">
+              <a:buNone/>
+            </a:pPr>
+            <a:r>
+              <a:rPr lang="en-US" sz="1400" dirty="0">
+                <a:solidFill>
+                  <a:schemeClr val="bg1"/>
+                </a:solidFill>
+                <a:latin typeface="PT Sans" panose="020B0503020203020204" pitchFamily="34" charset="0"/>
+              </a:rPr>
+              <a:t>  </a:t>
+            </a:r>
+            <a:r>
+              <a:rPr lang="en-US" sz="1400" dirty="0" err="1">
+                <a:solidFill>
+                  <a:schemeClr val="bg1"/>
+                </a:solidFill>
+                <a:latin typeface="PT Sans" panose="020B0503020203020204" pitchFamily="34" charset="0"/>
+              </a:rPr>
+              <a:t>lastName</a:t>
+            </a:r>
+            <a:r>
+              <a:rPr lang="en-US" sz="1400" dirty="0">
+                <a:solidFill>
+                  <a:schemeClr val="bg1"/>
+                </a:solidFill>
+                <a:latin typeface="PT Sans" panose="020B0503020203020204" pitchFamily="34" charset="0"/>
+              </a:rPr>
+              <a:t>: string;</a:t>
+            </a:r>
+          </a:p>
+          <a:p>
+            <a:pPr marL="0" indent="0">
+              <a:buNone/>
+            </a:pPr>
+            <a:endParaRPr lang="en-US" sz="1400" dirty="0">
+              <a:solidFill>
+                <a:schemeClr val="bg1"/>
+              </a:solidFill>
+              <a:latin typeface="PT Sans" panose="020B0503020203020204" pitchFamily="34" charset="0"/>
+            </a:endParaRPr>
+          </a:p>
+          <a:p>
+            <a:pPr marL="0" indent="0">
+              <a:buNone/>
+            </a:pPr>
+            <a:r>
+              <a:rPr lang="en-US" sz="1400" dirty="0">
+                <a:solidFill>
+                  <a:schemeClr val="bg1"/>
+                </a:solidFill>
+                <a:latin typeface="PT Sans" panose="020B0503020203020204" pitchFamily="34" charset="0"/>
+              </a:rPr>
+              <a:t>  @Exclude()</a:t>
+            </a:r>
+          </a:p>
+          <a:p>
+            <a:pPr marL="0" indent="0">
+              <a:buNone/>
+            </a:pPr>
+            <a:r>
+              <a:rPr lang="en-US" sz="1400" dirty="0">
+                <a:solidFill>
+                  <a:schemeClr val="bg1"/>
+                </a:solidFill>
+                <a:latin typeface="PT Sans" panose="020B0503020203020204" pitchFamily="34" charset="0"/>
+              </a:rPr>
+              <a:t>  password: string;</a:t>
+            </a:r>
+          </a:p>
+          <a:p>
+            <a:pPr marL="0" indent="0">
+              <a:buNone/>
+            </a:pPr>
+            <a:endParaRPr lang="en-US" sz="1400" dirty="0">
+              <a:solidFill>
+                <a:schemeClr val="bg1"/>
+              </a:solidFill>
+              <a:latin typeface="PT Sans" panose="020B0503020203020204" pitchFamily="34" charset="0"/>
+            </a:endParaRPr>
+          </a:p>
+          <a:p>
+            <a:pPr marL="0" indent="0">
+              <a:buNone/>
+            </a:pPr>
+            <a:r>
+              <a:rPr lang="en-US" sz="1400" dirty="0">
+                <a:solidFill>
+                  <a:schemeClr val="bg1"/>
+                </a:solidFill>
+                <a:latin typeface="PT Sans" panose="020B0503020203020204" pitchFamily="34" charset="0"/>
+              </a:rPr>
+              <a:t>  constructor(partial: Partial&lt;</a:t>
+            </a:r>
+            <a:r>
+              <a:rPr lang="en-US" sz="1400" dirty="0" err="1">
+                <a:solidFill>
+                  <a:schemeClr val="bg1"/>
+                </a:solidFill>
+                <a:latin typeface="PT Sans" panose="020B0503020203020204" pitchFamily="34" charset="0"/>
+              </a:rPr>
+              <a:t>UserEntity</a:t>
+            </a:r>
+            <a:r>
+              <a:rPr lang="en-US" sz="1400" dirty="0">
+                <a:solidFill>
+                  <a:schemeClr val="bg1"/>
+                </a:solidFill>
+                <a:latin typeface="PT Sans" panose="020B0503020203020204" pitchFamily="34" charset="0"/>
+              </a:rPr>
+              <a:t>&gt;) {</a:t>
+            </a:r>
+          </a:p>
+          <a:p>
+            <a:pPr marL="0" indent="0">
+              <a:buNone/>
+            </a:pPr>
+            <a:r>
+              <a:rPr lang="en-US" sz="1400" dirty="0">
+                <a:solidFill>
+                  <a:schemeClr val="bg1"/>
+                </a:solidFill>
+                <a:latin typeface="PT Sans" panose="020B0503020203020204" pitchFamily="34" charset="0"/>
+              </a:rPr>
+              <a:t>    </a:t>
+            </a:r>
+            <a:r>
+              <a:rPr lang="en-US" sz="1400" dirty="0" err="1">
+                <a:solidFill>
+                  <a:schemeClr val="bg1"/>
+                </a:solidFill>
+                <a:latin typeface="PT Sans" panose="020B0503020203020204" pitchFamily="34" charset="0"/>
+              </a:rPr>
+              <a:t>Object.assign</a:t>
+            </a:r>
+            <a:r>
+              <a:rPr lang="en-US" sz="1400" dirty="0">
+                <a:solidFill>
+                  <a:schemeClr val="bg1"/>
+                </a:solidFill>
+                <a:latin typeface="PT Sans" panose="020B0503020203020204" pitchFamily="34" charset="0"/>
+              </a:rPr>
+              <a:t>(this, partial);</a:t>
+            </a:r>
+          </a:p>
+          <a:p>
+            <a:pPr marL="0" indent="0">
+              <a:buNone/>
+            </a:pPr>
+            <a:r>
+              <a:rPr lang="en-US" sz="1400" dirty="0">
+                <a:solidFill>
+                  <a:schemeClr val="bg1"/>
+                </a:solidFill>
+                <a:latin typeface="PT Sans" panose="020B0503020203020204" pitchFamily="34" charset="0"/>
+              </a:rPr>
+              <a:t>  }</a:t>
+            </a:r>
+          </a:p>
+          <a:p>
+            <a:pPr marL="0" indent="0">
+              <a:buNone/>
+            </a:pPr>
+            <a:r>
+              <a:rPr lang="en-US" sz="1400" dirty="0">
+                <a:solidFill>
+                  <a:schemeClr val="bg1"/>
+                </a:solidFill>
+                <a:latin typeface="PT Sans" panose="020B0503020203020204" pitchFamily="34" charset="0"/>
+              </a:rPr>
+              <a:t>}</a:t>
+            </a:r>
+          </a:p>
+        </p:txBody>
+      </p:sp>
+      <p:sp>
+        <p:nvSpPr>
+          <p:cNvPr id="7" name="Content Placeholder 2">
+            <a:extLst>
+              <a:ext uri="{FF2B5EF4-FFF2-40B4-BE49-F238E27FC236}">
+                <a16:creationId xmlns:a16="http://schemas.microsoft.com/office/drawing/2014/main" id="{6AEFE50A-BFC9-43E0-AA6D-934A4DC79168}"/>
+              </a:ext>
+            </a:extLst>
+          </p:cNvPr>
+          <p:cNvSpPr txBox="1">
+            <a:spLocks/>
+          </p:cNvSpPr>
+          <p:nvPr/>
+        </p:nvSpPr>
+        <p:spPr>
+          <a:xfrm>
+            <a:off x="5403209" y="2768367"/>
+            <a:ext cx="3750578" cy="3422708"/>
+          </a:xfrm>
+          <a:prstGeom prst="rect">
+            <a:avLst/>
+          </a:prstGeom>
+        </p:spPr>
+        <p:txBody>
+          <a:bodyPr vert="horz" lIns="91440" tIns="45720" rIns="91440" bIns="45720" rtlCol="0">
+            <a:normAutofit/>
+          </a:bodyPr>
+          <a:lstStyle>
+            <a:lvl1pPr marL="228600" indent="-228600" algn="l" defTabSz="914400" rtl="0" eaLnBrk="1" latinLnBrk="0" hangingPunct="1">
+              <a:lnSpc>
+                <a:spcPct val="90000"/>
+              </a:lnSpc>
+              <a:spcBef>
+                <a:spcPts val="1000"/>
+              </a:spcBef>
+              <a:buFont typeface="Arial" panose="020B0604020202020204" pitchFamily="34" charset="0"/>
+              <a:buChar char="•"/>
+              <a:defRPr sz="2800" kern="1200">
+                <a:solidFill>
+                  <a:schemeClr val="tx1"/>
+                </a:solidFill>
+                <a:latin typeface="+mn-lt"/>
+                <a:ea typeface="+mn-ea"/>
+                <a:cs typeface="+mn-cs"/>
+              </a:defRPr>
+            </a:lvl1pPr>
+            <a:lvl2pPr marL="685800" indent="-228600" algn="l" defTabSz="914400" rtl="0" eaLnBrk="1" latinLnBrk="0" hangingPunct="1">
+              <a:lnSpc>
+                <a:spcPct val="90000"/>
+              </a:lnSpc>
+              <a:spcBef>
+                <a:spcPts val="500"/>
+              </a:spcBef>
+              <a:buFont typeface="Arial" panose="020B0604020202020204" pitchFamily="34" charset="0"/>
+              <a:buChar char="•"/>
+              <a:defRPr sz="2400" kern="1200">
+                <a:solidFill>
+                  <a:schemeClr val="tx1"/>
+                </a:solidFill>
+                <a:latin typeface="+mn-lt"/>
+                <a:ea typeface="+mn-ea"/>
+                <a:cs typeface="+mn-cs"/>
+              </a:defRPr>
+            </a:lvl2pPr>
+            <a:lvl3pPr marL="1143000" indent="-228600" algn="l" defTabSz="914400" rtl="0" eaLnBrk="1" latinLnBrk="0" hangingPunct="1">
+              <a:lnSpc>
+                <a:spcPct val="90000"/>
+              </a:lnSpc>
+              <a:spcBef>
+                <a:spcPts val="500"/>
+              </a:spcBef>
+              <a:buFont typeface="Arial" panose="020B0604020202020204" pitchFamily="34" charset="0"/>
+              <a:buChar char="•"/>
+              <a:defRPr sz="2000" kern="1200">
+                <a:solidFill>
+                  <a:schemeClr val="tx1"/>
+                </a:solidFill>
+                <a:latin typeface="+mn-lt"/>
+                <a:ea typeface="+mn-ea"/>
+                <a:cs typeface="+mn-cs"/>
+              </a:defRPr>
+            </a:lvl3pPr>
+            <a:lvl4pPr marL="1600200" indent="-228600" algn="l" defTabSz="914400" rtl="0" eaLnBrk="1" latinLnBrk="0" hangingPunct="1">
+              <a:lnSpc>
+                <a:spcPct val="90000"/>
+              </a:lnSpc>
+              <a:spcBef>
+                <a:spcPts val="500"/>
+              </a:spcBef>
+              <a:buFont typeface="Arial" panose="020B0604020202020204" pitchFamily="34" charset="0"/>
+              <a:buChar char="•"/>
+              <a:defRPr sz="1800" kern="1200">
+                <a:solidFill>
+                  <a:schemeClr val="tx1"/>
+                </a:solidFill>
+                <a:latin typeface="+mn-lt"/>
+                <a:ea typeface="+mn-ea"/>
+                <a:cs typeface="+mn-cs"/>
+              </a:defRPr>
+            </a:lvl4pPr>
+            <a:lvl5pPr marL="2057400" indent="-228600" algn="l" defTabSz="914400" rtl="0" eaLnBrk="1" latinLnBrk="0" hangingPunct="1">
+              <a:lnSpc>
+                <a:spcPct val="90000"/>
+              </a:lnSpc>
+              <a:spcBef>
+                <a:spcPts val="500"/>
+              </a:spcBef>
+              <a:buFont typeface="Arial" panose="020B0604020202020204" pitchFamily="34" charset="0"/>
+              <a:buChar char="•"/>
+              <a:defRPr sz="1800" kern="1200">
+                <a:solidFill>
+                  <a:schemeClr val="tx1"/>
+                </a:solidFill>
+                <a:latin typeface="+mn-lt"/>
+                <a:ea typeface="+mn-ea"/>
+                <a:cs typeface="+mn-cs"/>
+              </a:defRPr>
+            </a:lvl5pPr>
+            <a:lvl6pPr marL="2514600" indent="-228600" algn="l" defTabSz="914400" rtl="0" eaLnBrk="1" latinLnBrk="0" hangingPunct="1">
+              <a:lnSpc>
+                <a:spcPct val="90000"/>
+              </a:lnSpc>
+              <a:spcBef>
+                <a:spcPts val="500"/>
+              </a:spcBef>
+              <a:buFont typeface="Arial" panose="020B0604020202020204" pitchFamily="34" charset="0"/>
+              <a:buChar char="•"/>
+              <a:defRPr sz="1800" kern="1200">
+                <a:solidFill>
+                  <a:schemeClr val="tx1"/>
+                </a:solidFill>
+                <a:latin typeface="+mn-lt"/>
+                <a:ea typeface="+mn-ea"/>
+                <a:cs typeface="+mn-cs"/>
+              </a:defRPr>
+            </a:lvl6pPr>
+            <a:lvl7pPr marL="2971800" indent="-228600" algn="l" defTabSz="914400" rtl="0" eaLnBrk="1" latinLnBrk="0" hangingPunct="1">
+              <a:lnSpc>
+                <a:spcPct val="90000"/>
+              </a:lnSpc>
+              <a:spcBef>
+                <a:spcPts val="500"/>
+              </a:spcBef>
+              <a:buFont typeface="Arial" panose="020B0604020202020204" pitchFamily="34" charset="0"/>
+              <a:buChar char="•"/>
+              <a:defRPr sz="1800" kern="1200">
+                <a:solidFill>
+                  <a:schemeClr val="tx1"/>
+                </a:solidFill>
+                <a:latin typeface="+mn-lt"/>
+                <a:ea typeface="+mn-ea"/>
+                <a:cs typeface="+mn-cs"/>
+              </a:defRPr>
+            </a:lvl7pPr>
+            <a:lvl8pPr marL="3429000" indent="-228600" algn="l" defTabSz="914400" rtl="0" eaLnBrk="1" latinLnBrk="0" hangingPunct="1">
+              <a:lnSpc>
+                <a:spcPct val="90000"/>
+              </a:lnSpc>
+              <a:spcBef>
+                <a:spcPts val="500"/>
+              </a:spcBef>
+              <a:buFont typeface="Arial" panose="020B0604020202020204" pitchFamily="34" charset="0"/>
+              <a:buChar char="•"/>
+              <a:defRPr sz="1800" kern="1200">
+                <a:solidFill>
+                  <a:schemeClr val="tx1"/>
+                </a:solidFill>
+                <a:latin typeface="+mn-lt"/>
+                <a:ea typeface="+mn-ea"/>
+                <a:cs typeface="+mn-cs"/>
+              </a:defRPr>
+            </a:lvl8pPr>
+            <a:lvl9pPr marL="3886200" indent="-228600" algn="l" defTabSz="914400" rtl="0" eaLnBrk="1" latinLnBrk="0" hangingPunct="1">
+              <a:lnSpc>
+                <a:spcPct val="90000"/>
+              </a:lnSpc>
+              <a:spcBef>
+                <a:spcPts val="500"/>
+              </a:spcBef>
+              <a:buFont typeface="Arial" panose="020B0604020202020204" pitchFamily="34" charset="0"/>
+              <a:buChar char="•"/>
+              <a:defRPr sz="1800" kern="1200">
+                <a:solidFill>
+                  <a:schemeClr val="tx1"/>
+                </a:solidFill>
+                <a:latin typeface="+mn-lt"/>
+                <a:ea typeface="+mn-ea"/>
+                <a:cs typeface="+mn-cs"/>
+              </a:defRPr>
+            </a:lvl9pPr>
+          </a:lstStyle>
+          <a:p>
+            <a:pPr marL="0" indent="0">
+              <a:buNone/>
+            </a:pPr>
+            <a:r>
+              <a:rPr lang="en-US" sz="1400" dirty="0">
+                <a:solidFill>
+                  <a:schemeClr val="bg1"/>
+                </a:solidFill>
+                <a:latin typeface="PT Sans" panose="020B0503020203020204" pitchFamily="34" charset="0"/>
+              </a:rPr>
+              <a:t>@UseInterceptors(ClassSerializerInterceptor)</a:t>
+            </a:r>
+          </a:p>
+          <a:p>
+            <a:pPr marL="0" indent="0">
+              <a:buNone/>
+            </a:pPr>
+            <a:r>
+              <a:rPr lang="en-US" sz="1400" dirty="0">
+                <a:solidFill>
+                  <a:schemeClr val="bg1"/>
+                </a:solidFill>
+                <a:latin typeface="PT Sans" panose="020B0503020203020204" pitchFamily="34" charset="0"/>
+              </a:rPr>
+              <a:t>@Get()</a:t>
+            </a:r>
+          </a:p>
+          <a:p>
+            <a:pPr marL="0" indent="0">
+              <a:buNone/>
+            </a:pPr>
+            <a:r>
+              <a:rPr lang="en-US" sz="1400" dirty="0" err="1">
+                <a:solidFill>
+                  <a:schemeClr val="bg1"/>
+                </a:solidFill>
+                <a:latin typeface="PT Sans" panose="020B0503020203020204" pitchFamily="34" charset="0"/>
+              </a:rPr>
+              <a:t>findOne</a:t>
+            </a:r>
+            <a:r>
+              <a:rPr lang="en-US" sz="1400" dirty="0">
+                <a:solidFill>
+                  <a:schemeClr val="bg1"/>
+                </a:solidFill>
+                <a:latin typeface="PT Sans" panose="020B0503020203020204" pitchFamily="34" charset="0"/>
+              </a:rPr>
+              <a:t>(): </a:t>
+            </a:r>
+            <a:r>
+              <a:rPr lang="en-US" sz="1400" dirty="0" err="1">
+                <a:solidFill>
+                  <a:schemeClr val="bg1"/>
+                </a:solidFill>
+                <a:latin typeface="PT Sans" panose="020B0503020203020204" pitchFamily="34" charset="0"/>
+              </a:rPr>
+              <a:t>UserEntity</a:t>
+            </a:r>
+            <a:r>
+              <a:rPr lang="en-US" sz="1400" dirty="0">
+                <a:solidFill>
+                  <a:schemeClr val="bg1"/>
+                </a:solidFill>
+                <a:latin typeface="PT Sans" panose="020B0503020203020204" pitchFamily="34" charset="0"/>
+              </a:rPr>
+              <a:t> {</a:t>
+            </a:r>
+          </a:p>
+          <a:p>
+            <a:pPr marL="0" indent="0">
+              <a:buNone/>
+            </a:pPr>
+            <a:r>
+              <a:rPr lang="en-US" sz="1400" dirty="0">
+                <a:solidFill>
+                  <a:schemeClr val="bg1"/>
+                </a:solidFill>
+                <a:latin typeface="PT Sans" panose="020B0503020203020204" pitchFamily="34" charset="0"/>
+              </a:rPr>
+              <a:t>  return new </a:t>
+            </a:r>
+            <a:r>
+              <a:rPr lang="en-US" sz="1400" dirty="0" err="1">
+                <a:solidFill>
+                  <a:schemeClr val="bg1"/>
+                </a:solidFill>
+                <a:latin typeface="PT Sans" panose="020B0503020203020204" pitchFamily="34" charset="0"/>
+              </a:rPr>
+              <a:t>UserEntity</a:t>
+            </a:r>
+            <a:r>
+              <a:rPr lang="en-US" sz="1400" dirty="0">
+                <a:solidFill>
+                  <a:schemeClr val="bg1"/>
+                </a:solidFill>
+                <a:latin typeface="PT Sans" panose="020B0503020203020204" pitchFamily="34" charset="0"/>
+              </a:rPr>
+              <a:t>({</a:t>
+            </a:r>
+          </a:p>
+          <a:p>
+            <a:pPr marL="0" indent="0">
+              <a:buNone/>
+            </a:pPr>
+            <a:r>
+              <a:rPr lang="en-US" sz="1400" dirty="0">
+                <a:solidFill>
+                  <a:schemeClr val="bg1"/>
+                </a:solidFill>
+                <a:latin typeface="PT Sans" panose="020B0503020203020204" pitchFamily="34" charset="0"/>
+              </a:rPr>
+              <a:t>    id: 1,</a:t>
+            </a:r>
+          </a:p>
+          <a:p>
+            <a:pPr marL="0" indent="0">
+              <a:buNone/>
+            </a:pPr>
+            <a:r>
+              <a:rPr lang="en-US" sz="1400" dirty="0">
+                <a:solidFill>
+                  <a:schemeClr val="bg1"/>
+                </a:solidFill>
+                <a:latin typeface="PT Sans" panose="020B0503020203020204" pitchFamily="34" charset="0"/>
+              </a:rPr>
+              <a:t>    </a:t>
+            </a:r>
+            <a:r>
+              <a:rPr lang="en-US" sz="1400" dirty="0" err="1">
+                <a:solidFill>
+                  <a:schemeClr val="bg1"/>
+                </a:solidFill>
+                <a:latin typeface="PT Sans" panose="020B0503020203020204" pitchFamily="34" charset="0"/>
+              </a:rPr>
+              <a:t>firstName</a:t>
+            </a:r>
+            <a:r>
+              <a:rPr lang="en-US" sz="1400" dirty="0">
+                <a:solidFill>
+                  <a:schemeClr val="bg1"/>
+                </a:solidFill>
+                <a:latin typeface="PT Sans" panose="020B0503020203020204" pitchFamily="34" charset="0"/>
+              </a:rPr>
+              <a:t>: 'Kamil',</a:t>
+            </a:r>
+          </a:p>
+          <a:p>
+            <a:pPr marL="0" indent="0">
+              <a:buNone/>
+            </a:pPr>
+            <a:r>
+              <a:rPr lang="en-US" sz="1400" dirty="0">
+                <a:solidFill>
+                  <a:schemeClr val="bg1"/>
+                </a:solidFill>
+                <a:latin typeface="PT Sans" panose="020B0503020203020204" pitchFamily="34" charset="0"/>
+              </a:rPr>
+              <a:t>    </a:t>
+            </a:r>
+            <a:r>
+              <a:rPr lang="en-US" sz="1400" dirty="0" err="1">
+                <a:solidFill>
+                  <a:schemeClr val="bg1"/>
+                </a:solidFill>
+                <a:latin typeface="PT Sans" panose="020B0503020203020204" pitchFamily="34" charset="0"/>
+              </a:rPr>
+              <a:t>lastName</a:t>
+            </a:r>
+            <a:r>
+              <a:rPr lang="en-US" sz="1400" dirty="0">
+                <a:solidFill>
+                  <a:schemeClr val="bg1"/>
+                </a:solidFill>
+                <a:latin typeface="PT Sans" panose="020B0503020203020204" pitchFamily="34" charset="0"/>
+              </a:rPr>
+              <a:t>: '</a:t>
+            </a:r>
+            <a:r>
+              <a:rPr lang="en-US" sz="1400" dirty="0" err="1">
+                <a:solidFill>
+                  <a:schemeClr val="bg1"/>
+                </a:solidFill>
+                <a:latin typeface="PT Sans" panose="020B0503020203020204" pitchFamily="34" charset="0"/>
+              </a:rPr>
+              <a:t>Mysliwiec</a:t>
+            </a:r>
+            <a:r>
+              <a:rPr lang="en-US" sz="1400" dirty="0">
+                <a:solidFill>
+                  <a:schemeClr val="bg1"/>
+                </a:solidFill>
+                <a:latin typeface="PT Sans" panose="020B0503020203020204" pitchFamily="34" charset="0"/>
+              </a:rPr>
+              <a:t>',</a:t>
+            </a:r>
+          </a:p>
+          <a:p>
+            <a:pPr marL="0" indent="0">
+              <a:buNone/>
+            </a:pPr>
+            <a:r>
+              <a:rPr lang="en-US" sz="1400" dirty="0">
+                <a:solidFill>
+                  <a:schemeClr val="bg1"/>
+                </a:solidFill>
+                <a:latin typeface="PT Sans" panose="020B0503020203020204" pitchFamily="34" charset="0"/>
+              </a:rPr>
+              <a:t>    password: 'password',</a:t>
+            </a:r>
+          </a:p>
+          <a:p>
+            <a:pPr marL="0" indent="0">
+              <a:buNone/>
+            </a:pPr>
+            <a:r>
+              <a:rPr lang="en-US" sz="1400" dirty="0">
+                <a:solidFill>
+                  <a:schemeClr val="bg1"/>
+                </a:solidFill>
+                <a:latin typeface="PT Sans" panose="020B0503020203020204" pitchFamily="34" charset="0"/>
+              </a:rPr>
+              <a:t>  });</a:t>
+            </a:r>
+          </a:p>
+          <a:p>
+            <a:pPr marL="0" indent="0">
+              <a:buNone/>
+            </a:pPr>
+            <a:r>
+              <a:rPr lang="en-US" sz="1400" dirty="0">
+                <a:solidFill>
+                  <a:schemeClr val="bg1"/>
+                </a:solidFill>
+                <a:latin typeface="PT Sans" panose="020B0503020203020204" pitchFamily="34" charset="0"/>
+              </a:rPr>
+              <a:t>}</a:t>
+            </a:r>
+          </a:p>
+        </p:txBody>
+      </p:sp>
+    </p:spTree>
+    <p:extLst>
+      <p:ext uri="{BB962C8B-B14F-4D97-AF65-F5344CB8AC3E}">
+        <p14:creationId xmlns:p14="http://schemas.microsoft.com/office/powerpoint/2010/main" val="3074921435"/>
+      </p:ext>
+    </p:extLst>
+  </p:cSld>
+  <p:clrMapOvr>
+    <a:masterClrMapping/>
+  </p:clrMapOvr>
+</p:sld>
+</file>
+
+<file path=ppt/slides/slide15.xml><?xml version="1.0" encoding="utf-8"?>
+<p:sld xmlns:a="http://schemas.openxmlformats.org/drawingml/2006/main" xmlns:r="http://schemas.openxmlformats.org/officeDocument/2006/relationships" xmlns:p="http://schemas.openxmlformats.org/presentationml/2006/main">
+  <p:cSld>
+    <p:bg>
+      <p:bgPr>
+        <a:solidFill>
+          <a:srgbClr val="43853D"/>
+        </a:solidFill>
+        <a:effectLst/>
+      </p:bgPr>
+    </p:bg>
+    <p:spTree>
+      <p:nvGrpSpPr>
+        <p:cNvPr id="1" name=""/>
+        <p:cNvGrpSpPr/>
+        <p:nvPr/>
+      </p:nvGrpSpPr>
+      <p:grpSpPr>
+        <a:xfrm>
+          <a:off x="0" y="0"/>
+          <a:ext cx="0" cy="0"/>
+          <a:chOff x="0" y="0"/>
+          <a:chExt cx="0" cy="0"/>
+        </a:xfrm>
+      </p:grpSpPr>
+      <p:sp>
+        <p:nvSpPr>
+          <p:cNvPr id="2" name="Title 1">
+            <a:extLst>
+              <a:ext uri="{FF2B5EF4-FFF2-40B4-BE49-F238E27FC236}">
+                <a16:creationId xmlns:a16="http://schemas.microsoft.com/office/drawing/2014/main" id="{A5B6771C-EC8D-4C01-AD58-F01C3DBFE1AB}"/>
+              </a:ext>
+            </a:extLst>
+          </p:cNvPr>
+          <p:cNvSpPr>
+            <a:spLocks noGrp="1"/>
+          </p:cNvSpPr>
+          <p:nvPr>
+            <p:ph type="title"/>
+          </p:nvPr>
+        </p:nvSpPr>
+        <p:spPr/>
+        <p:txBody>
+          <a:bodyPr/>
+          <a:lstStyle/>
+          <a:p>
+            <a:pPr algn="l"/>
+            <a:r>
+              <a:rPr lang="en-US" b="1" dirty="0">
+                <a:solidFill>
+                  <a:schemeClr val="bg1"/>
+                </a:solidFill>
+                <a:latin typeface="PT Sans" panose="020B0503020203020204" pitchFamily="34" charset="0"/>
+              </a:rPr>
+              <a:t>Route auto-loading</a:t>
+            </a:r>
+            <a:endParaRPr lang="en-US" sz="4400" b="1" i="0" dirty="0">
+              <a:solidFill>
+                <a:schemeClr val="bg1"/>
+              </a:solidFill>
+              <a:effectLst/>
+              <a:latin typeface="PT Sans" panose="020B0503020203020204" pitchFamily="34" charset="0"/>
+            </a:endParaRPr>
+          </a:p>
+        </p:txBody>
+      </p:sp>
+      <p:sp>
+        <p:nvSpPr>
+          <p:cNvPr id="3" name="Content Placeholder 2">
+            <a:extLst>
+              <a:ext uri="{FF2B5EF4-FFF2-40B4-BE49-F238E27FC236}">
+                <a16:creationId xmlns:a16="http://schemas.microsoft.com/office/drawing/2014/main" id="{2B664DA6-9C91-460D-B57E-FE1B3A43E0F3}"/>
+              </a:ext>
+            </a:extLst>
+          </p:cNvPr>
+          <p:cNvSpPr>
+            <a:spLocks noGrp="1"/>
+          </p:cNvSpPr>
+          <p:nvPr>
+            <p:ph idx="1"/>
+          </p:nvPr>
+        </p:nvSpPr>
+        <p:spPr>
+          <a:xfrm>
+            <a:off x="838200" y="1825625"/>
+            <a:ext cx="10515600" cy="4667250"/>
+          </a:xfrm>
+        </p:spPr>
+        <p:txBody>
+          <a:bodyPr>
+            <a:normAutofit/>
+          </a:bodyPr>
+          <a:lstStyle/>
+          <a:p>
+            <a:pPr marL="0" indent="0">
+              <a:buNone/>
+            </a:pPr>
+            <a:r>
+              <a:rPr lang="en-US" sz="1400" b="1" dirty="0">
+                <a:solidFill>
+                  <a:schemeClr val="bg1"/>
+                </a:solidFill>
+                <a:latin typeface="PT Sans" panose="020B0503020203020204" pitchFamily="34" charset="0"/>
+              </a:rPr>
+              <a:t>This approach attempts to optimize some of the inefficiencies of both the fixed window counter and sliding logs technique. In this technique, the user’s requests are grouped by timestamp, and rather than log each request, we keep a counter for each group.</a:t>
+            </a:r>
+          </a:p>
+          <a:p>
+            <a:pPr marL="0" indent="0">
+              <a:buNone/>
+            </a:pPr>
+            <a:r>
+              <a:rPr lang="en-US" sz="2000" b="1" dirty="0">
+                <a:solidFill>
+                  <a:schemeClr val="bg1"/>
+                </a:solidFill>
+                <a:latin typeface="PT Sans" panose="020B0503020203020204" pitchFamily="34" charset="0"/>
+              </a:rPr>
+              <a:t>Stores</a:t>
+            </a:r>
+            <a:r>
+              <a:rPr lang="en-US" sz="1400" b="1" dirty="0">
+                <a:solidFill>
+                  <a:schemeClr val="bg1"/>
+                </a:solidFill>
+                <a:latin typeface="PT Sans" panose="020B0503020203020204" pitchFamily="34" charset="0"/>
+              </a:rPr>
+              <a:t>:</a:t>
+            </a:r>
+          </a:p>
+          <a:p>
+            <a:r>
+              <a:rPr lang="en-US" sz="1400" dirty="0">
+                <a:solidFill>
+                  <a:schemeClr val="bg1"/>
+                </a:solidFill>
+                <a:latin typeface="PT Sans" panose="020B0503020203020204" pitchFamily="34" charset="0"/>
+              </a:rPr>
+              <a:t>Memory Store (default, built-in) - stores hits in-memory in the Node.js process. Does not share state with other servers or processes, and does not start a separate timer for each end user.</a:t>
+            </a:r>
+          </a:p>
+          <a:p>
+            <a:r>
+              <a:rPr lang="en-US" sz="1400" dirty="0">
+                <a:solidFill>
+                  <a:schemeClr val="bg1"/>
+                </a:solidFill>
+                <a:latin typeface="PT Sans" panose="020B0503020203020204" pitchFamily="34" charset="0"/>
+              </a:rPr>
+              <a:t>Redis Store</a:t>
+            </a:r>
+          </a:p>
+          <a:p>
+            <a:r>
+              <a:rPr lang="en-US" sz="1400" dirty="0">
+                <a:solidFill>
+                  <a:schemeClr val="bg1"/>
+                </a:solidFill>
+                <a:latin typeface="PT Sans" panose="020B0503020203020204" pitchFamily="34" charset="0"/>
+              </a:rPr>
+              <a:t>Memcached Store</a:t>
+            </a:r>
+          </a:p>
+          <a:p>
+            <a:r>
+              <a:rPr lang="en-US" sz="1400" dirty="0">
+                <a:solidFill>
+                  <a:schemeClr val="bg1"/>
+                </a:solidFill>
+                <a:latin typeface="PT Sans" panose="020B0503020203020204" pitchFamily="34" charset="0"/>
+              </a:rPr>
+              <a:t>Mongo Store</a:t>
+            </a:r>
+          </a:p>
+          <a:p>
+            <a:r>
+              <a:rPr lang="en-US" sz="1400" dirty="0">
+                <a:solidFill>
+                  <a:schemeClr val="bg1"/>
+                </a:solidFill>
+                <a:latin typeface="PT Sans" panose="020B0503020203020204" pitchFamily="34" charset="0"/>
+              </a:rPr>
+              <a:t>Precise Memory Store - similar to the built-in memory store except that it stores a distinct timestamp for each IP rather than bucketing them together.</a:t>
+            </a:r>
+          </a:p>
+          <a:p>
+            <a:r>
+              <a:rPr lang="en-US" sz="2000" b="1" dirty="0">
+                <a:solidFill>
+                  <a:schemeClr val="bg1"/>
+                </a:solidFill>
+                <a:latin typeface="PT Sans" panose="020B0503020203020204" pitchFamily="34" charset="0"/>
+              </a:rPr>
+              <a:t>Pros:</a:t>
+            </a:r>
+          </a:p>
+          <a:p>
+            <a:r>
+              <a:rPr lang="en-US" sz="1400" dirty="0">
+                <a:solidFill>
+                  <a:schemeClr val="bg1"/>
+                </a:solidFill>
+                <a:latin typeface="PT Sans" panose="020B0503020203020204" pitchFamily="34" charset="0"/>
+              </a:rPr>
+              <a:t>This approach saves more memory because instead of creating a new entry for every request, we group requests by timestamp and increment the counter.</a:t>
+            </a:r>
+          </a:p>
+        </p:txBody>
+      </p:sp>
+    </p:spTree>
+    <p:extLst>
+      <p:ext uri="{BB962C8B-B14F-4D97-AF65-F5344CB8AC3E}">
+        <p14:creationId xmlns:p14="http://schemas.microsoft.com/office/powerpoint/2010/main" val="2485784692"/>
       </p:ext>
     </p:extLst>
   </p:cSld>
@@ -4598,6 +7146,15 @@
               <a:buNone/>
             </a:pPr>
             <a:r>
+              <a:rPr lang="en-US" sz="1800" b="1" dirty="0">
+                <a:solidFill>
+                  <a:schemeClr val="bg1"/>
+                </a:solidFill>
+                <a:latin typeface="PT Sans" panose="020B0503020203020204" pitchFamily="34" charset="0"/>
+              </a:rPr>
+              <a:t>Can be limited by</a:t>
+            </a:r>
+            <a:r>
               <a:rPr lang="en-US" sz="1800" b="1" i="0" dirty="0">
                 <a:solidFill>
                   <a:schemeClr val="bg1"/>
@@ -4605,7 +7162,7 @@
                 <a:effectLst/>
                 <a:latin typeface="PT Sans" panose="020B0503020203020204" pitchFamily="34" charset="0"/>
               </a:rPr>
-              <a:t>Constrains:</a:t>
+              <a:t>:</a:t>
             </a:r>
           </a:p>
           <a:p>
@@ -4684,6 +7241,51 @@
                 <a:latin typeface="PT Sans" panose="020B0503020203020204" pitchFamily="34" charset="0"/>
               </a:rPr>
               <a:t>: Here the constraint is based on the IP address of the device that initiates a request</a:t>
+            </a:r>
+          </a:p>
+          <a:p>
+            <a:pPr algn="l">
+              <a:buFont typeface="Arial" panose="020B0604020202020204" pitchFamily="34" charset="0"/>
+              <a:buChar char="•"/>
+            </a:pPr>
+            <a:r>
+              <a:rPr lang="en-US" sz="1400" b="1" dirty="0">
+                <a:solidFill>
+                  <a:schemeClr val="bg1"/>
+                </a:solidFill>
+                <a:latin typeface="PT Sans" panose="020B0503020203020204" pitchFamily="34" charset="0"/>
+              </a:rPr>
+              <a:t>Service:</a:t>
+            </a:r>
+            <a:r>
+              <a:rPr lang="en-US" sz="1400" b="0" i="0" dirty="0">
+                <a:solidFill>
+                  <a:schemeClr val="bg1"/>
+                </a:solidFill>
+                <a:effectLst/>
+                <a:latin typeface="PT Sans" panose="020B0503020203020204" pitchFamily="34" charset="0"/>
+              </a:rPr>
+              <a:t> An internal service (identified by some </a:t>
+            </a:r>
+            <a:r>
+              <a:rPr lang="en-US" sz="1400" b="0" i="0" dirty="0" err="1">
+                <a:solidFill>
+                  <a:schemeClr val="bg1"/>
+                </a:solidFill>
+                <a:effectLst/>
+                <a:latin typeface="PT Sans" panose="020B0503020203020204" pitchFamily="34" charset="0"/>
+              </a:rPr>
+              <a:t>ServiceId</a:t>
+            </a:r>
+            <a:r>
+              <a:rPr lang="en-US" sz="1400" b="0" i="0" dirty="0">
+                <a:solidFill>
+                  <a:schemeClr val="bg1"/>
+                </a:solidFill>
+                <a:effectLst/>
+                <a:latin typeface="PT Sans" panose="020B0503020203020204" pitchFamily="34" charset="0"/>
+              </a:rPr>
+              <a:t>)</a:t>
             </a:r>
           </a:p>
           <a:p>
@@ -4778,7 +7380,7 @@
                 </a:solidFill>
                 <a:latin typeface="PT Sans" panose="020B0503020203020204" pitchFamily="34" charset="0"/>
               </a:rPr>
-              <a:t>Rate limiting algorithms</a:t>
+              <a:t>Implementation approaches</a:t>
             </a:r>
           </a:p>
         </p:txBody>
@@ -4802,7 +7404,7 @@
         <p:spPr>
           <a:xfrm>
             <a:off x="838200" y="1825625"/>
-            <a:ext cx="10515600" cy="1882309"/>
+            <a:ext cx="10515600" cy="4046669"/>
           </a:xfrm>
         </p:spPr>
         <p:txBody>
@@ -4811,72 +7413,105 @@
           </a:bodyPr>
           <a:lstStyle/>
           <a:p>
-            <a:r>
-              <a:rPr lang="en-US" sz="1600" b="1" i="0" dirty="0">
+            <a:pPr marL="0" indent="0" algn="l">
+              <a:buNone/>
+            </a:pPr>
+            <a:r>
+              <a:rPr lang="en-US" sz="1800" b="1" dirty="0">
+                <a:solidFill>
+                  <a:schemeClr val="bg1"/>
+                </a:solidFill>
+                <a:latin typeface="PT Sans" panose="020B0503020203020204" pitchFamily="34" charset="0"/>
+              </a:rPr>
+              <a:t>Can be limited by</a:t>
+            </a:r>
+            <a:r>
+              <a:rPr lang="en-US" sz="1800" b="1" i="0" dirty="0">
                 <a:solidFill>
                   <a:schemeClr val="bg1"/>
                 </a:solidFill>
                 <a:effectLst/>
                 <a:latin typeface="PT Sans" panose="020B0503020203020204" pitchFamily="34" charset="0"/>
               </a:rPr>
-              <a:t>Token bucket</a:t>
-            </a:r>
-          </a:p>
-          <a:p>
-            <a:r>
-              <a:rPr lang="en-US" sz="1600" b="1" i="0" dirty="0">
+              <a:t>:</a:t>
+            </a:r>
+          </a:p>
+          <a:p>
+            <a:pPr algn="l">
+              <a:buFont typeface="Arial" panose="020B0604020202020204" pitchFamily="34" charset="0"/>
+              <a:buChar char="•"/>
+            </a:pPr>
+            <a:r>
+              <a:rPr lang="en-US" sz="1400" b="1" i="0" dirty="0">
                 <a:solidFill>
                   <a:schemeClr val="bg1"/>
                 </a:solidFill>
                 <a:effectLst/>
                 <a:latin typeface="PT Sans" panose="020B0503020203020204" pitchFamily="34" charset="0"/>
               </a:rPr>
-              <a:t>Leaky bucket</a:t>
-            </a:r>
-          </a:p>
-          <a:p>
-            <a:pPr algn="l"/>
-            <a:r>
-              <a:rPr lang="en-US" sz="1600" b="1" i="0" dirty="0">
-                <a:solidFill>
-                  <a:schemeClr val="bg1"/>
-                </a:solidFill>
-                <a:effectLst/>
-                <a:latin typeface="PT Sans" panose="020B0604020202020204" pitchFamily="34" charset="0"/>
-              </a:rPr>
-              <a:t>Fixed window counter</a:t>
-            </a:r>
-          </a:p>
-          <a:p>
-            <a:r>
-              <a:rPr lang="en-US" sz="1600" b="1" i="0" dirty="0">
-                <a:solidFill>
-                  <a:schemeClr val="bg1"/>
-                </a:solidFill>
-                <a:effectLst/>
-                <a:latin typeface="PT Sans" panose="020B0503020203020204" pitchFamily="34" charset="0"/>
-              </a:rPr>
-              <a:t>Sliding window counter</a:t>
-            </a:r>
-            <a:endParaRPr lang="en-US" sz="1600" b="1" i="0" dirty="0">
+              <a:t>In-App</a:t>
+            </a:r>
+            <a:endParaRPr lang="en-US" sz="1000" b="1" i="0" dirty="0">
               <a:solidFill>
                 <a:schemeClr val="bg1"/>
               </a:solidFill>
               <a:effectLst/>
-              <a:latin typeface="PT Sans" panose="020B0604020202020204" pitchFamily="34" charset="0"/>
+              <a:latin typeface="PT Sans" panose="020B0503020203020204" pitchFamily="34" charset="0"/>
             </a:endParaRPr>
           </a:p>
           <a:p>
-            <a:pPr algn="l"/>
-            <a:r>
-              <a:rPr lang="en-US" sz="1600" b="1" i="0" dirty="0">
+            <a:pPr algn="l">
+              <a:buFont typeface="Arial" panose="020B0604020202020204" pitchFamily="34" charset="0"/>
+              <a:buChar char="•"/>
+            </a:pPr>
+            <a:r>
+              <a:rPr lang="en-US" sz="1400" b="1" i="0" dirty="0">
                 <a:solidFill>
                   <a:schemeClr val="bg1"/>
                 </a:solidFill>
                 <a:effectLst/>
                 <a:latin typeface="PT Sans" panose="020B0503020203020204" pitchFamily="34" charset="0"/>
               </a:rPr>
-              <a:t>Sliding logs</a:t>
+              <a:t>Using a proxy </a:t>
+            </a:r>
+            <a:r>
+              <a:rPr lang="en-US" sz="1400" dirty="0">
+                <a:solidFill>
+                  <a:schemeClr val="bg1"/>
+                </a:solidFill>
+                <a:latin typeface="PT Sans" panose="020B0503020203020204" pitchFamily="34" charset="0"/>
+              </a:rPr>
+              <a:t>(</a:t>
+            </a:r>
+            <a:r>
+              <a:rPr lang="en-US" sz="1400" i="0" dirty="0">
+                <a:solidFill>
+                  <a:schemeClr val="bg1"/>
+                </a:solidFill>
+                <a:effectLst/>
+                <a:latin typeface="PT Sans" panose="020B0503020203020204" pitchFamily="34" charset="0"/>
+              </a:rPr>
+              <a:t>Nginx, </a:t>
+            </a:r>
+            <a:r>
+              <a:rPr lang="en-US" sz="1400" i="0" dirty="0" err="1">
+                <a:solidFill>
+                  <a:schemeClr val="bg1"/>
+                </a:solidFill>
+                <a:effectLst/>
+                <a:latin typeface="PT Sans" panose="020B0503020203020204" pitchFamily="34" charset="0"/>
+              </a:rPr>
+              <a:t>HAProxy</a:t>
+            </a:r>
+            <a:r>
+              <a:rPr lang="en-US" sz="1400" i="0" dirty="0">
+                <a:solidFill>
+                  <a:schemeClr val="bg1"/>
+                </a:solidFill>
+                <a:effectLst/>
+                <a:latin typeface="PT Sans" panose="020B0503020203020204" pitchFamily="34" charset="0"/>
+              </a:rPr>
+              <a:t>, API Gateways, Envoy, etc.)</a:t>
             </a:r>
           </a:p>
         </p:txBody>
@@ -4884,7 +7519,7 @@
     </p:spTree>
     <p:extLst>
       <p:ext uri="{BB962C8B-B14F-4D97-AF65-F5344CB8AC3E}">
-        <p14:creationId xmlns:p14="http://schemas.microsoft.com/office/powerpoint/2010/main" val="510297346"/>
+        <p14:creationId xmlns:p14="http://schemas.microsoft.com/office/powerpoint/2010/main" val="1443366658"/>
       </p:ext>
     </p:extLst>
   </p:cSld>
@@ -4940,16 +7575,14 @@
           <a:bodyPr/>
           <a:lstStyle/>
           <a:p>
-            <a:pPr algn="l"/>
-            <a:r>
-              <a:rPr lang="en-US" sz="4400" b="1" i="0" dirty="0">
-                <a:solidFill>
-                  <a:schemeClr val="bg1"/>
-                </a:solidFill>
-                <a:effectLst/>
-                <a:latin typeface="PT Sans" panose="020B0503020203020204" pitchFamily="34" charset="0"/>
-              </a:rPr>
-              <a:t>Token bucket</a:t>
+            <a:r>
+              <a:rPr lang="en-US" b="1" dirty="0">
+                <a:solidFill>
+                  <a:schemeClr val="bg1"/>
+                </a:solidFill>
+                <a:latin typeface="PT Sans" panose="020B0503020203020204" pitchFamily="34" charset="0"/>
+              </a:rPr>
+              <a:t>Rate limiting algorithms</a:t>
             </a:r>
           </a:p>
         </p:txBody>
@@ -4970,82 +7603,92 @@
             <p:ph idx="1"/>
           </p:nvPr>
         </p:nvSpPr>
-        <p:spPr/>
+        <p:spPr>
+          <a:xfrm>
+            <a:off x="838200" y="1825625"/>
+            <a:ext cx="10515600" cy="1882309"/>
+          </a:xfrm>
+        </p:spPr>
         <p:txBody>
           <a:bodyPr>
             <a:normAutofit/>
           </a:bodyPr>
           <a:lstStyle/>
           <a:p>
-            <a:r>
-              <a:rPr lang="en-US" sz="1400" dirty="0">
-                <a:solidFill>
-                  <a:schemeClr val="bg1"/>
-                </a:solidFill>
-                <a:latin typeface="PT Sans" panose="020B0503020203020204" pitchFamily="34" charset="0"/>
-              </a:rPr>
-              <a:t>A counter indicating how many tokens a user has left</a:t>
-            </a:r>
-          </a:p>
-          <a:p>
-            <a:r>
-              <a:rPr lang="en-US" sz="1400" dirty="0">
-                <a:solidFill>
-                  <a:schemeClr val="bg1"/>
-                </a:solidFill>
-                <a:latin typeface="PT Sans" panose="020B0503020203020204" pitchFamily="34" charset="0"/>
-              </a:rPr>
-              <a:t>A timestamp showing when it was last updated</a:t>
-            </a:r>
-          </a:p>
-          <a:p>
-            <a:pPr marL="0" indent="0">
-              <a:buNone/>
-            </a:pPr>
-            <a:r>
-              <a:rPr lang="en-US" sz="2000" b="1" dirty="0">
-                <a:solidFill>
-                  <a:schemeClr val="bg1"/>
-                </a:solidFill>
-                <a:latin typeface="PT Sans" panose="020B0503020203020204" pitchFamily="34" charset="0"/>
-              </a:rPr>
-              <a:t>Pros:</a:t>
-            </a:r>
-          </a:p>
-          <a:p>
-            <a:r>
-              <a:rPr lang="en-US" sz="1400" dirty="0">
-                <a:solidFill>
-                  <a:schemeClr val="bg1"/>
-                </a:solidFill>
-                <a:latin typeface="PT Sans" panose="020B0503020203020204" pitchFamily="34" charset="0"/>
-              </a:rPr>
-              <a:t>This is an accurate approach as the window is not fixed across users and, as such, is determined based on a user’s activity.</a:t>
-            </a:r>
-          </a:p>
-          <a:p>
-            <a:r>
-              <a:rPr lang="en-US" sz="1400" dirty="0">
-                <a:solidFill>
-                  <a:schemeClr val="bg1"/>
-                </a:solidFill>
-                <a:latin typeface="PT Sans" panose="020B0503020203020204" pitchFamily="34" charset="0"/>
-              </a:rPr>
-              <a:t>Memory consumption is minimal since you only have one entry per user, which is used to manage their activity (timestamp and available tokens) over time.</a:t>
-            </a:r>
-            <a:endParaRPr lang="en-US" sz="2000" dirty="0">
+            <a:pPr algn="l"/>
+            <a:r>
+              <a:rPr lang="en-US" sz="1600" b="1" i="0" dirty="0">
+                <a:solidFill>
+                  <a:schemeClr val="bg1"/>
+                </a:solidFill>
+                <a:effectLst/>
+                <a:latin typeface="PT Sans" panose="020B0604020202020204" pitchFamily="34" charset="0"/>
+              </a:rPr>
+              <a:t>Fixed window counter</a:t>
+            </a:r>
+          </a:p>
+          <a:p>
+            <a:r>
+              <a:rPr lang="en-US" sz="1600" b="1" i="0" dirty="0">
+                <a:solidFill>
+                  <a:schemeClr val="bg1"/>
+                </a:solidFill>
+                <a:effectLst/>
+                <a:latin typeface="PT Sans" panose="020B0503020203020204" pitchFamily="34" charset="0"/>
+              </a:rPr>
+              <a:t>Sliding window counter</a:t>
+            </a:r>
+            <a:endParaRPr lang="en-US" sz="1600" b="1" i="0" dirty="0">
               <a:solidFill>
                 <a:schemeClr val="bg1"/>
               </a:solidFill>
-              <a:latin typeface="PT Sans" panose="020B0503020203020204" pitchFamily="34" charset="0"/>
+              <a:effectLst/>
+              <a:latin typeface="PT Sans" panose="020B0604020202020204" pitchFamily="34" charset="0"/>
             </a:endParaRPr>
+          </a:p>
+          <a:p>
+            <a:pPr algn="l"/>
+            <a:r>
+              <a:rPr lang="en-US" sz="1600" b="1" i="0" dirty="0">
+                <a:solidFill>
+                  <a:schemeClr val="bg1"/>
+                </a:solidFill>
+                <a:effectLst/>
+                <a:latin typeface="PT Sans" panose="020B0503020203020204" pitchFamily="34" charset="0"/>
+              </a:rPr>
+              <a:t>Sliding logs</a:t>
+            </a:r>
+          </a:p>
+          <a:p>
+            <a:r>
+              <a:rPr lang="en-US" sz="1600" b="1" i="0" dirty="0">
+                <a:solidFill>
+                  <a:schemeClr val="bg1"/>
+                </a:solidFill>
+                <a:effectLst/>
+                <a:latin typeface="PT Sans" panose="020B0503020203020204" pitchFamily="34" charset="0"/>
+              </a:rPr>
+              <a:t>Token bucket</a:t>
+            </a:r>
+          </a:p>
+          <a:p>
+            <a:r>
+              <a:rPr lang="en-US" sz="1600" b="1" i="0" dirty="0">
+                <a:solidFill>
+                  <a:schemeClr val="bg1"/>
+                </a:solidFill>
+                <a:effectLst/>
+                <a:latin typeface="PT Sans" panose="020B0503020203020204" pitchFamily="34" charset="0"/>
+              </a:rPr>
+              <a:t>Leaky bucket</a:t>
+            </a:r>
           </a:p>
         </p:txBody>
       </p:sp>
     </p:spTree>
     <p:extLst>
       <p:ext uri="{BB962C8B-B14F-4D97-AF65-F5344CB8AC3E}">
-        <p14:creationId xmlns:p14="http://schemas.microsoft.com/office/powerpoint/2010/main" val="1656998287"/>
+        <p14:creationId xmlns:p14="http://schemas.microsoft.com/office/powerpoint/2010/main" val="510297346"/>
       </p:ext>
     </p:extLst>
   </p:cSld>
@@ -5110,7 +7753,7 @@
                 <a:effectLst/>
                 <a:latin typeface="PT Sans" panose="020B0503020203020204" pitchFamily="34" charset="0"/>
               </a:rPr>
-              <a:t>Leaky bucket</a:t>
+              <a:t>Fixed window counter</a:t>
             </a:r>
           </a:p>
         </p:txBody>
@@ -5131,13 +7774,49 @@
             <p:ph idx="1"/>
           </p:nvPr>
         </p:nvSpPr>
-        <p:spPr/>
+        <p:spPr>
+          <a:xfrm>
+            <a:off x="838200" y="1825625"/>
+            <a:ext cx="10515600" cy="4180892"/>
+          </a:xfrm>
+        </p:spPr>
         <p:txBody>
           <a:bodyPr>
             <a:normAutofit/>
           </a:bodyPr>
           <a:lstStyle/>
           <a:p>
+            <a:pPr marL="0" indent="0">
+              <a:buNone/>
+            </a:pPr>
+            <a:r>
+              <a:rPr lang="en-US" sz="1400" b="1" dirty="0">
+                <a:solidFill>
+                  <a:schemeClr val="bg1"/>
+                </a:solidFill>
+                <a:latin typeface="PT Sans" panose="020B0503020203020204" pitchFamily="34" charset="0"/>
+              </a:rPr>
+              <a:t>Track the number of requests a user makes in each window</a:t>
+            </a:r>
+          </a:p>
+          <a:p>
+            <a:pPr marL="0" indent="0">
+              <a:buNone/>
+            </a:pPr>
+            <a:r>
+              <a:rPr lang="en-US" sz="1800" b="1" dirty="0">
+                <a:solidFill>
+                  <a:schemeClr val="bg1"/>
+                </a:solidFill>
+                <a:latin typeface="PT Sans" panose="020B0503020203020204" pitchFamily="34" charset="0"/>
+              </a:rPr>
+              <a:t>Example:</a:t>
+            </a:r>
+          </a:p>
+          <a:p>
+            <a:pPr marL="0" indent="0">
+              <a:buNone/>
+            </a:pPr>
             <a:r>
               <a:rPr lang="en-US" sz="1400" dirty="0">
                 <a:solidFill>
@@ -5145,10 +7824,13 @@
                 </a:solidFill>
                 <a:latin typeface="PT Sans" panose="020B0503020203020204" pitchFamily="34" charset="0"/>
               </a:rPr>
-              <a:t>It use a bucket or queue to holds incoming requests</a:t>
-            </a:r>
-          </a:p>
-          <a:p>
+              <a:t>if I want my API to allow 10 requests per minute, we have a 60-second window. So, starting at 12:01:00, one window will be 12:01:00 to 12:02:00.</a:t>
+            </a:r>
+          </a:p>
+          <a:p>
+            <a:pPr marL="0" indent="0">
+              <a:buNone/>
+            </a:pPr>
             <a:r>
               <a:rPr lang="en-US" sz="1400" dirty="0">
                 <a:solidFill>
@@ -5156,7 +7838,21 @@
                 </a:solidFill>
                 <a:latin typeface="PT Sans" panose="020B0503020203020204" pitchFamily="34" charset="0"/>
               </a:rPr>
-              <a:t>The requests are processed at fixed time intervals</a:t>
+              <a:t>Sum of all request counts per window</a:t>
+            </a:r>
+          </a:p>
+          <a:p>
+            <a:pPr marL="0" indent="0">
+              <a:buNone/>
+            </a:pPr>
+            <a:r>
+              <a:rPr lang="en-US" sz="2000" b="1" dirty="0">
+                <a:solidFill>
+                  <a:schemeClr val="bg1"/>
+                </a:solidFill>
+                <a:latin typeface="PT Sans" panose="020B0503020203020204" pitchFamily="34" charset="0"/>
+              </a:rPr>
+              <a:t>Pros:</a:t>
             </a:r>
           </a:p>
           <a:p>
@@ -5167,7 +7863,21 @@
                 </a:solidFill>
                 <a:latin typeface="PT Sans" panose="020B0503020203020204" pitchFamily="34" charset="0"/>
               </a:rPr>
-              <a:t>It uses FCFS (First Come First Serve) manner for request processing</a:t>
+              <a:t>Easy to implement</a:t>
+            </a:r>
+          </a:p>
+          <a:p>
+            <a:pPr marL="0" indent="0">
+              <a:buNone/>
+            </a:pPr>
+            <a:r>
+              <a:rPr lang="en-US" sz="2000" b="1" dirty="0">
+                <a:solidFill>
+                  <a:schemeClr val="bg1"/>
+                </a:solidFill>
+                <a:latin typeface="PT Sans" panose="020B0503020203020204" pitchFamily="34" charset="0"/>
+              </a:rPr>
+              <a:t>Cons:</a:t>
             </a:r>
           </a:p>
           <a:p>
@@ -5178,33 +7888,24 @@
                 </a:solidFill>
                 <a:latin typeface="PT Sans" panose="020B0503020203020204" pitchFamily="34" charset="0"/>
               </a:rPr>
-              <a:t>If the queue is full, remaining requests are dropped or leaked with proper message</a:t>
-            </a:r>
-          </a:p>
-          <a:p>
-            <a:pPr marL="0" indent="0">
-              <a:buNone/>
-            </a:pPr>
-            <a:r>
-              <a:rPr lang="en-US" sz="2000" b="1" dirty="0">
-                <a:solidFill>
-                  <a:schemeClr val="bg1"/>
-                </a:solidFill>
-                <a:latin typeface="PT Sans" panose="020B0503020203020204" pitchFamily="34" charset="0"/>
-              </a:rPr>
-              <a:t>Pros:</a:t>
-            </a:r>
-          </a:p>
-          <a:p>
+              <a:t>12:01:59 -&gt; 10 and 12:02:02 -&gt; 10 </a:t>
+            </a:r>
             <a:r>
               <a:rPr lang="en-US" sz="1400" dirty="0">
                 <a:solidFill>
                   <a:schemeClr val="bg1"/>
                 </a:solidFill>
                 <a:latin typeface="PT Sans" panose="020B0503020203020204" pitchFamily="34" charset="0"/>
-              </a:rPr>
-              <a:t>It smoothens burst of requests by processing them at a constant rate</a:t>
-            </a:r>
+                <a:sym typeface="Wingdings" panose="05000000000000000000" pitchFamily="2" charset="2"/>
+              </a:rPr>
+              <a:t> 20 request in 3s</a:t>
+            </a:r>
+            <a:endParaRPr lang="en-US" sz="1400" dirty="0">
+              <a:solidFill>
+                <a:schemeClr val="bg1"/>
+              </a:solidFill>
+              <a:latin typeface="PT Sans" panose="020B0503020203020204" pitchFamily="34" charset="0"/>
+            </a:endParaRPr>
           </a:p>
           <a:p>
             <a:r>
@@ -5214,7 +7915,7 @@
                 </a:solidFill>
                 <a:latin typeface="PT Sans" panose="020B0503020203020204" pitchFamily="34" charset="0"/>
               </a:rPr>
-              <a:t>Memory efficiency because of queue(buffer) fixed size</a:t>
+              <a:t>It is unfair to impose a general window start time on all users (should start counting from the time of their first request to 60 seconds)</a:t>
             </a:r>
           </a:p>
           <a:p>
@@ -5225,44 +7926,16 @@
                 </a:solidFill>
                 <a:latin typeface="PT Sans" panose="020B0503020203020204" pitchFamily="34" charset="0"/>
               </a:rPr>
-              <a:t>Easy to implement</a:t>
-            </a:r>
-          </a:p>
-          <a:p>
-            <a:pPr marL="0" indent="0">
-              <a:buNone/>
-            </a:pPr>
-            <a:r>
-              <a:rPr lang="en-US" sz="2000" b="1" dirty="0">
-                <a:solidFill>
-                  <a:schemeClr val="bg1"/>
-                </a:solidFill>
-                <a:latin typeface="PT Sans" panose="020B0503020203020204" pitchFamily="34" charset="0"/>
-              </a:rPr>
-              <a:t>Cons:</a:t>
-            </a:r>
-          </a:p>
-          <a:p>
-            <a:r>
-              <a:rPr lang="en-US" sz="1400" dirty="0">
-                <a:solidFill>
-                  <a:schemeClr val="bg1"/>
-                </a:solidFill>
-                <a:latin typeface="PT Sans" panose="020B0503020203020204" pitchFamily="34" charset="0"/>
-              </a:rPr>
-              <a:t>A burst of traffic can fill-up the queue with old requests in a time slot and the new request might starve.</a:t>
-            </a:r>
-          </a:p>
-          <a:p>
-            <a:r>
-              <a:rPr lang="en-US" sz="1400" dirty="0">
-                <a:solidFill>
-                  <a:schemeClr val="bg1"/>
-                </a:solidFill>
-                <a:latin typeface="PT Sans" panose="020B0503020203020204" pitchFamily="34" charset="0"/>
-              </a:rPr>
-              <a:t>It provides no guarantee that requests will be processed in a fixed amount of time.</a:t>
-            </a:r>
+              <a:t>In especially larger window cycles — e.g., 50 requests per hour (3,600 seconds) — the user may end up waiting for a very long time</a:t>
+            </a:r>
+          </a:p>
+          <a:p>
+            <a:endParaRPr lang="en-US" sz="1400" dirty="0">
+              <a:solidFill>
+                <a:schemeClr val="bg1"/>
+              </a:solidFill>
+              <a:latin typeface="PT Sans" panose="020B0503020203020204" pitchFamily="34" charset="0"/>
+            </a:endParaRPr>
           </a:p>
           <a:p>
             <a:pPr marL="0" indent="0">
@@ -5280,7 +7953,7 @@
     </p:spTree>
     <p:extLst>
       <p:ext uri="{BB962C8B-B14F-4D97-AF65-F5344CB8AC3E}">
-        <p14:creationId xmlns:p14="http://schemas.microsoft.com/office/powerpoint/2010/main" val="2855717457"/>
+        <p14:creationId xmlns:p14="http://schemas.microsoft.com/office/powerpoint/2010/main" val="2846015726"/>
       </p:ext>
     </p:extLst>
   </p:cSld>
@@ -5345,7 +8018,7 @@
                 <a:effectLst/>
                 <a:latin typeface="PT Sans" panose="020B0503020203020204" pitchFamily="34" charset="0"/>
               </a:rPr>
-              <a:t>Fixed window counter</a:t>
+              <a:t>Sliding window counter</a:t>
             </a:r>
           </a:p>
         </p:txBody>
@@ -5366,7 +8039,12 @@
             <p:ph idx="1"/>
           </p:nvPr>
         </p:nvSpPr>
-        <p:spPr/>
+        <p:spPr>
+          <a:xfrm>
+            <a:off x="838200" y="1825625"/>
+            <a:ext cx="10515600" cy="4667250"/>
+          </a:xfrm>
+        </p:spPr>
         <p:txBody>
           <a:bodyPr>
             <a:normAutofit/>
@@ -5383,7 +8061,7 @@
                 </a:solidFill>
                 <a:latin typeface="PT Sans" panose="020B0503020203020204" pitchFamily="34" charset="0"/>
               </a:rPr>
-              <a:t>Track the number of requests a user makes in each window</a:t>
+              <a:t>To overcome the disadvantage of the fixed window approach, we can break the rate-limit window into smaller windows and track counters across those smaller windows.</a:t>
             </a:r>
           </a:p>
           <a:p>
@@ -5397,6 +8075,62 @@
                 </a:solidFill>
                 <a:latin typeface="PT Sans" panose="020B0503020203020204" pitchFamily="34" charset="0"/>
               </a:rPr>
+              <a:t>Steps</a:t>
+            </a:r>
+            <a:r>
+              <a:rPr lang="en-US" sz="1400" b="1" dirty="0">
+                <a:solidFill>
+                  <a:schemeClr val="bg1"/>
+                </a:solidFill>
+                <a:latin typeface="PT Sans" panose="020B0503020203020204" pitchFamily="34" charset="0"/>
+              </a:rPr>
+              <a:t>:</a:t>
+            </a:r>
+          </a:p>
+          <a:p>
+            <a:r>
+              <a:rPr lang="en-US" sz="1400" dirty="0">
+                <a:solidFill>
+                  <a:schemeClr val="bg1"/>
+                </a:solidFill>
+                <a:latin typeface="PT Sans" panose="020B0503020203020204" pitchFamily="34" charset="0"/>
+              </a:rPr>
+              <a:t>A new Redis key will be created for each 1-second sub-window</a:t>
+            </a:r>
+          </a:p>
+          <a:p>
+            <a:r>
+              <a:rPr lang="en-US" sz="1400" dirty="0">
+                <a:solidFill>
+                  <a:schemeClr val="bg1"/>
+                </a:solidFill>
+                <a:latin typeface="PT Sans" panose="020B0503020203020204" pitchFamily="34" charset="0"/>
+              </a:rPr>
+              <a:t>Separate key for each sub-window or</a:t>
+            </a:r>
+          </a:p>
+          <a:p>
+            <a:r>
+              <a:rPr lang="en-US" sz="1400" dirty="0">
+                <a:solidFill>
+                  <a:schemeClr val="bg1"/>
+                </a:solidFill>
+                <a:latin typeface="PT Sans" panose="020B0503020203020204" pitchFamily="34" charset="0"/>
+              </a:rPr>
+              <a:t>Keep only one key for a user and store sub-windows and counters in a hash (more memory-efficient)</a:t>
+            </a:r>
+          </a:p>
+          <a:p>
+            <a:pPr marL="0" indent="0">
+              <a:buNone/>
+            </a:pPr>
+            <a:r>
+              <a:rPr lang="en-US" sz="2000" b="1" dirty="0">
+                <a:solidFill>
+                  <a:schemeClr val="bg1"/>
+                </a:solidFill>
+                <a:latin typeface="PT Sans" panose="020B0503020203020204" pitchFamily="34" charset="0"/>
+              </a:rPr>
               <a:t>Pros:</a:t>
             </a:r>
           </a:p>
@@ -5408,62 +8142,15 @@
                 </a:solidFill>
                 <a:latin typeface="PT Sans" panose="020B0503020203020204" pitchFamily="34" charset="0"/>
               </a:rPr>
-              <a:t>Easy to implement</a:t>
-            </a:r>
-          </a:p>
-          <a:p>
-            <a:pPr marL="0" indent="0">
-              <a:buNone/>
-            </a:pPr>
-            <a:r>
-              <a:rPr lang="en-US" sz="2000" b="1" dirty="0">
-                <a:solidFill>
-                  <a:schemeClr val="bg1"/>
-                </a:solidFill>
-                <a:latin typeface="PT Sans" panose="020B0503020203020204" pitchFamily="34" charset="0"/>
-              </a:rPr>
-              <a:t>Cons:</a:t>
-            </a:r>
-          </a:p>
-          <a:p>
-            <a:r>
-              <a:rPr lang="en-US" sz="1400" dirty="0">
-                <a:solidFill>
-                  <a:schemeClr val="bg1"/>
-                </a:solidFill>
-                <a:latin typeface="PT Sans" panose="020B0503020203020204" pitchFamily="34" charset="0"/>
-              </a:rPr>
-              <a:t>A burst of traffic can fill-up the queue with old requests in a time slot and the new request might starve.</a:t>
-            </a:r>
-          </a:p>
-          <a:p>
-            <a:r>
-              <a:rPr lang="en-US" sz="1400" dirty="0">
-                <a:solidFill>
-                  <a:schemeClr val="bg1"/>
-                </a:solidFill>
-                <a:latin typeface="PT Sans" panose="020B0503020203020204" pitchFamily="34" charset="0"/>
-              </a:rPr>
-              <a:t>It provides no guarantee that requests will be processed in a fixed amount of time.</a:t>
-            </a:r>
-          </a:p>
-          <a:p>
-            <a:pPr marL="0" indent="0">
-              <a:buNone/>
-            </a:pPr>
-            <a:endParaRPr lang="en-US" sz="1400" dirty="0">
-              <a:solidFill>
-                <a:schemeClr val="bg1"/>
-              </a:solidFill>
-              <a:latin typeface="PT Sans" panose="020B0503020203020204" pitchFamily="34" charset="0"/>
-            </a:endParaRPr>
+              <a:t>This approach saves more memory because instead of creating a new entry for every request, we group requests by timestamp and increment the counter.</a:t>
+            </a:r>
           </a:p>
         </p:txBody>
       </p:sp>
     </p:spTree>
     <p:extLst>
       <p:ext uri="{BB962C8B-B14F-4D97-AF65-F5344CB8AC3E}">
-        <p14:creationId xmlns:p14="http://schemas.microsoft.com/office/powerpoint/2010/main" val="2846015726"/>
+        <p14:creationId xmlns:p14="http://schemas.microsoft.com/office/powerpoint/2010/main" val="3781464592"/>
       </p:ext>
     </p:extLst>
   </p:cSld>
@@ -5772,7 +8459,7 @@
                 <a:effectLst/>
                 <a:latin typeface="PT Sans" panose="020B0503020203020204" pitchFamily="34" charset="0"/>
               </a:rPr>
-              <a:t>Sliding window counter</a:t>
+              <a:t>Token bucket</a:t>
             </a:r>
           </a:p>
         </p:txBody>
@@ -5793,52 +8480,46 @@
             <p:ph idx="1"/>
           </p:nvPr>
         </p:nvSpPr>
-        <p:spPr>
-          <a:xfrm>
-            <a:off x="838200" y="1825625"/>
-            <a:ext cx="10515600" cy="4667250"/>
-          </a:xfrm>
-        </p:spPr>
+        <p:spPr/>
         <p:txBody>
           <a:bodyPr>
             <a:normAutofit/>
           </a:bodyPr>
           <a:lstStyle/>
           <a:p>
+            <a:r>
+              <a:rPr lang="en-US" sz="1400" dirty="0">
+                <a:solidFill>
+                  <a:schemeClr val="bg1"/>
+                </a:solidFill>
+                <a:latin typeface="PT Sans" panose="020B0503020203020204" pitchFamily="34" charset="0"/>
+              </a:rPr>
+              <a:t>A counter indicating how many tokens a user has left</a:t>
+            </a:r>
+          </a:p>
+          <a:p>
+            <a:r>
+              <a:rPr lang="en-US" sz="1400" dirty="0">
+                <a:solidFill>
+                  <a:schemeClr val="bg1"/>
+                </a:solidFill>
+                <a:latin typeface="PT Sans" panose="020B0503020203020204" pitchFamily="34" charset="0"/>
+              </a:rPr>
+              <a:t>A timestamp showing when it was last updated</a:t>
+            </a:r>
+          </a:p>
+          <a:p>
             <a:pPr marL="0" indent="0">
               <a:buNone/>
             </a:pPr>
             <a:r>
-              <a:rPr lang="en-US" sz="1400" b="1" dirty="0">
-                <a:solidFill>
-                  <a:schemeClr val="bg1"/>
-                </a:solidFill>
-                <a:latin typeface="PT Sans" panose="020B0503020203020204" pitchFamily="34" charset="0"/>
-              </a:rPr>
-              <a:t>This approach attempts to optimize some of the inefficiencies of both the fixed window counter and sliding logs technique. In this technique, the user’s requests are grouped by timestamp, and rather than log each request, we keep a counter for each group.</a:t>
-            </a:r>
-          </a:p>
-          <a:p>
-            <a:pPr marL="0" indent="0">
-              <a:buNone/>
-            </a:pPr>
-            <a:r>
               <a:rPr lang="en-US" sz="2000" b="1" dirty="0">
                 <a:solidFill>
                   <a:schemeClr val="bg1"/>
                 </a:solidFill>
                 <a:latin typeface="PT Sans" panose="020B0503020203020204" pitchFamily="34" charset="0"/>
               </a:rPr>
-              <a:t>Steps</a:t>
-            </a:r>
-            <a:r>
-              <a:rPr lang="en-US" sz="1400" b="1" dirty="0">
-                <a:solidFill>
-                  <a:schemeClr val="bg1"/>
-                </a:solidFill>
-                <a:latin typeface="PT Sans" panose="020B0503020203020204" pitchFamily="34" charset="0"/>
-              </a:rPr>
-              <a:t>:</a:t>
+              <a:t>Pros:</a:t>
             </a:r>
           </a:p>
           <a:p>
@@ -5849,7 +8530,7 @@
                 </a:solidFill>
                 <a:latin typeface="PT Sans" panose="020B0503020203020204" pitchFamily="34" charset="0"/>
               </a:rPr>
-              <a:t>Retrieve all requests logged in the last window (60 seconds) and check if the number of requests exceeds the allowed limit</a:t>
+              <a:t>This is an accurate approach as the window is not fixed across users and, as such, is determined based on a user’s activity.</a:t>
             </a:r>
           </a:p>
           <a:p>
@@ -5860,51 +8541,21 @@
                 </a:solidFill>
                 <a:latin typeface="PT Sans" panose="020B0503020203020204" pitchFamily="34" charset="0"/>
               </a:rPr>
-              <a:t>If the number of requests is less than the limit, log the request and process it</a:t>
-            </a:r>
-          </a:p>
-          <a:p>
-            <a:r>
-              <a:rPr lang="en-US" sz="1400" dirty="0">
-                <a:solidFill>
-                  <a:schemeClr val="bg1"/>
-                </a:solidFill>
-                <a:latin typeface="PT Sans" panose="020B0503020203020204" pitchFamily="34" charset="0"/>
-              </a:rPr>
-              <a:t>If the number of requests is equal to the limit, drop the request</a:t>
-            </a:r>
-          </a:p>
-          <a:p>
-            <a:pPr marL="0" indent="0">
-              <a:buNone/>
-            </a:pPr>
-            <a:r>
-              <a:rPr lang="en-US" sz="2000" b="1" dirty="0">
-                <a:solidFill>
-                  <a:schemeClr val="bg1"/>
-                </a:solidFill>
-                <a:latin typeface="PT Sans" panose="020B0503020203020204" pitchFamily="34" charset="0"/>
-              </a:rPr>
-              <a:t>Pros:</a:t>
-            </a:r>
-          </a:p>
-          <a:p>
-            <a:r>
-              <a:rPr lang="en-US" sz="1400" dirty="0">
-                <a:solidFill>
-                  <a:schemeClr val="bg1"/>
-                </a:solidFill>
-                <a:latin typeface="PT Sans" panose="020B0503020203020204" pitchFamily="34" charset="0"/>
-              </a:rPr>
-              <a:t>This approach saves more memory because instead of creating a new entry for every request, we group requests by timestamp and increment the counter.</a:t>
-            </a:r>
+              <a:t>Memory consumption is minimal since you only have one entry per user, which is used to manage their activity (timestamp and available tokens) over time.</a:t>
+            </a:r>
+            <a:endParaRPr lang="en-US" sz="2000" dirty="0">
+              <a:solidFill>
+                <a:schemeClr val="bg1"/>
+              </a:solidFill>
+              <a:latin typeface="PT Sans" panose="020B0503020203020204" pitchFamily="34" charset="0"/>
+            </a:endParaRPr>
           </a:p>
         </p:txBody>
       </p:sp>
     </p:spTree>
     <p:extLst>
       <p:ext uri="{BB962C8B-B14F-4D97-AF65-F5344CB8AC3E}">
-        <p14:creationId xmlns:p14="http://schemas.microsoft.com/office/powerpoint/2010/main" val="3781464592"/>
+        <p14:creationId xmlns:p14="http://schemas.microsoft.com/office/powerpoint/2010/main" val="1656998287"/>
       </p:ext>
     </p:extLst>
   </p:cSld>
